--- a/Lec presentations/Презентация_Основы_работы_с_GitLab.pptx
+++ b/Lec presentations/Презентация_Основы_работы_с_GitLab.pptx
@@ -6,24 +6,25 @@
   </p:sldMasterIdLst>
   <p:sldIdLst>
     <p:sldId id="256" r:id="rId2"/>
-    <p:sldId id="257" r:id="rId3"/>
-    <p:sldId id="258" r:id="rId4"/>
-    <p:sldId id="271" r:id="rId5"/>
-    <p:sldId id="261" r:id="rId6"/>
-    <p:sldId id="260" r:id="rId7"/>
-    <p:sldId id="274" r:id="rId8"/>
-    <p:sldId id="262" r:id="rId9"/>
-    <p:sldId id="263" r:id="rId10"/>
-    <p:sldId id="264" r:id="rId11"/>
-    <p:sldId id="265" r:id="rId12"/>
-    <p:sldId id="266" r:id="rId13"/>
-    <p:sldId id="267" r:id="rId14"/>
-    <p:sldId id="269" r:id="rId15"/>
-    <p:sldId id="270" r:id="rId16"/>
-    <p:sldId id="272" r:id="rId17"/>
-    <p:sldId id="273" r:id="rId18"/>
-    <p:sldId id="268" r:id="rId19"/>
-    <p:sldId id="259" r:id="rId20"/>
+    <p:sldId id="258" r:id="rId3"/>
+    <p:sldId id="257" r:id="rId4"/>
+    <p:sldId id="275" r:id="rId5"/>
+    <p:sldId id="271" r:id="rId6"/>
+    <p:sldId id="261" r:id="rId7"/>
+    <p:sldId id="260" r:id="rId8"/>
+    <p:sldId id="274" r:id="rId9"/>
+    <p:sldId id="262" r:id="rId10"/>
+    <p:sldId id="263" r:id="rId11"/>
+    <p:sldId id="264" r:id="rId12"/>
+    <p:sldId id="265" r:id="rId13"/>
+    <p:sldId id="266" r:id="rId14"/>
+    <p:sldId id="267" r:id="rId15"/>
+    <p:sldId id="269" r:id="rId16"/>
+    <p:sldId id="270" r:id="rId17"/>
+    <p:sldId id="272" r:id="rId18"/>
+    <p:sldId id="273" r:id="rId19"/>
+    <p:sldId id="268" r:id="rId20"/>
+    <p:sldId id="259" r:id="rId21"/>
   </p:sldIdLst>
   <p:sldSz cx="9144000" cy="6858000" type="screen4x3"/>
   <p:notesSz cx="6858000" cy="9144000"/>
@@ -122,6 +123,22 @@
       </a:defRPr>
     </a:lvl9pPr>
   </p:defaultTextStyle>
+  <p:extLst>
+    <p:ext uri="{EFAFB233-063F-42B5-8137-9DF3F51BA10A}">
+      <p15:sldGuideLst xmlns:p15="http://schemas.microsoft.com/office/powerpoint/2012/main">
+        <p15:guide id="1" orient="horz" pos="2160">
+          <p15:clr>
+            <a:srgbClr val="A4A3A4"/>
+          </p15:clr>
+        </p15:guide>
+        <p15:guide id="2" pos="2880">
+          <p15:clr>
+            <a:srgbClr val="A4A3A4"/>
+          </p15:clr>
+        </p15:guide>
+      </p15:sldGuideLst>
+    </p:ext>
+  </p:extLst>
 </p:presentation>
 </file>
 
@@ -156,9 +173,82 @@
         </p:xfrm>
         <a:graphic>
           <a:graphicData uri="http://schemas.openxmlformats.org/presentationml/2006/ole">
-            <p:oleObj spid="_x0000_s2050" name="Точечный рисунок" r:id="rId3" imgW="1504762" imgH="4153480" progId="PBrush">
-              <p:embed/>
-            </p:oleObj>
+            <mc:AlternateContent xmlns:mc="http://schemas.openxmlformats.org/markup-compatibility/2006">
+              <mc:Choice xmlns:v="urn:schemas-microsoft-com:vml" Requires="v">
+                <p:oleObj spid="_x0000_s2053" name="Точечный рисунок" r:id="rId3" imgW="1504762" imgH="4153480" progId="PBrush">
+                  <p:embed/>
+                </p:oleObj>
+              </mc:Choice>
+              <mc:Fallback>
+                <p:oleObj name="Точечный рисунок" r:id="rId3" imgW="1504762" imgH="4153480" progId="PBrush">
+                  <p:embed/>
+                  <p:pic>
+                    <p:nvPicPr>
+                      <p:cNvPr id="0" name="Object 4"/>
+                      <p:cNvPicPr>
+                        <a:picLocks noChangeAspect="1" noChangeArrowheads="1"/>
+                      </p:cNvPicPr>
+                      <p:nvPr/>
+                    </p:nvPicPr>
+                    <p:blipFill>
+                      <a:blip r:embed="rId4">
+                        <a:extLst>
+                          <a:ext uri="{28A0092B-C50C-407E-A947-70E740481C1C}">
+                            <a14:useLocalDpi xmlns:a14="http://schemas.microsoft.com/office/drawing/2010/main" val="0"/>
+                          </a:ext>
+                        </a:extLst>
+                      </a:blip>
+                      <a:srcRect/>
+                      <a:stretch>
+                        <a:fillRect/>
+                      </a:stretch>
+                    </p:blipFill>
+                    <p:spPr bwMode="auto">
+                      <a:xfrm>
+                        <a:off x="1590" y="2035175"/>
+                        <a:ext cx="846137" cy="2159000"/>
+                      </a:xfrm>
+                      <a:prstGeom prst="rect">
+                        <a:avLst/>
+                      </a:prstGeom>
+                      <a:noFill/>
+                      <a:ln>
+                        <a:noFill/>
+                      </a:ln>
+                      <a:effectLst/>
+                      <a:extLst>
+                        <a:ext uri="{909E8E84-426E-40DD-AFC4-6F175D3DCCD1}">
+                          <a14:hiddenFill xmlns:a14="http://schemas.microsoft.com/office/drawing/2010/main">
+                            <a:solidFill>
+                              <a:schemeClr val="accent1"/>
+                            </a:solidFill>
+                          </a14:hiddenFill>
+                        </a:ext>
+                        <a:ext uri="{91240B29-F687-4F45-9708-019B960494DF}">
+                          <a14:hiddenLine xmlns:a14="http://schemas.microsoft.com/office/drawing/2010/main" w="9525">
+                            <a:solidFill>
+                              <a:schemeClr val="tx1"/>
+                            </a:solidFill>
+                            <a:miter lim="800000"/>
+                            <a:headEnd/>
+                            <a:tailEnd/>
+                          </a14:hiddenLine>
+                        </a:ext>
+                        <a:ext uri="{AF507438-7753-43E0-B8FC-AC1667EBCBE1}">
+                          <a14:hiddenEffects xmlns:a14="http://schemas.microsoft.com/office/drawing/2010/main">
+                            <a:effectLst>
+                              <a:outerShdw dist="35921" dir="2700000" algn="ctr" rotWithShape="0">
+                                <a:schemeClr val="bg2"/>
+                              </a:outerShdw>
+                            </a:effectLst>
+                          </a14:hiddenEffects>
+                        </a:ext>
+                      </a:extLst>
+                    </p:spPr>
+                  </p:pic>
+                </p:oleObj>
+              </mc:Fallback>
+            </mc:AlternateContent>
           </a:graphicData>
         </a:graphic>
       </p:graphicFrame>
@@ -176,9 +266,82 @@
         </p:xfrm>
         <a:graphic>
           <a:graphicData uri="http://schemas.openxmlformats.org/presentationml/2006/ole">
-            <p:oleObj spid="_x0000_s2051" name="Точечный рисунок" r:id="rId4" imgW="1504762" imgH="4153480" progId="PBrush">
-              <p:embed/>
-            </p:oleObj>
+            <mc:AlternateContent xmlns:mc="http://schemas.openxmlformats.org/markup-compatibility/2006">
+              <mc:Choice xmlns:v="urn:schemas-microsoft-com:vml" Requires="v">
+                <p:oleObj spid="_x0000_s2054" name="Точечный рисунок" r:id="rId5" imgW="1504762" imgH="4153480" progId="PBrush">
+                  <p:embed/>
+                </p:oleObj>
+              </mc:Choice>
+              <mc:Fallback>
+                <p:oleObj name="Точечный рисунок" r:id="rId5" imgW="1504762" imgH="4153480" progId="PBrush">
+                  <p:embed/>
+                  <p:pic>
+                    <p:nvPicPr>
+                      <p:cNvPr id="0" name="Object 2"/>
+                      <p:cNvPicPr>
+                        <a:picLocks noChangeAspect="1" noChangeArrowheads="1"/>
+                      </p:cNvPicPr>
+                      <p:nvPr/>
+                    </p:nvPicPr>
+                    <p:blipFill>
+                      <a:blip r:embed="rId4">
+                        <a:extLst>
+                          <a:ext uri="{28A0092B-C50C-407E-A947-70E740481C1C}">
+                            <a14:useLocalDpi xmlns:a14="http://schemas.microsoft.com/office/drawing/2010/main" val="0"/>
+                          </a:ext>
+                        </a:extLst>
+                      </a:blip>
+                      <a:srcRect/>
+                      <a:stretch>
+                        <a:fillRect/>
+                      </a:stretch>
+                    </p:blipFill>
+                    <p:spPr bwMode="auto">
+                      <a:xfrm>
+                        <a:off x="0" y="4149725"/>
+                        <a:ext cx="846138" cy="2708275"/>
+                      </a:xfrm>
+                      <a:prstGeom prst="rect">
+                        <a:avLst/>
+                      </a:prstGeom>
+                      <a:noFill/>
+                      <a:ln>
+                        <a:noFill/>
+                      </a:ln>
+                      <a:effectLst/>
+                      <a:extLst>
+                        <a:ext uri="{909E8E84-426E-40DD-AFC4-6F175D3DCCD1}">
+                          <a14:hiddenFill xmlns:a14="http://schemas.microsoft.com/office/drawing/2010/main">
+                            <a:solidFill>
+                              <a:schemeClr val="accent1"/>
+                            </a:solidFill>
+                          </a14:hiddenFill>
+                        </a:ext>
+                        <a:ext uri="{91240B29-F687-4F45-9708-019B960494DF}">
+                          <a14:hiddenLine xmlns:a14="http://schemas.microsoft.com/office/drawing/2010/main" w="9525">
+                            <a:solidFill>
+                              <a:schemeClr val="tx1"/>
+                            </a:solidFill>
+                            <a:miter lim="800000"/>
+                            <a:headEnd/>
+                            <a:tailEnd/>
+                          </a14:hiddenLine>
+                        </a:ext>
+                        <a:ext uri="{AF507438-7753-43E0-B8FC-AC1667EBCBE1}">
+                          <a14:hiddenEffects xmlns:a14="http://schemas.microsoft.com/office/drawing/2010/main">
+                            <a:effectLst>
+                              <a:outerShdw dist="35921" dir="2700000" algn="ctr" rotWithShape="0">
+                                <a:schemeClr val="bg2"/>
+                              </a:outerShdw>
+                            </a:effectLst>
+                          </a14:hiddenEffects>
+                        </a:ext>
+                      </a:extLst>
+                    </p:spPr>
+                  </p:pic>
+                </p:oleObj>
+              </mc:Fallback>
+            </mc:AlternateContent>
           </a:graphicData>
         </a:graphic>
       </p:graphicFrame>
@@ -196,9 +359,82 @@
         </p:xfrm>
         <a:graphic>
           <a:graphicData uri="http://schemas.openxmlformats.org/presentationml/2006/ole">
-            <p:oleObj spid="_x0000_s2052" name="Точечный рисунок" r:id="rId5" imgW="1504762" imgH="4153480" progId="PBrush">
-              <p:embed/>
-            </p:oleObj>
+            <mc:AlternateContent xmlns:mc="http://schemas.openxmlformats.org/markup-compatibility/2006">
+              <mc:Choice xmlns:v="urn:schemas-microsoft-com:vml" Requires="v">
+                <p:oleObj spid="_x0000_s2055" name="Точечный рисунок" r:id="rId6" imgW="1504762" imgH="4153480" progId="PBrush">
+                  <p:embed/>
+                </p:oleObj>
+              </mc:Choice>
+              <mc:Fallback>
+                <p:oleObj name="Точечный рисунок" r:id="rId6" imgW="1504762" imgH="4153480" progId="PBrush">
+                  <p:embed/>
+                  <p:pic>
+                    <p:nvPicPr>
+                      <p:cNvPr id="0" name="Picture 4"/>
+                      <p:cNvPicPr>
+                        <a:picLocks noChangeAspect="1" noChangeArrowheads="1"/>
+                      </p:cNvPicPr>
+                      <p:nvPr/>
+                    </p:nvPicPr>
+                    <p:blipFill>
+                      <a:blip r:embed="rId4">
+                        <a:extLst>
+                          <a:ext uri="{28A0092B-C50C-407E-A947-70E740481C1C}">
+                            <a14:useLocalDpi xmlns:a14="http://schemas.microsoft.com/office/drawing/2010/main" val="0"/>
+                          </a:ext>
+                        </a:extLst>
+                      </a:blip>
+                      <a:srcRect/>
+                      <a:stretch>
+                        <a:fillRect/>
+                      </a:stretch>
+                    </p:blipFill>
+                    <p:spPr bwMode="auto">
+                      <a:xfrm>
+                        <a:off x="0" y="7939"/>
+                        <a:ext cx="846138" cy="2708275"/>
+                      </a:xfrm>
+                      <a:prstGeom prst="rect">
+                        <a:avLst/>
+                      </a:prstGeom>
+                      <a:noFill/>
+                      <a:ln>
+                        <a:noFill/>
+                      </a:ln>
+                      <a:effectLst/>
+                      <a:extLst>
+                        <a:ext uri="{909E8E84-426E-40DD-AFC4-6F175D3DCCD1}">
+                          <a14:hiddenFill xmlns:a14="http://schemas.microsoft.com/office/drawing/2010/main">
+                            <a:solidFill>
+                              <a:schemeClr val="accent1"/>
+                            </a:solidFill>
+                          </a14:hiddenFill>
+                        </a:ext>
+                        <a:ext uri="{91240B29-F687-4F45-9708-019B960494DF}">
+                          <a14:hiddenLine xmlns:a14="http://schemas.microsoft.com/office/drawing/2010/main" w="9525">
+                            <a:solidFill>
+                              <a:schemeClr val="tx1"/>
+                            </a:solidFill>
+                            <a:miter lim="800000"/>
+                            <a:headEnd/>
+                            <a:tailEnd/>
+                          </a14:hiddenLine>
+                        </a:ext>
+                        <a:ext uri="{AF507438-7753-43E0-B8FC-AC1667EBCBE1}">
+                          <a14:hiddenEffects xmlns:a14="http://schemas.microsoft.com/office/drawing/2010/main">
+                            <a:effectLst>
+                              <a:outerShdw dist="35921" dir="2700000" algn="ctr" rotWithShape="0">
+                                <a:schemeClr val="bg2"/>
+                              </a:outerShdw>
+                            </a:effectLst>
+                          </a14:hiddenEffects>
+                        </a:ext>
+                      </a:extLst>
+                    </p:spPr>
+                  </p:pic>
+                </p:oleObj>
+              </mc:Fallback>
+            </mc:AlternateContent>
           </a:graphicData>
         </a:graphic>
       </p:graphicFrame>
@@ -211,7 +447,7 @@
           <p:nvPr/>
         </p:nvPicPr>
         <p:blipFill>
-          <a:blip r:embed="rId6" cstate="print"/>
+          <a:blip r:embed="rId7" cstate="print"/>
           <a:srcRect/>
           <a:stretch>
             <a:fillRect/>
@@ -243,7 +479,7 @@
           <p:nvPr/>
         </p:nvPicPr>
         <p:blipFill>
-          <a:blip r:embed="rId7" cstate="print">
+          <a:blip r:embed="rId8" cstate="print">
             <a:clrChange>
               <a:clrFrom>
                 <a:srgbClr val="FFFFFF"/>
@@ -2747,9 +2983,72 @@
         </p:xfrm>
         <a:graphic>
           <a:graphicData uri="http://schemas.openxmlformats.org/presentationml/2006/ole">
-            <p:oleObj spid="_x0000_s1026" name="Точечный рисунок" r:id="rId18" imgW="1504762" imgH="4153480" progId="PBrush">
-              <p:embed/>
-            </p:oleObj>
+            <mc:AlternateContent xmlns:mc="http://schemas.openxmlformats.org/markup-compatibility/2006">
+              <mc:Choice xmlns:v="urn:schemas-microsoft-com:vml" Requires="v">
+                <p:oleObj spid="_x0000_s1029" name="Точечный рисунок" r:id="rId18" imgW="1504762" imgH="4153480" progId="PBrush">
+                  <p:embed/>
+                </p:oleObj>
+              </mc:Choice>
+              <mc:Fallback>
+                <p:oleObj name="Точечный рисунок" r:id="rId18" imgW="1504762" imgH="4153480" progId="PBrush">
+                  <p:embed/>
+                  <p:pic>
+                    <p:nvPicPr>
+                      <p:cNvPr id="0" name="Object 4"/>
+                      <p:cNvPicPr>
+                        <a:picLocks noChangeAspect="1" noChangeArrowheads="1"/>
+                      </p:cNvPicPr>
+                      <p:nvPr/>
+                    </p:nvPicPr>
+                    <p:blipFill>
+                      <a:blip r:embed="rId19">
+                        <a:extLst>
+                          <a:ext uri="{28A0092B-C50C-407E-A947-70E740481C1C}">
+                            <a14:useLocalDpi xmlns:a14="http://schemas.microsoft.com/office/drawing/2010/main" val="0"/>
+                          </a:ext>
+                        </a:extLst>
+                      </a:blip>
+                      <a:srcRect/>
+                      <a:stretch>
+                        <a:fillRect/>
+                      </a:stretch>
+                    </p:blipFill>
+                    <p:spPr bwMode="auto">
+                      <a:xfrm>
+                        <a:off x="1590" y="2035175"/>
+                        <a:ext cx="846137" cy="2159000"/>
+                      </a:xfrm>
+                      <a:prstGeom prst="rect">
+                        <a:avLst/>
+                      </a:prstGeom>
+                      <a:noFill/>
+                      <a:ln>
+                        <a:noFill/>
+                      </a:ln>
+                      <a:extLst>
+                        <a:ext uri="{909E8E84-426E-40DD-AFC4-6F175D3DCCD1}">
+                          <a14:hiddenFill xmlns:a14="http://schemas.microsoft.com/office/drawing/2010/main">
+                            <a:solidFill>
+                              <a:srgbClr val="00CC99"/>
+                            </a:solidFill>
+                          </a14:hiddenFill>
+                        </a:ext>
+                        <a:ext uri="{91240B29-F687-4F45-9708-019B960494DF}">
+                          <a14:hiddenLine xmlns:a14="http://schemas.microsoft.com/office/drawing/2010/main" w="9525">
+                            <a:solidFill>
+                              <a:schemeClr val="tx1"/>
+                            </a:solidFill>
+                            <a:miter lim="800000"/>
+                            <a:headEnd/>
+                            <a:tailEnd/>
+                          </a14:hiddenLine>
+                        </a:ext>
+                      </a:extLst>
+                    </p:spPr>
+                  </p:pic>
+                </p:oleObj>
+              </mc:Fallback>
+            </mc:AlternateContent>
           </a:graphicData>
         </a:graphic>
       </p:graphicFrame>
@@ -2767,9 +3066,72 @@
         </p:xfrm>
         <a:graphic>
           <a:graphicData uri="http://schemas.openxmlformats.org/presentationml/2006/ole">
-            <p:oleObj spid="_x0000_s1027" name="Точечный рисунок" r:id="rId19" imgW="1504762" imgH="4153480" progId="PBrush">
-              <p:embed/>
-            </p:oleObj>
+            <mc:AlternateContent xmlns:mc="http://schemas.openxmlformats.org/markup-compatibility/2006">
+              <mc:Choice xmlns:v="urn:schemas-microsoft-com:vml" Requires="v">
+                <p:oleObj spid="_x0000_s1030" name="Точечный рисунок" r:id="rId20" imgW="1504762" imgH="4153480" progId="PBrush">
+                  <p:embed/>
+                </p:oleObj>
+              </mc:Choice>
+              <mc:Fallback>
+                <p:oleObj name="Точечный рисунок" r:id="rId20" imgW="1504762" imgH="4153480" progId="PBrush">
+                  <p:embed/>
+                  <p:pic>
+                    <p:nvPicPr>
+                      <p:cNvPr id="0" name="Object 2"/>
+                      <p:cNvPicPr>
+                        <a:picLocks noChangeAspect="1" noChangeArrowheads="1"/>
+                      </p:cNvPicPr>
+                      <p:nvPr/>
+                    </p:nvPicPr>
+                    <p:blipFill>
+                      <a:blip r:embed="rId19">
+                        <a:extLst>
+                          <a:ext uri="{28A0092B-C50C-407E-A947-70E740481C1C}">
+                            <a14:useLocalDpi xmlns:a14="http://schemas.microsoft.com/office/drawing/2010/main" val="0"/>
+                          </a:ext>
+                        </a:extLst>
+                      </a:blip>
+                      <a:srcRect/>
+                      <a:stretch>
+                        <a:fillRect/>
+                      </a:stretch>
+                    </p:blipFill>
+                    <p:spPr bwMode="auto">
+                      <a:xfrm>
+                        <a:off x="0" y="4149725"/>
+                        <a:ext cx="846138" cy="2708275"/>
+                      </a:xfrm>
+                      <a:prstGeom prst="rect">
+                        <a:avLst/>
+                      </a:prstGeom>
+                      <a:noFill/>
+                      <a:ln>
+                        <a:noFill/>
+                      </a:ln>
+                      <a:extLst>
+                        <a:ext uri="{909E8E84-426E-40DD-AFC4-6F175D3DCCD1}">
+                          <a14:hiddenFill xmlns:a14="http://schemas.microsoft.com/office/drawing/2010/main">
+                            <a:solidFill>
+                              <a:srgbClr val="00CC99"/>
+                            </a:solidFill>
+                          </a14:hiddenFill>
+                        </a:ext>
+                        <a:ext uri="{91240B29-F687-4F45-9708-019B960494DF}">
+                          <a14:hiddenLine xmlns:a14="http://schemas.microsoft.com/office/drawing/2010/main" w="9525">
+                            <a:solidFill>
+                              <a:schemeClr val="tx1"/>
+                            </a:solidFill>
+                            <a:miter lim="800000"/>
+                            <a:headEnd/>
+                            <a:tailEnd/>
+                          </a14:hiddenLine>
+                        </a:ext>
+                      </a:extLst>
+                    </p:spPr>
+                  </p:pic>
+                </p:oleObj>
+              </mc:Fallback>
+            </mc:AlternateContent>
           </a:graphicData>
         </a:graphic>
       </p:graphicFrame>
@@ -2787,9 +3149,72 @@
         </p:xfrm>
         <a:graphic>
           <a:graphicData uri="http://schemas.openxmlformats.org/presentationml/2006/ole">
-            <p:oleObj spid="_x0000_s1028" name="Точечный рисунок" r:id="rId20" imgW="1504762" imgH="4153480" progId="PBrush">
-              <p:embed/>
-            </p:oleObj>
+            <mc:AlternateContent xmlns:mc="http://schemas.openxmlformats.org/markup-compatibility/2006">
+              <mc:Choice xmlns:v="urn:schemas-microsoft-com:vml" Requires="v">
+                <p:oleObj spid="_x0000_s1031" name="Точечный рисунок" r:id="rId21" imgW="1504762" imgH="4153480" progId="PBrush">
+                  <p:embed/>
+                </p:oleObj>
+              </mc:Choice>
+              <mc:Fallback>
+                <p:oleObj name="Точечный рисунок" r:id="rId21" imgW="1504762" imgH="4153480" progId="PBrush">
+                  <p:embed/>
+                  <p:pic>
+                    <p:nvPicPr>
+                      <p:cNvPr id="0" name="Picture 4"/>
+                      <p:cNvPicPr>
+                        <a:picLocks noChangeAspect="1" noChangeArrowheads="1"/>
+                      </p:cNvPicPr>
+                      <p:nvPr/>
+                    </p:nvPicPr>
+                    <p:blipFill>
+                      <a:blip r:embed="rId19">
+                        <a:extLst>
+                          <a:ext uri="{28A0092B-C50C-407E-A947-70E740481C1C}">
+                            <a14:useLocalDpi xmlns:a14="http://schemas.microsoft.com/office/drawing/2010/main" val="0"/>
+                          </a:ext>
+                        </a:extLst>
+                      </a:blip>
+                      <a:srcRect/>
+                      <a:stretch>
+                        <a:fillRect/>
+                      </a:stretch>
+                    </p:blipFill>
+                    <p:spPr bwMode="auto">
+                      <a:xfrm>
+                        <a:off x="0" y="7939"/>
+                        <a:ext cx="846138" cy="2708275"/>
+                      </a:xfrm>
+                      <a:prstGeom prst="rect">
+                        <a:avLst/>
+                      </a:prstGeom>
+                      <a:noFill/>
+                      <a:ln>
+                        <a:noFill/>
+                      </a:ln>
+                      <a:extLst>
+                        <a:ext uri="{909E8E84-426E-40DD-AFC4-6F175D3DCCD1}">
+                          <a14:hiddenFill xmlns:a14="http://schemas.microsoft.com/office/drawing/2010/main">
+                            <a:solidFill>
+                              <a:srgbClr val="00CC99"/>
+                            </a:solidFill>
+                          </a14:hiddenFill>
+                        </a:ext>
+                        <a:ext uri="{91240B29-F687-4F45-9708-019B960494DF}">
+                          <a14:hiddenLine xmlns:a14="http://schemas.microsoft.com/office/drawing/2010/main" w="9525">
+                            <a:solidFill>
+                              <a:schemeClr val="tx1"/>
+                            </a:solidFill>
+                            <a:miter lim="800000"/>
+                            <a:headEnd/>
+                            <a:tailEnd/>
+                          </a14:hiddenLine>
+                        </a:ext>
+                      </a:extLst>
+                    </p:spPr>
+                  </p:pic>
+                </p:oleObj>
+              </mc:Fallback>
+            </mc:AlternateContent>
           </a:graphicData>
         </a:graphic>
       </p:graphicFrame>
@@ -2802,7 +3227,7 @@
           <p:nvPr/>
         </p:nvPicPr>
         <p:blipFill>
-          <a:blip r:embed="rId21" cstate="print"/>
+          <a:blip r:embed="rId22" cstate="print"/>
           <a:srcRect/>
           <a:stretch>
             <a:fillRect/>
@@ -2954,7 +3379,7 @@
           <p:nvPr/>
         </p:nvPicPr>
         <p:blipFill>
-          <a:blip r:embed="rId22" cstate="print">
+          <a:blip r:embed="rId23" cstate="print">
             <a:clrChange>
               <a:clrFrom>
                 <a:srgbClr val="FFFFFF"/>
@@ -3152,7 +3577,7 @@
         </a:spcAft>
         <a:buSzPct val="60000"/>
         <a:buBlip>
-          <a:blip r:embed="rId23"/>
+          <a:blip r:embed="rId24"/>
         </a:buBlip>
         <a:defRPr sz="3200">
           <a:solidFill>
@@ -3172,7 +3597,7 @@
         </a:spcAft>
         <a:buSzPct val="60000"/>
         <a:buBlip>
-          <a:blip r:embed="rId23"/>
+          <a:blip r:embed="rId24"/>
         </a:buBlip>
         <a:defRPr sz="1600">
           <a:solidFill>
@@ -3190,7 +3615,7 @@
         </a:spcAft>
         <a:buSzPct val="60000"/>
         <a:buBlip>
-          <a:blip r:embed="rId23"/>
+          <a:blip r:embed="rId24"/>
         </a:buBlip>
         <a:defRPr sz="1400">
           <a:solidFill>
@@ -3208,7 +3633,7 @@
         </a:spcAft>
         <a:buSzPct val="60000"/>
         <a:buBlip>
-          <a:blip r:embed="rId23"/>
+          <a:blip r:embed="rId24"/>
         </a:buBlip>
         <a:defRPr sz="1200">
           <a:solidFill>
@@ -3226,7 +3651,7 @@
         </a:spcAft>
         <a:buSzPct val="60000"/>
         <a:buBlip>
-          <a:blip r:embed="rId23"/>
+          <a:blip r:embed="rId24"/>
         </a:buBlip>
         <a:defRPr sz="1200">
           <a:solidFill>
@@ -3244,7 +3669,7 @@
         </a:spcAft>
         <a:buSzPct val="60000"/>
         <a:buBlip>
-          <a:blip r:embed="rId24"/>
+          <a:blip r:embed="rId25"/>
         </a:buBlip>
         <a:defRPr sz="1200">
           <a:solidFill>
@@ -3262,7 +3687,7 @@
         </a:spcAft>
         <a:buSzPct val="60000"/>
         <a:buBlip>
-          <a:blip r:embed="rId24"/>
+          <a:blip r:embed="rId25"/>
         </a:buBlip>
         <a:defRPr sz="1200">
           <a:solidFill>
@@ -3280,7 +3705,7 @@
         </a:spcAft>
         <a:buSzPct val="60000"/>
         <a:buBlip>
-          <a:blip r:embed="rId24"/>
+          <a:blip r:embed="rId25"/>
         </a:buBlip>
         <a:defRPr sz="1200">
           <a:solidFill>
@@ -3298,7 +3723,7 @@
         </a:spcAft>
         <a:buSzPct val="60000"/>
         <a:buBlip>
-          <a:blip r:embed="rId24"/>
+          <a:blip r:embed="rId25"/>
         </a:buBlip>
         <a:defRPr sz="1200">
           <a:solidFill>
@@ -3578,7 +4003,14 @@
           <a:p>
             <a:r>
               <a:rPr lang="ru-RU" dirty="0" smtClean="0"/>
-              <a:t>4. Ветвление репозитория</a:t>
+              <a:t>3. Работа с репозиторием в </a:t>
+            </a:r>
+            <a:br>
+              <a:rPr lang="ru-RU" dirty="0" smtClean="0"/>
+            </a:br>
+            <a:r>
+              <a:rPr lang="ru-RU" dirty="0" smtClean="0"/>
+              <a:t>рамках одной ветки</a:t>
             </a:r>
             <a:endParaRPr lang="ru-RU" dirty="0"/>
           </a:p>
@@ -3594,7 +4026,12 @@
             <p:ph idx="1"/>
           </p:nvPr>
         </p:nvSpPr>
-        <p:spPr/>
+        <p:spPr>
+          <a:xfrm>
+            <a:off x="467544" y="1124745"/>
+            <a:ext cx="8210550" cy="5265737"/>
+          </a:xfrm>
+        </p:spPr>
         <p:txBody>
           <a:bodyPr/>
           <a:lstStyle/>
@@ -3604,7 +4041,7 @@
             </a:pPr>
             <a:r>
               <a:rPr lang="ru-RU" sz="1600" dirty="0" smtClean="0"/>
-              <a:t>Создание новой ветки репозитория</a:t>
+              <a:t>Добавление нового локального файла в репозиторий:</a:t>
             </a:r>
           </a:p>
           <a:p>
@@ -3627,7 +4064,7 @@
                 </a:solidFill>
                 <a:latin typeface="+mn-lt"/>
               </a:rPr>
-              <a:t> branch </a:t>
+              <a:t> add [</a:t>
             </a:r>
             <a:r>
               <a:rPr lang="ru-RU" sz="1600" i="1" dirty="0" err="1" smtClean="0">
@@ -3636,150 +4073,265 @@
                 </a:solidFill>
                 <a:latin typeface="+mn-lt"/>
               </a:rPr>
+              <a:t>имя_файла</a:t>
+            </a:r>
+            <a:r>
+              <a:rPr lang="en-US" sz="1600" i="1" dirty="0" smtClean="0">
+                <a:solidFill>
+                  <a:schemeClr val="tx1"/>
+                </a:solidFill>
+                <a:latin typeface="+mn-lt"/>
+              </a:rPr>
+              <a:t>] [. – </a:t>
+            </a:r>
+            <a:r>
+              <a:rPr lang="ru-RU" sz="1600" i="1" dirty="0" smtClean="0">
+                <a:solidFill>
+                  <a:schemeClr val="tx1"/>
+                </a:solidFill>
+                <a:latin typeface="+mn-lt"/>
+              </a:rPr>
+              <a:t>добавить все файлы </a:t>
+            </a:r>
+            <a:r>
+              <a:rPr lang="ru-RU" sz="1600" i="1" dirty="0" err="1" smtClean="0">
+                <a:solidFill>
+                  <a:schemeClr val="tx1"/>
+                </a:solidFill>
+                <a:latin typeface="+mn-lt"/>
+              </a:rPr>
+              <a:t>текщуей</a:t>
+            </a:r>
+            <a:r>
+              <a:rPr lang="en-US" sz="1600" i="1" dirty="0" smtClean="0">
+                <a:solidFill>
+                  <a:schemeClr val="tx1"/>
+                </a:solidFill>
+                <a:latin typeface="+mn-lt"/>
+              </a:rPr>
+              <a:t> </a:t>
+            </a:r>
+            <a:r>
+              <a:rPr lang="ru-RU" sz="1600" i="1" dirty="0" smtClean="0">
+                <a:solidFill>
+                  <a:schemeClr val="tx1"/>
+                </a:solidFill>
+                <a:latin typeface="+mn-lt"/>
+              </a:rPr>
+              <a:t>директории</a:t>
+            </a:r>
+            <a:r>
+              <a:rPr lang="en-US" sz="1600" i="1" dirty="0" smtClean="0">
+                <a:solidFill>
+                  <a:schemeClr val="tx1"/>
+                </a:solidFill>
+                <a:latin typeface="+mn-lt"/>
+              </a:rPr>
+              <a:t>]</a:t>
+            </a:r>
+          </a:p>
+          <a:p>
+            <a:pPr marL="0" indent="447675">
+              <a:buNone/>
+            </a:pPr>
+            <a:r>
+              <a:rPr lang="ru-RU" sz="1600" dirty="0" smtClean="0">
+                <a:solidFill>
+                  <a:schemeClr val="tx1"/>
+                </a:solidFill>
+                <a:latin typeface="+mn-lt"/>
+              </a:rPr>
+              <a:t>Для того чтобы изменения вносимые в какой-либо файл отслеживались в репозитории этот файл необходимо предварительно добавить файл в репозиторий при помощи команды </a:t>
+            </a:r>
+            <a:r>
+              <a:rPr lang="en-US" sz="1600" i="1" dirty="0" err="1" smtClean="0">
+                <a:solidFill>
+                  <a:schemeClr val="tx1"/>
+                </a:solidFill>
+                <a:latin typeface="+mn-lt"/>
+              </a:rPr>
+              <a:t>git</a:t>
+            </a:r>
+            <a:r>
+              <a:rPr lang="en-US" sz="1600" i="1" dirty="0" smtClean="0">
+                <a:solidFill>
+                  <a:schemeClr val="tx1"/>
+                </a:solidFill>
+                <a:latin typeface="+mn-lt"/>
+              </a:rPr>
+              <a:t> add</a:t>
+            </a:r>
+            <a:r>
+              <a:rPr lang="ru-RU" sz="1600" i="1" dirty="0" smtClean="0">
+                <a:solidFill>
+                  <a:schemeClr val="tx1"/>
+                </a:solidFill>
+                <a:latin typeface="+mn-lt"/>
+              </a:rPr>
+              <a:t>. </a:t>
+            </a:r>
+            <a:r>
+              <a:rPr lang="ru-RU" sz="1600" dirty="0" smtClean="0">
+                <a:solidFill>
+                  <a:schemeClr val="tx1"/>
+                </a:solidFill>
+                <a:latin typeface="+mn-lt"/>
+              </a:rPr>
+              <a:t>Новые создаваемые файлы по умолчанию не включаются в репозиторий.</a:t>
+            </a:r>
+          </a:p>
+          <a:p>
+            <a:pPr marL="0" indent="447675">
+              <a:buNone/>
+            </a:pPr>
+            <a:r>
+              <a:rPr lang="ru-RU" sz="1600" dirty="0" smtClean="0">
+                <a:solidFill>
+                  <a:schemeClr val="tx1"/>
+                </a:solidFill>
+                <a:latin typeface="+mn-lt"/>
+              </a:rPr>
+              <a:t>При использовании командной строки при работе с </a:t>
+            </a:r>
+            <a:r>
+              <a:rPr lang="en-US" sz="1600" dirty="0" err="1" smtClean="0">
+                <a:solidFill>
+                  <a:schemeClr val="tx1"/>
+                </a:solidFill>
+                <a:latin typeface="+mn-lt"/>
+              </a:rPr>
+              <a:t>git</a:t>
+            </a:r>
+            <a:r>
+              <a:rPr lang="ru-RU" sz="1600" dirty="0" smtClean="0">
+                <a:solidFill>
+                  <a:schemeClr val="tx1"/>
+                </a:solidFill>
+                <a:latin typeface="+mn-lt"/>
+              </a:rPr>
+              <a:t>, необходимо добавлять файл, в котором произведены изменения перед каждым </a:t>
+            </a:r>
+            <a:r>
+              <a:rPr lang="ru-RU" sz="1600" dirty="0" err="1" smtClean="0">
+                <a:solidFill>
+                  <a:schemeClr val="tx1"/>
+                </a:solidFill>
+                <a:latin typeface="+mn-lt"/>
+              </a:rPr>
+              <a:t>коммитом</a:t>
+            </a:r>
+            <a:r>
+              <a:rPr lang="ru-RU" sz="1600" dirty="0" smtClean="0">
+                <a:solidFill>
+                  <a:schemeClr val="tx1"/>
+                </a:solidFill>
+                <a:latin typeface="+mn-lt"/>
+              </a:rPr>
+              <a:t>. В случае если работа ведется через </a:t>
+            </a:r>
+            <a:r>
+              <a:rPr lang="en-US" sz="1600" dirty="0" smtClean="0">
+                <a:solidFill>
+                  <a:schemeClr val="tx1"/>
+                </a:solidFill>
+                <a:latin typeface="+mn-lt"/>
+              </a:rPr>
+              <a:t>Tortoise Git </a:t>
+            </a:r>
+            <a:r>
+              <a:rPr lang="ru-RU" sz="1600" dirty="0" smtClean="0">
+                <a:solidFill>
+                  <a:schemeClr val="tx1"/>
+                </a:solidFill>
+                <a:latin typeface="+mn-lt"/>
+              </a:rPr>
+              <a:t>или встроена в </a:t>
+            </a:r>
+            <a:r>
+              <a:rPr lang="en-US" sz="1600" dirty="0" smtClean="0">
+                <a:solidFill>
+                  <a:schemeClr val="tx1"/>
+                </a:solidFill>
+                <a:latin typeface="+mn-lt"/>
+              </a:rPr>
+              <a:t>IDE</a:t>
+            </a:r>
+            <a:r>
+              <a:rPr lang="ru-RU" sz="1600" dirty="0" smtClean="0">
+                <a:solidFill>
+                  <a:schemeClr val="tx1"/>
+                </a:solidFill>
+                <a:latin typeface="+mn-lt"/>
+              </a:rPr>
+              <a:t>, то данная операция будет выполнятся автоматически.</a:t>
+            </a:r>
+          </a:p>
+          <a:p>
+            <a:pPr>
+              <a:buNone/>
+            </a:pPr>
+            <a:r>
+              <a:rPr lang="ru-RU" sz="1600" dirty="0" smtClean="0"/>
+              <a:t>Загрузка локальных</a:t>
+            </a:r>
+            <a:r>
+              <a:rPr lang="en-US" sz="1600" dirty="0" smtClean="0"/>
+              <a:t> </a:t>
+            </a:r>
+            <a:r>
+              <a:rPr lang="ru-RU" sz="1600" dirty="0" smtClean="0"/>
+              <a:t>коммитов на сервер (</a:t>
+            </a:r>
+            <a:r>
+              <a:rPr lang="en-US" sz="1600" dirty="0" smtClean="0"/>
+              <a:t>push</a:t>
+            </a:r>
+            <a:r>
+              <a:rPr lang="ru-RU" sz="1600" dirty="0" smtClean="0"/>
+              <a:t>)</a:t>
+            </a:r>
+          </a:p>
+          <a:p>
+            <a:pPr indent="104775">
+              <a:buNone/>
+            </a:pPr>
+            <a:r>
+              <a:rPr lang="en-US" sz="1600" i="1" dirty="0" err="1" smtClean="0">
+                <a:solidFill>
+                  <a:schemeClr val="tx1"/>
+                </a:solidFill>
+                <a:latin typeface="+mn-lt"/>
+              </a:rPr>
+              <a:t>git</a:t>
+            </a:r>
+            <a:r>
+              <a:rPr lang="en-US" sz="1600" i="1" dirty="0" smtClean="0">
+                <a:solidFill>
+                  <a:schemeClr val="tx1"/>
+                </a:solidFill>
+                <a:latin typeface="+mn-lt"/>
+              </a:rPr>
+              <a:t> push origin [</a:t>
+            </a:r>
+            <a:r>
+              <a:rPr lang="ru-RU" sz="1600" i="1" dirty="0" err="1" smtClean="0">
+                <a:solidFill>
+                  <a:schemeClr val="tx1"/>
+                </a:solidFill>
+                <a:latin typeface="+mn-lt"/>
+              </a:rPr>
               <a:t>имя_ветки</a:t>
             </a:r>
             <a:r>
-              <a:rPr lang="ru-RU" sz="1600" i="1" dirty="0" smtClean="0">
-                <a:solidFill>
-                  <a:schemeClr val="tx1"/>
-                </a:solidFill>
-                <a:latin typeface="+mn-lt"/>
-              </a:rPr>
-              <a:t> – </a:t>
-            </a:r>
-            <a:r>
-              <a:rPr lang="ru-RU" sz="1600" dirty="0" smtClean="0">
-                <a:solidFill>
-                  <a:schemeClr val="tx1"/>
-                </a:solidFill>
-                <a:latin typeface="+mn-lt"/>
-              </a:rPr>
-              <a:t>создание новой ветки (без переключения)</a:t>
-            </a:r>
-          </a:p>
-          <a:p>
-            <a:pPr indent="104775">
-              <a:buNone/>
-            </a:pPr>
-            <a:r>
-              <a:rPr lang="en-US" sz="1600" i="1" dirty="0" err="1" smtClean="0">
-                <a:solidFill>
-                  <a:schemeClr val="tx1"/>
-                </a:solidFill>
-                <a:latin typeface="+mn-lt"/>
-              </a:rPr>
-              <a:t>git</a:t>
-            </a:r>
-            <a:r>
               <a:rPr lang="en-US" sz="1600" i="1" dirty="0" smtClean="0">
                 <a:solidFill>
                   <a:schemeClr val="tx1"/>
                 </a:solidFill>
                 <a:latin typeface="+mn-lt"/>
               </a:rPr>
-              <a:t> checkout –b </a:t>
-            </a:r>
-            <a:r>
-              <a:rPr lang="ru-RU" sz="1600" i="1" dirty="0" err="1" smtClean="0">
-                <a:solidFill>
-                  <a:schemeClr val="tx1"/>
-                </a:solidFill>
-                <a:latin typeface="+mn-lt"/>
-              </a:rPr>
-              <a:t>имя_ветки</a:t>
-            </a:r>
-            <a:r>
-              <a:rPr lang="ru-RU" sz="1600" i="1" dirty="0" smtClean="0">
-                <a:solidFill>
-                  <a:schemeClr val="tx1"/>
-                </a:solidFill>
-                <a:latin typeface="+mn-lt"/>
-              </a:rPr>
-              <a:t> – </a:t>
-            </a:r>
-            <a:r>
-              <a:rPr lang="ru-RU" sz="1600" dirty="0" smtClean="0">
-                <a:solidFill>
-                  <a:schemeClr val="tx1"/>
-                </a:solidFill>
-                <a:latin typeface="+mn-lt"/>
-              </a:rPr>
-              <a:t>создание новой ветки и переключение на неё</a:t>
-            </a:r>
-          </a:p>
-          <a:p>
-            <a:pPr marL="0" indent="447675">
-              <a:buNone/>
-            </a:pPr>
-            <a:r>
-              <a:rPr lang="ru-RU" sz="1600" dirty="0" smtClean="0">
-                <a:solidFill>
-                  <a:schemeClr val="tx1"/>
-                </a:solidFill>
-                <a:latin typeface="+mn-lt"/>
-              </a:rPr>
-              <a:t>Создает новую ветку репозитория, идентичную той ветке, из которой вызывается одна из представленных выше команд. В новой ветке будут все файлы и все </a:t>
-            </a:r>
-            <a:r>
-              <a:rPr lang="ru-RU" sz="1600" dirty="0" err="1" smtClean="0">
-                <a:solidFill>
-                  <a:schemeClr val="tx1"/>
-                </a:solidFill>
-                <a:latin typeface="+mn-lt"/>
-              </a:rPr>
-              <a:t>коммиты</a:t>
-            </a:r>
-            <a:r>
-              <a:rPr lang="ru-RU" sz="1600" dirty="0" smtClean="0">
-                <a:solidFill>
-                  <a:schemeClr val="tx1"/>
-                </a:solidFill>
-                <a:latin typeface="+mn-lt"/>
-              </a:rPr>
-              <a:t> исходной ветки на момент создания новой ветки.</a:t>
-            </a:r>
-          </a:p>
-          <a:p>
-            <a:pPr marL="0" indent="0">
-              <a:buNone/>
-            </a:pPr>
-            <a:r>
-              <a:rPr lang="ru-RU" sz="1600" dirty="0" smtClean="0"/>
-              <a:t>Переключение между ветками</a:t>
-            </a:r>
-          </a:p>
-          <a:p>
-            <a:pPr marL="0" indent="447675">
-              <a:buNone/>
-            </a:pPr>
-            <a:r>
-              <a:rPr lang="en-US" sz="1600" i="1" dirty="0" err="1" smtClean="0">
-                <a:solidFill>
-                  <a:schemeClr val="tx1"/>
-                </a:solidFill>
-                <a:latin typeface="+mn-lt"/>
-              </a:rPr>
-              <a:t>git</a:t>
-            </a:r>
-            <a:r>
-              <a:rPr lang="en-US" sz="1600" i="1" dirty="0" smtClean="0">
-                <a:solidFill>
-                  <a:schemeClr val="tx1"/>
-                </a:solidFill>
-                <a:latin typeface="+mn-lt"/>
-              </a:rPr>
-              <a:t> checkout </a:t>
-            </a:r>
-            <a:r>
-              <a:rPr lang="ru-RU" sz="1600" i="1" dirty="0" err="1" smtClean="0">
-                <a:solidFill>
-                  <a:schemeClr val="tx1"/>
-                </a:solidFill>
-                <a:latin typeface="+mn-lt"/>
-              </a:rPr>
-              <a:t>имя_ветки</a:t>
-            </a:r>
-            <a:endParaRPr lang="en-US" sz="1600" i="1" dirty="0" smtClean="0">
+              <a:t>]</a:t>
+            </a:r>
+            <a:endParaRPr lang="ru-RU" sz="1600" i="1" dirty="0" smtClean="0">
               <a:solidFill>
                 <a:schemeClr val="tx1"/>
               </a:solidFill>
@@ -3787,27 +4339,43 @@
             </a:endParaRPr>
           </a:p>
           <a:p>
-            <a:pPr marL="0" indent="0">
-              <a:buNone/>
-            </a:pPr>
-            <a:r>
-              <a:rPr lang="ru-RU" sz="1600" dirty="0" smtClean="0">
-                <a:solidFill>
-                  <a:schemeClr val="tx1"/>
-                </a:solidFill>
-                <a:latin typeface="+mn-lt"/>
-              </a:rPr>
-              <a:t>Переводит репозиторий в состояния, соответствующее указанной ветке. Для того чтобы посмотреть список всех веток локального репозитория используется команда</a:t>
-            </a:r>
-            <a:r>
-              <a:rPr lang="en-US" sz="1600" dirty="0" smtClean="0">
-                <a:solidFill>
-                  <a:schemeClr val="tx1"/>
-                </a:solidFill>
-                <a:latin typeface="+mn-lt"/>
-              </a:rPr>
-              <a:t> </a:t>
-            </a:r>
+            <a:pPr marL="0" indent="447675">
+              <a:buNone/>
+            </a:pPr>
+            <a:r>
+              <a:rPr lang="ru-RU" sz="1600" dirty="0" smtClean="0">
+                <a:solidFill>
+                  <a:schemeClr val="tx1"/>
+                </a:solidFill>
+                <a:latin typeface="+mn-lt"/>
+              </a:rPr>
+              <a:t>Загрузка всех локальных коммитов (не загруженных ранее) из локального репозитория в удаленный. Если указать имя ветки, то будут загружены изменения только этой ветки, иначе будут загружены локальные изменения во всех ветках.</a:t>
+            </a:r>
+            <a:endParaRPr lang="ru-RU" sz="1600" i="1" dirty="0" smtClean="0">
+              <a:solidFill>
+                <a:schemeClr val="tx1"/>
+              </a:solidFill>
+              <a:latin typeface="+mn-lt"/>
+            </a:endParaRPr>
+          </a:p>
+          <a:p>
+            <a:pPr>
+              <a:buNone/>
+            </a:pPr>
+            <a:r>
+              <a:rPr lang="ru-RU" sz="1600" dirty="0" smtClean="0"/>
+              <a:t>Обновление локального репозитория (</a:t>
+            </a:r>
+            <a:r>
+              <a:rPr lang="en-US" sz="1600" dirty="0" smtClean="0"/>
+              <a:t>pull)</a:t>
+            </a:r>
+            <a:endParaRPr lang="ru-RU" sz="1600" dirty="0" smtClean="0"/>
+          </a:p>
+          <a:p>
+            <a:pPr indent="104775">
+              <a:buNone/>
+            </a:pPr>
             <a:r>
               <a:rPr lang="en-US" sz="1600" i="1" dirty="0" err="1" smtClean="0">
                 <a:solidFill>
@@ -3824,16 +4392,16 @@
                 </a:solidFill>
                 <a:latin typeface="+mn-lt"/>
               </a:rPr>
-              <a:t> branch –l</a:t>
-            </a:r>
-            <a:r>
-              <a:rPr lang="ru-RU" sz="1600" dirty="0" smtClean="0">
-                <a:solidFill>
-                  <a:schemeClr val="tx1"/>
-                </a:solidFill>
-                <a:latin typeface="+mn-lt"/>
-              </a:rPr>
-              <a:t>, чтобы посмотреть список веток удаленного репозитория необходимо использовать ключ </a:t>
+              <a:t> pull origin [</a:t>
+            </a:r>
+            <a:r>
+              <a:rPr lang="ru-RU" sz="1600" i="1" dirty="0" err="1" smtClean="0">
+                <a:solidFill>
+                  <a:schemeClr val="tx1"/>
+                </a:solidFill>
+                <a:latin typeface="+mn-lt"/>
+              </a:rPr>
+              <a:t>имя_ветки</a:t>
             </a:r>
             <a:r>
               <a:rPr lang="en-US" sz="1600" i="1" dirty="0" smtClean="0">
@@ -3842,104 +4410,37 @@
                 </a:solidFill>
                 <a:latin typeface="+mn-lt"/>
               </a:rPr>
-              <a:t>–r</a:t>
-            </a:r>
-            <a:r>
-              <a:rPr lang="ru-RU" sz="1600" dirty="0" smtClean="0">
-                <a:solidFill>
-                  <a:schemeClr val="tx1"/>
-                </a:solidFill>
-                <a:latin typeface="+mn-lt"/>
-              </a:rPr>
-              <a:t>.</a:t>
-            </a:r>
-            <a:endParaRPr lang="ru-RU" sz="1600" dirty="0" smtClean="0"/>
-          </a:p>
-          <a:p>
-            <a:pPr marL="0" indent="0">
-              <a:buNone/>
-            </a:pPr>
-            <a:r>
-              <a:rPr lang="ru-RU" sz="1600" dirty="0" smtClean="0"/>
-              <a:t>Защищенные ветки</a:t>
-            </a:r>
+              <a:t>]</a:t>
+            </a:r>
+            <a:endParaRPr lang="ru-RU" sz="1600" dirty="0" smtClean="0">
+              <a:solidFill>
+                <a:schemeClr val="tx1"/>
+              </a:solidFill>
+              <a:latin typeface="+mn-lt"/>
+            </a:endParaRPr>
           </a:p>
           <a:p>
             <a:pPr marL="0" indent="447675">
               <a:buNone/>
             </a:pPr>
             <a:r>
-              <a:rPr lang="en-US" sz="1600" dirty="0" smtClean="0">
-                <a:solidFill>
-                  <a:schemeClr val="tx1"/>
-                </a:solidFill>
-                <a:latin typeface="+mn-lt"/>
-              </a:rPr>
-              <a:t>GitLab </a:t>
-            </a:r>
-            <a:r>
-              <a:rPr lang="ru-RU" sz="1600" dirty="0" smtClean="0">
-                <a:solidFill>
-                  <a:schemeClr val="tx1"/>
-                </a:solidFill>
-                <a:latin typeface="+mn-lt"/>
-              </a:rPr>
-              <a:t>позволяют сделать ветки защищенными. Защищенную ветку запрещено удалять. В защищенную ветку запрещено выполнять </a:t>
-            </a:r>
-            <a:r>
-              <a:rPr lang="en-US" sz="1600" dirty="0" smtClean="0">
-                <a:solidFill>
-                  <a:schemeClr val="tx1"/>
-                </a:solidFill>
-                <a:latin typeface="+mn-lt"/>
-              </a:rPr>
-              <a:t>push</a:t>
-            </a:r>
-            <a:r>
-              <a:rPr lang="ru-RU" sz="1600" dirty="0" smtClean="0">
-                <a:solidFill>
-                  <a:schemeClr val="tx1"/>
-                </a:solidFill>
-                <a:latin typeface="+mn-lt"/>
-              </a:rPr>
-              <a:t> всем кроме пользователей с соответствующими разрешениями. Соответствующие разрешения выдаются руководителям проекта. Как правило статус защищенной присваивается веткам, отражающим </a:t>
-            </a:r>
-            <a:r>
-              <a:rPr lang="ru-RU" sz="1600" dirty="0" err="1" smtClean="0">
-                <a:solidFill>
-                  <a:schemeClr val="tx1"/>
-                </a:solidFill>
-                <a:latin typeface="+mn-lt"/>
-              </a:rPr>
-              <a:t>релизное</a:t>
-            </a:r>
-            <a:r>
-              <a:rPr lang="ru-RU" sz="1600" dirty="0" smtClean="0">
-                <a:solidFill>
-                  <a:schemeClr val="tx1"/>
-                </a:solidFill>
-                <a:latin typeface="+mn-lt"/>
-              </a:rPr>
-              <a:t> состояние проекта (например ветка </a:t>
-            </a:r>
-            <a:r>
-              <a:rPr lang="en-US" sz="1600" dirty="0" smtClean="0">
-                <a:solidFill>
-                  <a:schemeClr val="tx1"/>
-                </a:solidFill>
-                <a:latin typeface="+mn-lt"/>
-              </a:rPr>
-              <a:t>master</a:t>
-            </a:r>
-            <a:r>
-              <a:rPr lang="ru-RU" sz="1600" dirty="0" smtClean="0">
-                <a:solidFill>
-                  <a:schemeClr val="tx1"/>
-                </a:solidFill>
-                <a:latin typeface="+mn-lt"/>
-              </a:rPr>
-              <a:t>). Внесение изменений в такие ветки осуществляется посредством процедуры слияния веток,  описанной далее.</a:t>
-            </a:r>
+              <a:rPr lang="ru-RU" sz="1600" dirty="0" smtClean="0">
+                <a:solidFill>
+                  <a:schemeClr val="tx1"/>
+                </a:solidFill>
+                <a:latin typeface="+mn-lt"/>
+              </a:rPr>
+              <a:t>Загрузка всех изменений из удаленного репозитория в локальный. Если указано имя ветки, то загрузится только конкретная ветка, иначе будут обновлены все ветки локального репозитория.</a:t>
+            </a:r>
+            <a:endParaRPr lang="en-US" sz="1600" dirty="0" smtClean="0">
+              <a:solidFill>
+                <a:schemeClr val="tx1"/>
+              </a:solidFill>
+              <a:latin typeface="+mn-lt"/>
+            </a:endParaRPr>
+          </a:p>
+          <a:p>
+            <a:endParaRPr lang="ru-RU" dirty="0"/>
           </a:p>
         </p:txBody>
       </p:sp>
@@ -4014,12 +4515,153 @@
           <a:bodyPr/>
           <a:lstStyle/>
           <a:p>
+            <a:pPr>
+              <a:buNone/>
+            </a:pPr>
+            <a:r>
+              <a:rPr lang="ru-RU" sz="1600" dirty="0" smtClean="0"/>
+              <a:t>Создание новой ветки репозитория</a:t>
+            </a:r>
+          </a:p>
+          <a:p>
+            <a:pPr indent="104775">
+              <a:buNone/>
+            </a:pPr>
+            <a:r>
+              <a:rPr lang="en-US" sz="1600" i="1" dirty="0" err="1" smtClean="0">
+                <a:solidFill>
+                  <a:schemeClr val="tx1"/>
+                </a:solidFill>
+                <a:latin typeface="+mn-lt"/>
+              </a:rPr>
+              <a:t>git</a:t>
+            </a:r>
+            <a:r>
+              <a:rPr lang="en-US" sz="1600" i="1" dirty="0" smtClean="0">
+                <a:solidFill>
+                  <a:schemeClr val="tx1"/>
+                </a:solidFill>
+                <a:latin typeface="+mn-lt"/>
+              </a:rPr>
+              <a:t> branch </a:t>
+            </a:r>
+            <a:r>
+              <a:rPr lang="ru-RU" sz="1600" i="1" dirty="0" err="1" smtClean="0">
+                <a:solidFill>
+                  <a:schemeClr val="tx1"/>
+                </a:solidFill>
+                <a:latin typeface="+mn-lt"/>
+              </a:rPr>
+              <a:t>имя_ветки</a:t>
+            </a:r>
+            <a:r>
+              <a:rPr lang="ru-RU" sz="1600" i="1" dirty="0" smtClean="0">
+                <a:solidFill>
+                  <a:schemeClr val="tx1"/>
+                </a:solidFill>
+                <a:latin typeface="+mn-lt"/>
+              </a:rPr>
+              <a:t> – </a:t>
+            </a:r>
+            <a:r>
+              <a:rPr lang="ru-RU" sz="1600" dirty="0" smtClean="0">
+                <a:solidFill>
+                  <a:schemeClr val="tx1"/>
+                </a:solidFill>
+                <a:latin typeface="+mn-lt"/>
+              </a:rPr>
+              <a:t>создание новой ветки (без переключения)</a:t>
+            </a:r>
+          </a:p>
+          <a:p>
+            <a:pPr indent="104775">
+              <a:buNone/>
+            </a:pPr>
+            <a:r>
+              <a:rPr lang="en-US" sz="1600" i="1" dirty="0" err="1" smtClean="0">
+                <a:solidFill>
+                  <a:schemeClr val="tx1"/>
+                </a:solidFill>
+                <a:latin typeface="+mn-lt"/>
+              </a:rPr>
+              <a:t>git</a:t>
+            </a:r>
+            <a:r>
+              <a:rPr lang="en-US" sz="1600" i="1" dirty="0" smtClean="0">
+                <a:solidFill>
+                  <a:schemeClr val="tx1"/>
+                </a:solidFill>
+                <a:latin typeface="+mn-lt"/>
+              </a:rPr>
+              <a:t> checkout –b </a:t>
+            </a:r>
+            <a:r>
+              <a:rPr lang="ru-RU" sz="1600" i="1" dirty="0" err="1" smtClean="0">
+                <a:solidFill>
+                  <a:schemeClr val="tx1"/>
+                </a:solidFill>
+                <a:latin typeface="+mn-lt"/>
+              </a:rPr>
+              <a:t>имя_ветки</a:t>
+            </a:r>
+            <a:r>
+              <a:rPr lang="ru-RU" sz="1600" i="1" dirty="0" smtClean="0">
+                <a:solidFill>
+                  <a:schemeClr val="tx1"/>
+                </a:solidFill>
+                <a:latin typeface="+mn-lt"/>
+              </a:rPr>
+              <a:t> – </a:t>
+            </a:r>
+            <a:r>
+              <a:rPr lang="ru-RU" sz="1600" dirty="0" smtClean="0">
+                <a:solidFill>
+                  <a:schemeClr val="tx1"/>
+                </a:solidFill>
+                <a:latin typeface="+mn-lt"/>
+              </a:rPr>
+              <a:t>создание новой ветки и переключение на неё</a:t>
+            </a:r>
+          </a:p>
+          <a:p>
+            <a:pPr marL="0" indent="447675">
+              <a:buNone/>
+            </a:pPr>
+            <a:r>
+              <a:rPr lang="ru-RU" sz="1600" dirty="0" smtClean="0">
+                <a:solidFill>
+                  <a:schemeClr val="tx1"/>
+                </a:solidFill>
+                <a:latin typeface="+mn-lt"/>
+              </a:rPr>
+              <a:t>Создает новую ветку репозитория, идентичную той ветке, из которой вызывается одна из представленных выше команд. В новой ветке будут все файлы и все </a:t>
+            </a:r>
+            <a:r>
+              <a:rPr lang="ru-RU" sz="1600" dirty="0" err="1" smtClean="0">
+                <a:solidFill>
+                  <a:schemeClr val="tx1"/>
+                </a:solidFill>
+                <a:latin typeface="+mn-lt"/>
+              </a:rPr>
+              <a:t>коммиты</a:t>
+            </a:r>
+            <a:r>
+              <a:rPr lang="ru-RU" sz="1600" dirty="0" smtClean="0">
+                <a:solidFill>
+                  <a:schemeClr val="tx1"/>
+                </a:solidFill>
+                <a:latin typeface="+mn-lt"/>
+              </a:rPr>
+              <a:t> исходной ветки на момент создания новой ветки.</a:t>
+            </a:r>
+          </a:p>
+          <a:p>
             <a:pPr marL="0" indent="0">
               <a:buNone/>
             </a:pPr>
             <a:r>
               <a:rPr lang="ru-RU" sz="1600" dirty="0" smtClean="0"/>
-              <a:t>Слияние веток</a:t>
+              <a:t>Переключение между ветками</a:t>
             </a:r>
           </a:p>
           <a:p>
@@ -4027,275 +4669,13 @@
               <a:buNone/>
             </a:pPr>
             <a:r>
-              <a:rPr lang="ru-RU" sz="1600" dirty="0" smtClean="0">
-                <a:solidFill>
-                  <a:schemeClr val="tx1"/>
-                </a:solidFill>
-                <a:latin typeface="+mn-lt"/>
-              </a:rPr>
-              <a:t>Слияние веток – перенос всех коммитов из одной ветки, в другую. В </a:t>
-            </a:r>
-            <a:r>
-              <a:rPr lang="en-US" sz="1600" dirty="0" smtClean="0">
-                <a:solidFill>
-                  <a:schemeClr val="tx1"/>
-                </a:solidFill>
-                <a:latin typeface="+mn-lt"/>
-              </a:rPr>
-              <a:t>GitLab</a:t>
-            </a:r>
-            <a:r>
-              <a:rPr lang="ru-RU" sz="1600" dirty="0" smtClean="0">
-                <a:solidFill>
-                  <a:schemeClr val="tx1"/>
-                </a:solidFill>
-                <a:latin typeface="+mn-lt"/>
-              </a:rPr>
-              <a:t> для осуществления слияния</a:t>
-            </a:r>
-            <a:r>
-              <a:rPr lang="en-US" sz="1600" dirty="0" smtClean="0">
-                <a:solidFill>
-                  <a:schemeClr val="tx1"/>
-                </a:solidFill>
-                <a:latin typeface="+mn-lt"/>
-              </a:rPr>
-              <a:t> </a:t>
-            </a:r>
-            <a:r>
-              <a:rPr lang="ru-RU" sz="1600" dirty="0" smtClean="0">
-                <a:solidFill>
-                  <a:schemeClr val="tx1"/>
-                </a:solidFill>
-                <a:latin typeface="+mn-lt"/>
-              </a:rPr>
-              <a:t>используется </a:t>
-            </a:r>
-            <a:r>
-              <a:rPr lang="en-US" sz="1600" dirty="0" smtClean="0">
-                <a:solidFill>
-                  <a:schemeClr val="tx1"/>
-                </a:solidFill>
-                <a:latin typeface="+mn-lt"/>
-              </a:rPr>
-              <a:t>merge request</a:t>
-            </a:r>
-            <a:r>
-              <a:rPr lang="ru-RU" sz="1600" dirty="0" smtClean="0">
-                <a:solidFill>
-                  <a:schemeClr val="tx1"/>
-                </a:solidFill>
-                <a:latin typeface="+mn-lt"/>
-              </a:rPr>
-              <a:t> (далее </a:t>
-            </a:r>
-            <a:r>
-              <a:rPr lang="en-US" sz="1600" dirty="0" smtClean="0">
-                <a:solidFill>
-                  <a:schemeClr val="tx1"/>
-                </a:solidFill>
-                <a:latin typeface="+mn-lt"/>
-              </a:rPr>
-              <a:t>MR</a:t>
-            </a:r>
-            <a:r>
-              <a:rPr lang="ru-RU" sz="1600" dirty="0" smtClean="0">
-                <a:solidFill>
-                  <a:schemeClr val="tx1"/>
-                </a:solidFill>
-                <a:latin typeface="+mn-lt"/>
-              </a:rPr>
-              <a:t>), представляющий собой запрос на слияние веток.</a:t>
-            </a:r>
-          </a:p>
-          <a:p>
-            <a:pPr marL="0" indent="447675">
-              <a:buNone/>
-            </a:pPr>
-            <a:r>
-              <a:rPr lang="en-US" sz="1600" dirty="0" smtClean="0">
-                <a:solidFill>
-                  <a:schemeClr val="tx1"/>
-                </a:solidFill>
-                <a:latin typeface="+mn-lt"/>
-              </a:rPr>
-              <a:t>MR </a:t>
-            </a:r>
-            <a:r>
-              <a:rPr lang="ru-RU" sz="1600" dirty="0" smtClean="0">
-                <a:solidFill>
-                  <a:schemeClr val="tx1"/>
-                </a:solidFill>
-                <a:latin typeface="+mn-lt"/>
-              </a:rPr>
-              <a:t>позволяет обсудить вносимые изменения с другими разработчиками. Также данный механизм позволяет предотвратить внесение некорректных изменений, нарушающих функционирование проекта.</a:t>
-            </a:r>
-          </a:p>
-          <a:p>
-            <a:pPr marL="0" indent="447675">
-              <a:buNone/>
-            </a:pPr>
-            <a:r>
-              <a:rPr lang="ru-RU" sz="1600" dirty="0" smtClean="0">
-                <a:solidFill>
-                  <a:schemeClr val="tx1"/>
-                </a:solidFill>
-                <a:latin typeface="+mn-lt"/>
-              </a:rPr>
-              <a:t>Перед созданием </a:t>
-            </a:r>
-            <a:r>
-              <a:rPr lang="en-US" sz="1600" dirty="0" smtClean="0">
-                <a:solidFill>
-                  <a:schemeClr val="tx1"/>
-                </a:solidFill>
-                <a:latin typeface="+mn-lt"/>
-              </a:rPr>
-              <a:t>MR </a:t>
-            </a:r>
-            <a:r>
-              <a:rPr lang="ru-RU" sz="1600" dirty="0" smtClean="0">
-                <a:solidFill>
-                  <a:schemeClr val="tx1"/>
-                </a:solidFill>
-                <a:latin typeface="+mn-lt"/>
-              </a:rPr>
-              <a:t>необходимо выполнить </a:t>
-            </a:r>
-            <a:r>
-              <a:rPr lang="en-US" sz="1600" dirty="0" smtClean="0">
-                <a:solidFill>
-                  <a:schemeClr val="tx1"/>
-                </a:solidFill>
-                <a:latin typeface="+mn-lt"/>
-              </a:rPr>
-              <a:t>push </a:t>
-            </a:r>
-            <a:r>
-              <a:rPr lang="ru-RU" sz="1600" dirty="0" smtClean="0">
-                <a:solidFill>
-                  <a:schemeClr val="tx1"/>
-                </a:solidFill>
-                <a:latin typeface="+mn-lt"/>
-              </a:rPr>
-              <a:t>текущих коммитов в </a:t>
-            </a:r>
-            <a:r>
-              <a:rPr lang="en-US" sz="1600" dirty="0" smtClean="0">
-                <a:solidFill>
-                  <a:schemeClr val="tx1"/>
-                </a:solidFill>
-                <a:latin typeface="+mn-lt"/>
-              </a:rPr>
-              <a:t>source-</a:t>
-            </a:r>
-            <a:r>
-              <a:rPr lang="ru-RU" sz="1600" dirty="0" smtClean="0">
-                <a:solidFill>
-                  <a:schemeClr val="tx1"/>
-                </a:solidFill>
-                <a:latin typeface="+mn-lt"/>
-              </a:rPr>
-              <a:t>ветку. После этого в </a:t>
-            </a:r>
-            <a:r>
-              <a:rPr lang="en-US" sz="1600" dirty="0" smtClean="0">
-                <a:solidFill>
-                  <a:schemeClr val="tx1"/>
-                </a:solidFill>
-                <a:latin typeface="+mn-lt"/>
-              </a:rPr>
-              <a:t>web-</a:t>
-            </a:r>
-            <a:r>
-              <a:rPr lang="ru-RU" sz="1600" dirty="0" smtClean="0">
-                <a:solidFill>
-                  <a:schemeClr val="tx1"/>
-                </a:solidFill>
-                <a:latin typeface="+mn-lt"/>
-              </a:rPr>
-              <a:t>интерфейсе </a:t>
-            </a:r>
-            <a:r>
-              <a:rPr lang="en-US" sz="1600" dirty="0" smtClean="0">
-                <a:solidFill>
-                  <a:schemeClr val="tx1"/>
-                </a:solidFill>
-                <a:latin typeface="+mn-lt"/>
-              </a:rPr>
-              <a:t>GitLab</a:t>
-            </a:r>
-            <a:r>
-              <a:rPr lang="ru-RU" sz="1600" dirty="0" smtClean="0">
-                <a:solidFill>
-                  <a:schemeClr val="tx1"/>
-                </a:solidFill>
-                <a:latin typeface="+mn-lt"/>
-              </a:rPr>
-              <a:t> перейти в </a:t>
-            </a:r>
-            <a:r>
-              <a:rPr lang="en-US" sz="1600" b="1" i="1" dirty="0" smtClean="0">
-                <a:solidFill>
-                  <a:schemeClr val="tx1"/>
-                </a:solidFill>
-                <a:latin typeface="+mn-lt"/>
-              </a:rPr>
-              <a:t>Merge Requests -&gt; New merge request</a:t>
-            </a:r>
-            <a:r>
-              <a:rPr lang="ru-RU" sz="1600" dirty="0" smtClean="0">
-                <a:solidFill>
-                  <a:schemeClr val="tx1"/>
-                </a:solidFill>
-                <a:latin typeface="+mn-lt"/>
-              </a:rPr>
-              <a:t> и выбрать </a:t>
-            </a:r>
-            <a:r>
-              <a:rPr lang="en-US" sz="1600" dirty="0" smtClean="0">
-                <a:solidFill>
-                  <a:schemeClr val="tx1"/>
-                </a:solidFill>
-                <a:latin typeface="+mn-lt"/>
-              </a:rPr>
-              <a:t>source </a:t>
-            </a:r>
-            <a:r>
-              <a:rPr lang="ru-RU" sz="1600" dirty="0" smtClean="0">
-                <a:solidFill>
-                  <a:schemeClr val="tx1"/>
-                </a:solidFill>
-                <a:latin typeface="+mn-lt"/>
-              </a:rPr>
-              <a:t>и </a:t>
-            </a:r>
-            <a:r>
-              <a:rPr lang="en-US" sz="1600" dirty="0" smtClean="0">
-                <a:solidFill>
-                  <a:schemeClr val="tx1"/>
-                </a:solidFill>
-                <a:latin typeface="+mn-lt"/>
-              </a:rPr>
-              <a:t>target </a:t>
-            </a:r>
-            <a:r>
-              <a:rPr lang="ru-RU" sz="1600" dirty="0" smtClean="0">
-                <a:solidFill>
-                  <a:schemeClr val="tx1"/>
-                </a:solidFill>
-                <a:latin typeface="+mn-lt"/>
-              </a:rPr>
-              <a:t>ветки. Затем нажав </a:t>
-            </a:r>
-            <a:r>
-              <a:rPr lang="en-US" sz="1600" b="1" i="1" dirty="0" smtClean="0">
-                <a:solidFill>
-                  <a:schemeClr val="tx1"/>
-                </a:solidFill>
-                <a:latin typeface="+mn-lt"/>
-              </a:rPr>
-              <a:t>Compare branches and continue</a:t>
+              <a:rPr lang="en-US" sz="1600" i="1" dirty="0" err="1" smtClean="0">
+                <a:solidFill>
+                  <a:schemeClr val="tx1"/>
+                </a:solidFill>
+                <a:latin typeface="+mn-lt"/>
+              </a:rPr>
+              <a:t>git</a:t>
             </a:r>
             <a:r>
               <a:rPr lang="en-US" sz="1600" i="1" dirty="0" smtClean="0">
@@ -4304,198 +4684,178 @@
                 </a:solidFill>
                 <a:latin typeface="+mn-lt"/>
               </a:rPr>
-              <a:t> </a:t>
-            </a:r>
-            <a:r>
-              <a:rPr lang="ru-RU" sz="1600" dirty="0" smtClean="0">
-                <a:solidFill>
-                  <a:schemeClr val="tx1"/>
-                </a:solidFill>
-                <a:latin typeface="+mn-lt"/>
-              </a:rPr>
-              <a:t>необходимо дать название </a:t>
-            </a:r>
-            <a:r>
-              <a:rPr lang="en-US" sz="1600" dirty="0" smtClean="0">
-                <a:solidFill>
-                  <a:schemeClr val="tx1"/>
-                </a:solidFill>
-                <a:latin typeface="+mn-lt"/>
-              </a:rPr>
-              <a:t>MR</a:t>
-            </a:r>
-            <a:r>
-              <a:rPr lang="ru-RU" sz="1600" dirty="0" smtClean="0">
-                <a:solidFill>
-                  <a:schemeClr val="tx1"/>
-                </a:solidFill>
-                <a:latin typeface="+mn-lt"/>
-              </a:rPr>
-              <a:t> дать его короткое описание и указать участника проекта, которому назначен данный </a:t>
-            </a:r>
-            <a:r>
-              <a:rPr lang="en-US" sz="1600" dirty="0" smtClean="0">
-                <a:solidFill>
-                  <a:schemeClr val="tx1"/>
-                </a:solidFill>
-                <a:latin typeface="+mn-lt"/>
-              </a:rPr>
-              <a:t>MR </a:t>
-            </a:r>
-            <a:r>
-              <a:rPr lang="ru-RU" sz="1600" dirty="0" smtClean="0">
-                <a:solidFill>
-                  <a:schemeClr val="tx1"/>
-                </a:solidFill>
-                <a:latin typeface="+mn-lt"/>
-              </a:rPr>
-              <a:t>в пункте </a:t>
-            </a:r>
-            <a:r>
-              <a:rPr lang="en-US" sz="1600" b="1" dirty="0" smtClean="0">
-                <a:solidFill>
-                  <a:schemeClr val="tx1"/>
-                </a:solidFill>
-                <a:latin typeface="+mn-lt"/>
-              </a:rPr>
-              <a:t>Assignee</a:t>
-            </a:r>
-            <a:r>
-              <a:rPr lang="ru-RU" sz="1600" dirty="0" smtClean="0">
-                <a:solidFill>
-                  <a:schemeClr val="tx1"/>
-                </a:solidFill>
-                <a:latin typeface="+mn-lt"/>
-              </a:rPr>
-              <a:t>, после чего нажать кнопку </a:t>
-            </a:r>
-            <a:r>
-              <a:rPr lang="en-US" sz="1600" b="1" i="1" dirty="0" smtClean="0">
-                <a:solidFill>
-                  <a:schemeClr val="tx1"/>
-                </a:solidFill>
-                <a:latin typeface="+mn-lt"/>
-              </a:rPr>
-              <a:t>Submit merge request</a:t>
-            </a:r>
-            <a:r>
-              <a:rPr lang="ru-RU" sz="1600" dirty="0" smtClean="0">
-                <a:solidFill>
-                  <a:schemeClr val="tx1"/>
-                </a:solidFill>
-                <a:latin typeface="+mn-lt"/>
-              </a:rPr>
-              <a:t>. После этого созданный </a:t>
-            </a:r>
-            <a:r>
-              <a:rPr lang="en-US" sz="1600" dirty="0" smtClean="0">
-                <a:solidFill>
-                  <a:schemeClr val="tx1"/>
-                </a:solidFill>
-                <a:latin typeface="+mn-lt"/>
-              </a:rPr>
-              <a:t>MR </a:t>
-            </a:r>
-            <a:r>
-              <a:rPr lang="ru-RU" sz="1600" dirty="0" smtClean="0">
-                <a:solidFill>
-                  <a:schemeClr val="tx1"/>
-                </a:solidFill>
-                <a:latin typeface="+mn-lt"/>
-              </a:rPr>
-              <a:t>будет отображаться в списке </a:t>
-            </a:r>
-            <a:r>
-              <a:rPr lang="en-US" sz="1600" b="1" i="1" dirty="0" smtClean="0">
-                <a:solidFill>
-                  <a:schemeClr val="tx1"/>
-                </a:solidFill>
-                <a:latin typeface="+mn-lt"/>
-              </a:rPr>
-              <a:t>Merge Requests</a:t>
-            </a:r>
-            <a:r>
-              <a:rPr lang="en-US" sz="1600" b="1" i="1" dirty="0" smtClean="0">
-                <a:solidFill>
-                  <a:schemeClr val="tx1"/>
-                </a:solidFill>
-              </a:rPr>
-              <a:t> </a:t>
-            </a:r>
-            <a:r>
-              <a:rPr lang="ru-RU" sz="1600" dirty="0" smtClean="0">
-                <a:solidFill>
-                  <a:schemeClr val="tx1"/>
-                </a:solidFill>
-                <a:latin typeface="+mn-lt"/>
-              </a:rPr>
-              <a:t>где выбрав конкретный </a:t>
-            </a:r>
-            <a:r>
-              <a:rPr lang="en-US" sz="1600" dirty="0" smtClean="0">
-                <a:solidFill>
-                  <a:schemeClr val="tx1"/>
-                </a:solidFill>
-                <a:latin typeface="+mn-lt"/>
-              </a:rPr>
-              <a:t>MR</a:t>
-            </a:r>
-            <a:r>
-              <a:rPr lang="ru-RU" sz="1600" dirty="0" smtClean="0">
-                <a:solidFill>
-                  <a:schemeClr val="tx1"/>
-                </a:solidFill>
-                <a:latin typeface="+mn-lt"/>
-              </a:rPr>
-              <a:t> можно принять участие в его обсуждении.</a:t>
-            </a:r>
-          </a:p>
-          <a:p>
-            <a:pPr marL="0" indent="447675">
-              <a:buNone/>
-            </a:pPr>
-            <a:r>
-              <a:rPr lang="en-US" sz="1600" dirty="0" smtClean="0">
-                <a:solidFill>
-                  <a:schemeClr val="tx1"/>
-                </a:solidFill>
-                <a:latin typeface="+mn-lt"/>
-              </a:rPr>
-              <a:t>MR </a:t>
-            </a:r>
-            <a:r>
-              <a:rPr lang="ru-RU" sz="1600" dirty="0" smtClean="0">
-                <a:solidFill>
-                  <a:schemeClr val="tx1"/>
-                </a:solidFill>
-                <a:latin typeface="+mn-lt"/>
-              </a:rPr>
-              <a:t>может быть закрыт, таким образом предлагаемые к внесению изменения будут отклонены. Если же изменения принимаются руководителем проекта, то </a:t>
-            </a:r>
-            <a:r>
-              <a:rPr lang="en-US" sz="1600" dirty="0" smtClean="0">
-                <a:solidFill>
-                  <a:schemeClr val="tx1"/>
-                </a:solidFill>
-                <a:latin typeface="+mn-lt"/>
-              </a:rPr>
-              <a:t>MR </a:t>
-            </a:r>
-            <a:r>
-              <a:rPr lang="ru-RU" sz="1600" dirty="0" smtClean="0">
-                <a:solidFill>
-                  <a:schemeClr val="tx1"/>
-                </a:solidFill>
-                <a:latin typeface="+mn-lt"/>
-              </a:rPr>
-              <a:t>будет принят.</a:t>
-            </a:r>
-            <a:endParaRPr lang="ru-RU" sz="1600" i="1" dirty="0">
+              <a:t> checkout </a:t>
+            </a:r>
+            <a:r>
+              <a:rPr lang="ru-RU" sz="1600" i="1" dirty="0" err="1" smtClean="0">
+                <a:solidFill>
+                  <a:schemeClr val="tx1"/>
+                </a:solidFill>
+                <a:latin typeface="+mn-lt"/>
+              </a:rPr>
+              <a:t>имя_ветки</a:t>
+            </a:r>
+            <a:endParaRPr lang="en-US" sz="1600" i="1" dirty="0" smtClean="0">
               <a:solidFill>
                 <a:schemeClr val="tx1"/>
               </a:solidFill>
               <a:latin typeface="+mn-lt"/>
             </a:endParaRPr>
+          </a:p>
+          <a:p>
+            <a:pPr marL="0" indent="0">
+              <a:buNone/>
+            </a:pPr>
+            <a:r>
+              <a:rPr lang="ru-RU" sz="1600" dirty="0" smtClean="0">
+                <a:solidFill>
+                  <a:schemeClr val="tx1"/>
+                </a:solidFill>
+                <a:latin typeface="+mn-lt"/>
+              </a:rPr>
+              <a:t>Переводит репозиторий в состояния, соответствующее указанной ветке. Для того чтобы посмотреть список всех веток локального репозитория используется команда</a:t>
+            </a:r>
+            <a:r>
+              <a:rPr lang="en-US" sz="1600" dirty="0" smtClean="0">
+                <a:solidFill>
+                  <a:schemeClr val="tx1"/>
+                </a:solidFill>
+                <a:latin typeface="+mn-lt"/>
+              </a:rPr>
+              <a:t> </a:t>
+            </a:r>
+            <a:r>
+              <a:rPr lang="en-US" sz="1600" i="1" dirty="0" err="1" smtClean="0">
+                <a:solidFill>
+                  <a:schemeClr val="tx1"/>
+                </a:solidFill>
+                <a:latin typeface="+mn-lt"/>
+              </a:rPr>
+              <a:t>git</a:t>
+            </a:r>
+            <a:r>
+              <a:rPr lang="en-US" sz="1600" i="1" dirty="0" smtClean="0">
+                <a:solidFill>
+                  <a:schemeClr val="tx1"/>
+                </a:solidFill>
+                <a:latin typeface="+mn-lt"/>
+              </a:rPr>
+              <a:t> branch –l</a:t>
+            </a:r>
+            <a:r>
+              <a:rPr lang="ru-RU" sz="1600" dirty="0" smtClean="0">
+                <a:solidFill>
+                  <a:schemeClr val="tx1"/>
+                </a:solidFill>
+                <a:latin typeface="+mn-lt"/>
+              </a:rPr>
+              <a:t>, чтобы посмотреть список веток удаленного репозитория необходимо использовать ключ </a:t>
+            </a:r>
+            <a:r>
+              <a:rPr lang="en-US" sz="1600" i="1" dirty="0" smtClean="0">
+                <a:solidFill>
+                  <a:schemeClr val="tx1"/>
+                </a:solidFill>
+                <a:latin typeface="+mn-lt"/>
+              </a:rPr>
+              <a:t>–r</a:t>
+            </a:r>
+            <a:r>
+              <a:rPr lang="ru-RU" sz="1600" dirty="0" smtClean="0">
+                <a:solidFill>
+                  <a:schemeClr val="tx1"/>
+                </a:solidFill>
+                <a:latin typeface="+mn-lt"/>
+              </a:rPr>
+              <a:t>.</a:t>
+            </a:r>
+            <a:endParaRPr lang="ru-RU" sz="1600" dirty="0" smtClean="0"/>
+          </a:p>
+          <a:p>
+            <a:pPr marL="0" indent="0">
+              <a:buNone/>
+            </a:pPr>
+            <a:r>
+              <a:rPr lang="ru-RU" sz="1600" dirty="0" smtClean="0"/>
+              <a:t>Защищенные ветки</a:t>
+            </a:r>
+          </a:p>
+          <a:p>
+            <a:pPr marL="0" indent="447675">
+              <a:buNone/>
+            </a:pPr>
+            <a:r>
+              <a:rPr lang="en-US" sz="1600" dirty="0" smtClean="0">
+                <a:solidFill>
+                  <a:schemeClr val="tx1"/>
+                </a:solidFill>
+                <a:latin typeface="+mn-lt"/>
+              </a:rPr>
+              <a:t>GitLab </a:t>
+            </a:r>
+            <a:r>
+              <a:rPr lang="ru-RU" sz="1600" dirty="0" smtClean="0">
+                <a:solidFill>
+                  <a:schemeClr val="tx1"/>
+                </a:solidFill>
+                <a:latin typeface="+mn-lt"/>
+              </a:rPr>
+              <a:t>позволяют сделать ветки защищенными. Защищенную ветку запрещено удалять. В защищенную ветку запрещено выполнять </a:t>
+            </a:r>
+            <a:r>
+              <a:rPr lang="en-US" sz="1600" dirty="0" smtClean="0">
+                <a:solidFill>
+                  <a:schemeClr val="tx1"/>
+                </a:solidFill>
+                <a:latin typeface="+mn-lt"/>
+              </a:rPr>
+              <a:t>push</a:t>
+            </a:r>
+            <a:r>
+              <a:rPr lang="ru-RU" sz="1600" dirty="0" smtClean="0">
+                <a:solidFill>
+                  <a:schemeClr val="tx1"/>
+                </a:solidFill>
+                <a:latin typeface="+mn-lt"/>
+              </a:rPr>
+              <a:t> всем кроме пользователей с соответствующими разрешениями. Соответствующие разрешения выдаются руководителям проекта. Как правило статус защищенной присваивается веткам, отражающим </a:t>
+            </a:r>
+            <a:r>
+              <a:rPr lang="ru-RU" sz="1600" dirty="0" err="1" smtClean="0">
+                <a:solidFill>
+                  <a:schemeClr val="tx1"/>
+                </a:solidFill>
+                <a:latin typeface="+mn-lt"/>
+              </a:rPr>
+              <a:t>релизное</a:t>
+            </a:r>
+            <a:r>
+              <a:rPr lang="ru-RU" sz="1600" dirty="0" smtClean="0">
+                <a:solidFill>
+                  <a:schemeClr val="tx1"/>
+                </a:solidFill>
+                <a:latin typeface="+mn-lt"/>
+              </a:rPr>
+              <a:t> состояние проекта (например ветка </a:t>
+            </a:r>
+            <a:r>
+              <a:rPr lang="en-US" sz="1600" dirty="0" smtClean="0">
+                <a:solidFill>
+                  <a:schemeClr val="tx1"/>
+                </a:solidFill>
+                <a:latin typeface="+mn-lt"/>
+              </a:rPr>
+              <a:t>master</a:t>
+            </a:r>
+            <a:r>
+              <a:rPr lang="ru-RU" sz="1600" dirty="0" smtClean="0">
+                <a:solidFill>
+                  <a:schemeClr val="tx1"/>
+                </a:solidFill>
+                <a:latin typeface="+mn-lt"/>
+              </a:rPr>
+              <a:t>). Внесение изменений в такие ветки осуществляется посредством процедуры слияния веток,  описанной далее.</a:t>
+            </a:r>
           </a:p>
         </p:txBody>
       </p:sp>
@@ -4516,6 +4876,562 @@
 </file>
 
 <file path=ppt/slides/slide12.xml><?xml version="1.0" encoding="utf-8"?>
+<p:sld xmlns:a="http://schemas.openxmlformats.org/drawingml/2006/main" xmlns:r="http://schemas.openxmlformats.org/officeDocument/2006/relationships" xmlns:p="http://schemas.openxmlformats.org/presentationml/2006/main">
+  <p:cSld>
+    <p:spTree>
+      <p:nvGrpSpPr>
+        <p:cNvPr id="1" name=""/>
+        <p:cNvGrpSpPr/>
+        <p:nvPr/>
+      </p:nvGrpSpPr>
+      <p:grpSpPr>
+        <a:xfrm>
+          <a:off x="0" y="0"/>
+          <a:ext cx="0" cy="0"/>
+          <a:chOff x="0" y="0"/>
+          <a:chExt cx="0" cy="0"/>
+        </a:xfrm>
+      </p:grpSpPr>
+      <p:sp>
+        <p:nvSpPr>
+          <p:cNvPr id="2" name="Заголовок 1"/>
+          <p:cNvSpPr>
+            <a:spLocks noGrp="1"/>
+          </p:cNvSpPr>
+          <p:nvPr>
+            <p:ph type="title"/>
+          </p:nvPr>
+        </p:nvSpPr>
+        <p:spPr/>
+        <p:txBody>
+          <a:bodyPr/>
+          <a:lstStyle/>
+          <a:p>
+            <a:r>
+              <a:rPr lang="ru-RU" dirty="0" smtClean="0"/>
+              <a:t>4. Ветвление репозитория</a:t>
+            </a:r>
+            <a:endParaRPr lang="ru-RU" dirty="0"/>
+          </a:p>
+        </p:txBody>
+      </p:sp>
+      <p:sp>
+        <p:nvSpPr>
+          <p:cNvPr id="3" name="Содержимое 2"/>
+          <p:cNvSpPr>
+            <a:spLocks noGrp="1"/>
+          </p:cNvSpPr>
+          <p:nvPr>
+            <p:ph idx="1"/>
+          </p:nvPr>
+        </p:nvSpPr>
+        <p:spPr/>
+        <p:txBody>
+          <a:bodyPr/>
+          <a:lstStyle/>
+          <a:p>
+            <a:pPr marL="0" indent="0">
+              <a:buNone/>
+            </a:pPr>
+            <a:r>
+              <a:rPr lang="ru-RU" sz="1600" dirty="0" smtClean="0"/>
+              <a:t>Слияние веток</a:t>
+            </a:r>
+          </a:p>
+          <a:p>
+            <a:pPr marL="0" indent="447675">
+              <a:buNone/>
+            </a:pPr>
+            <a:r>
+              <a:rPr lang="ru-RU" sz="1600" dirty="0" smtClean="0">
+                <a:solidFill>
+                  <a:schemeClr val="tx1"/>
+                </a:solidFill>
+                <a:latin typeface="+mn-lt"/>
+              </a:rPr>
+              <a:t>Слияние веток – перенос всех коммитов из одной ветки, в другую. В </a:t>
+            </a:r>
+            <a:r>
+              <a:rPr lang="en-US" sz="1600" dirty="0" smtClean="0">
+                <a:solidFill>
+                  <a:schemeClr val="tx1"/>
+                </a:solidFill>
+                <a:latin typeface="+mn-lt"/>
+              </a:rPr>
+              <a:t>GitLab</a:t>
+            </a:r>
+            <a:r>
+              <a:rPr lang="ru-RU" sz="1600" dirty="0" smtClean="0">
+                <a:solidFill>
+                  <a:schemeClr val="tx1"/>
+                </a:solidFill>
+                <a:latin typeface="+mn-lt"/>
+              </a:rPr>
+              <a:t> для осуществления слияния</a:t>
+            </a:r>
+            <a:r>
+              <a:rPr lang="en-US" sz="1600" dirty="0" smtClean="0">
+                <a:solidFill>
+                  <a:schemeClr val="tx1"/>
+                </a:solidFill>
+                <a:latin typeface="+mn-lt"/>
+              </a:rPr>
+              <a:t> </a:t>
+            </a:r>
+            <a:r>
+              <a:rPr lang="ru-RU" sz="1600" dirty="0" smtClean="0">
+                <a:solidFill>
+                  <a:schemeClr val="tx1"/>
+                </a:solidFill>
+                <a:latin typeface="+mn-lt"/>
+              </a:rPr>
+              <a:t>используется </a:t>
+            </a:r>
+            <a:r>
+              <a:rPr lang="en-US" sz="1600" dirty="0" smtClean="0">
+                <a:solidFill>
+                  <a:schemeClr val="tx1"/>
+                </a:solidFill>
+                <a:latin typeface="+mn-lt"/>
+              </a:rPr>
+              <a:t>merge request</a:t>
+            </a:r>
+            <a:r>
+              <a:rPr lang="ru-RU" sz="1600" dirty="0" smtClean="0">
+                <a:solidFill>
+                  <a:schemeClr val="tx1"/>
+                </a:solidFill>
+                <a:latin typeface="+mn-lt"/>
+              </a:rPr>
+              <a:t> (далее </a:t>
+            </a:r>
+            <a:r>
+              <a:rPr lang="en-US" sz="1600" dirty="0" smtClean="0">
+                <a:solidFill>
+                  <a:schemeClr val="tx1"/>
+                </a:solidFill>
+                <a:latin typeface="+mn-lt"/>
+              </a:rPr>
+              <a:t>MR</a:t>
+            </a:r>
+            <a:r>
+              <a:rPr lang="ru-RU" sz="1600" dirty="0" smtClean="0">
+                <a:solidFill>
+                  <a:schemeClr val="tx1"/>
+                </a:solidFill>
+                <a:latin typeface="+mn-lt"/>
+              </a:rPr>
+              <a:t>), представляющий собой запрос на слияние веток.</a:t>
+            </a:r>
+          </a:p>
+          <a:p>
+            <a:pPr marL="0" indent="447675">
+              <a:buNone/>
+            </a:pPr>
+            <a:r>
+              <a:rPr lang="en-US" sz="1600" dirty="0" smtClean="0">
+                <a:solidFill>
+                  <a:schemeClr val="tx1"/>
+                </a:solidFill>
+                <a:latin typeface="+mn-lt"/>
+              </a:rPr>
+              <a:t>MR </a:t>
+            </a:r>
+            <a:r>
+              <a:rPr lang="ru-RU" sz="1600" dirty="0" smtClean="0">
+                <a:solidFill>
+                  <a:schemeClr val="tx1"/>
+                </a:solidFill>
+                <a:latin typeface="+mn-lt"/>
+              </a:rPr>
+              <a:t>позволяет обсудить вносимые изменения с другими разработчиками. Также данный механизм позволяет предотвратить внесение некорректных изменений, нарушающих функционирование проекта.</a:t>
+            </a:r>
+          </a:p>
+          <a:p>
+            <a:pPr marL="0" indent="447675">
+              <a:buNone/>
+            </a:pPr>
+            <a:r>
+              <a:rPr lang="ru-RU" sz="1600" dirty="0" smtClean="0">
+                <a:solidFill>
+                  <a:schemeClr val="tx1"/>
+                </a:solidFill>
+                <a:latin typeface="+mn-lt"/>
+              </a:rPr>
+              <a:t>Перед созданием </a:t>
+            </a:r>
+            <a:r>
+              <a:rPr lang="en-US" sz="1600" dirty="0" smtClean="0">
+                <a:solidFill>
+                  <a:schemeClr val="tx1"/>
+                </a:solidFill>
+                <a:latin typeface="+mn-lt"/>
+              </a:rPr>
+              <a:t>MR </a:t>
+            </a:r>
+            <a:r>
+              <a:rPr lang="ru-RU" sz="1600" dirty="0" smtClean="0">
+                <a:solidFill>
+                  <a:schemeClr val="tx1"/>
+                </a:solidFill>
+                <a:latin typeface="+mn-lt"/>
+              </a:rPr>
+              <a:t>необходимо выполнить </a:t>
+            </a:r>
+            <a:r>
+              <a:rPr lang="en-US" sz="1600" dirty="0" smtClean="0">
+                <a:solidFill>
+                  <a:schemeClr val="tx1"/>
+                </a:solidFill>
+                <a:latin typeface="+mn-lt"/>
+              </a:rPr>
+              <a:t>push </a:t>
+            </a:r>
+            <a:r>
+              <a:rPr lang="ru-RU" sz="1600" dirty="0" smtClean="0">
+                <a:solidFill>
+                  <a:schemeClr val="tx1"/>
+                </a:solidFill>
+                <a:latin typeface="+mn-lt"/>
+              </a:rPr>
+              <a:t>текущих коммитов в </a:t>
+            </a:r>
+            <a:r>
+              <a:rPr lang="en-US" sz="1600" dirty="0" smtClean="0">
+                <a:solidFill>
+                  <a:schemeClr val="tx1"/>
+                </a:solidFill>
+                <a:latin typeface="+mn-lt"/>
+              </a:rPr>
+              <a:t>source-</a:t>
+            </a:r>
+            <a:r>
+              <a:rPr lang="ru-RU" sz="1600" dirty="0" smtClean="0">
+                <a:solidFill>
+                  <a:schemeClr val="tx1"/>
+                </a:solidFill>
+                <a:latin typeface="+mn-lt"/>
+              </a:rPr>
+              <a:t>ветку. После этого в </a:t>
+            </a:r>
+            <a:r>
+              <a:rPr lang="en-US" sz="1600" dirty="0" smtClean="0">
+                <a:solidFill>
+                  <a:schemeClr val="tx1"/>
+                </a:solidFill>
+                <a:latin typeface="+mn-lt"/>
+              </a:rPr>
+              <a:t>web-</a:t>
+            </a:r>
+            <a:r>
+              <a:rPr lang="ru-RU" sz="1600" dirty="0" smtClean="0">
+                <a:solidFill>
+                  <a:schemeClr val="tx1"/>
+                </a:solidFill>
+                <a:latin typeface="+mn-lt"/>
+              </a:rPr>
+              <a:t>интерфейсе </a:t>
+            </a:r>
+            <a:r>
+              <a:rPr lang="en-US" sz="1600" dirty="0" smtClean="0">
+                <a:solidFill>
+                  <a:schemeClr val="tx1"/>
+                </a:solidFill>
+                <a:latin typeface="+mn-lt"/>
+              </a:rPr>
+              <a:t>GitLab</a:t>
+            </a:r>
+            <a:r>
+              <a:rPr lang="ru-RU" sz="1600" dirty="0" smtClean="0">
+                <a:solidFill>
+                  <a:schemeClr val="tx1"/>
+                </a:solidFill>
+                <a:latin typeface="+mn-lt"/>
+              </a:rPr>
+              <a:t> перейти в </a:t>
+            </a:r>
+            <a:r>
+              <a:rPr lang="en-US" sz="1600" b="1" i="1" dirty="0" smtClean="0">
+                <a:solidFill>
+                  <a:schemeClr val="tx1"/>
+                </a:solidFill>
+                <a:latin typeface="+mn-lt"/>
+              </a:rPr>
+              <a:t>Merge Requests -&gt; New merge request</a:t>
+            </a:r>
+            <a:r>
+              <a:rPr lang="ru-RU" sz="1600" dirty="0" smtClean="0">
+                <a:solidFill>
+                  <a:schemeClr val="tx1"/>
+                </a:solidFill>
+                <a:latin typeface="+mn-lt"/>
+              </a:rPr>
+              <a:t> и выбрать </a:t>
+            </a:r>
+            <a:r>
+              <a:rPr lang="en-US" sz="1600" dirty="0" smtClean="0">
+                <a:solidFill>
+                  <a:schemeClr val="tx1"/>
+                </a:solidFill>
+                <a:latin typeface="+mn-lt"/>
+              </a:rPr>
+              <a:t>source </a:t>
+            </a:r>
+            <a:r>
+              <a:rPr lang="ru-RU" sz="1600" dirty="0" smtClean="0">
+                <a:solidFill>
+                  <a:schemeClr val="tx1"/>
+                </a:solidFill>
+                <a:latin typeface="+mn-lt"/>
+              </a:rPr>
+              <a:t>и </a:t>
+            </a:r>
+            <a:r>
+              <a:rPr lang="en-US" sz="1600" dirty="0" smtClean="0">
+                <a:solidFill>
+                  <a:schemeClr val="tx1"/>
+                </a:solidFill>
+                <a:latin typeface="+mn-lt"/>
+              </a:rPr>
+              <a:t>target </a:t>
+            </a:r>
+            <a:r>
+              <a:rPr lang="ru-RU" sz="1600" dirty="0" smtClean="0">
+                <a:solidFill>
+                  <a:schemeClr val="tx1"/>
+                </a:solidFill>
+                <a:latin typeface="+mn-lt"/>
+              </a:rPr>
+              <a:t>ветки. Затем нажав </a:t>
+            </a:r>
+            <a:r>
+              <a:rPr lang="en-US" sz="1600" b="1" i="1" dirty="0" smtClean="0">
+                <a:solidFill>
+                  <a:schemeClr val="tx1"/>
+                </a:solidFill>
+                <a:latin typeface="+mn-lt"/>
+              </a:rPr>
+              <a:t>Compare branches and continue</a:t>
+            </a:r>
+            <a:r>
+              <a:rPr lang="en-US" sz="1600" i="1" dirty="0" smtClean="0">
+                <a:solidFill>
+                  <a:schemeClr val="tx1"/>
+                </a:solidFill>
+                <a:latin typeface="+mn-lt"/>
+              </a:rPr>
+              <a:t> </a:t>
+            </a:r>
+            <a:r>
+              <a:rPr lang="ru-RU" sz="1600" dirty="0" smtClean="0">
+                <a:solidFill>
+                  <a:schemeClr val="tx1"/>
+                </a:solidFill>
+                <a:latin typeface="+mn-lt"/>
+              </a:rPr>
+              <a:t>необходимо дать название </a:t>
+            </a:r>
+            <a:r>
+              <a:rPr lang="en-US" sz="1600" dirty="0" smtClean="0">
+                <a:solidFill>
+                  <a:schemeClr val="tx1"/>
+                </a:solidFill>
+                <a:latin typeface="+mn-lt"/>
+              </a:rPr>
+              <a:t>MR</a:t>
+            </a:r>
+            <a:r>
+              <a:rPr lang="ru-RU" sz="1600" dirty="0" smtClean="0">
+                <a:solidFill>
+                  <a:schemeClr val="tx1"/>
+                </a:solidFill>
+                <a:latin typeface="+mn-lt"/>
+              </a:rPr>
+              <a:t> дать его короткое описание и указать участника проекта, которому назначен данный </a:t>
+            </a:r>
+            <a:r>
+              <a:rPr lang="en-US" sz="1600" dirty="0" smtClean="0">
+                <a:solidFill>
+                  <a:schemeClr val="tx1"/>
+                </a:solidFill>
+                <a:latin typeface="+mn-lt"/>
+              </a:rPr>
+              <a:t>MR </a:t>
+            </a:r>
+            <a:r>
+              <a:rPr lang="ru-RU" sz="1600" dirty="0" smtClean="0">
+                <a:solidFill>
+                  <a:schemeClr val="tx1"/>
+                </a:solidFill>
+                <a:latin typeface="+mn-lt"/>
+              </a:rPr>
+              <a:t>в пункте </a:t>
+            </a:r>
+            <a:r>
+              <a:rPr lang="en-US" sz="1600" b="1" dirty="0" smtClean="0">
+                <a:solidFill>
+                  <a:schemeClr val="tx1"/>
+                </a:solidFill>
+                <a:latin typeface="+mn-lt"/>
+              </a:rPr>
+              <a:t>Assignee</a:t>
+            </a:r>
+            <a:r>
+              <a:rPr lang="ru-RU" sz="1600" dirty="0" smtClean="0">
+                <a:solidFill>
+                  <a:schemeClr val="tx1"/>
+                </a:solidFill>
+                <a:latin typeface="+mn-lt"/>
+              </a:rPr>
+              <a:t>, после чего нажать кнопку </a:t>
+            </a:r>
+            <a:r>
+              <a:rPr lang="en-US" sz="1600" b="1" i="1" dirty="0" smtClean="0">
+                <a:solidFill>
+                  <a:schemeClr val="tx1"/>
+                </a:solidFill>
+                <a:latin typeface="+mn-lt"/>
+              </a:rPr>
+              <a:t>Submit merge request</a:t>
+            </a:r>
+            <a:r>
+              <a:rPr lang="ru-RU" sz="1600" dirty="0" smtClean="0">
+                <a:solidFill>
+                  <a:schemeClr val="tx1"/>
+                </a:solidFill>
+                <a:latin typeface="+mn-lt"/>
+              </a:rPr>
+              <a:t>. После этого созданный </a:t>
+            </a:r>
+            <a:r>
+              <a:rPr lang="en-US" sz="1600" dirty="0" smtClean="0">
+                <a:solidFill>
+                  <a:schemeClr val="tx1"/>
+                </a:solidFill>
+                <a:latin typeface="+mn-lt"/>
+              </a:rPr>
+              <a:t>MR </a:t>
+            </a:r>
+            <a:r>
+              <a:rPr lang="ru-RU" sz="1600" dirty="0" smtClean="0">
+                <a:solidFill>
+                  <a:schemeClr val="tx1"/>
+                </a:solidFill>
+                <a:latin typeface="+mn-lt"/>
+              </a:rPr>
+              <a:t>будет отображаться в списке </a:t>
+            </a:r>
+            <a:r>
+              <a:rPr lang="en-US" sz="1600" b="1" i="1" dirty="0" smtClean="0">
+                <a:solidFill>
+                  <a:schemeClr val="tx1"/>
+                </a:solidFill>
+                <a:latin typeface="+mn-lt"/>
+              </a:rPr>
+              <a:t>Merge Requests</a:t>
+            </a:r>
+            <a:r>
+              <a:rPr lang="en-US" sz="1600" b="1" i="1" dirty="0" smtClean="0">
+                <a:solidFill>
+                  <a:schemeClr val="tx1"/>
+                </a:solidFill>
+              </a:rPr>
+              <a:t> </a:t>
+            </a:r>
+            <a:r>
+              <a:rPr lang="ru-RU" sz="1600" dirty="0" smtClean="0">
+                <a:solidFill>
+                  <a:schemeClr val="tx1"/>
+                </a:solidFill>
+                <a:latin typeface="+mn-lt"/>
+              </a:rPr>
+              <a:t>где выбрав конкретный </a:t>
+            </a:r>
+            <a:r>
+              <a:rPr lang="en-US" sz="1600" dirty="0" smtClean="0">
+                <a:solidFill>
+                  <a:schemeClr val="tx1"/>
+                </a:solidFill>
+                <a:latin typeface="+mn-lt"/>
+              </a:rPr>
+              <a:t>MR</a:t>
+            </a:r>
+            <a:r>
+              <a:rPr lang="ru-RU" sz="1600" dirty="0" smtClean="0">
+                <a:solidFill>
+                  <a:schemeClr val="tx1"/>
+                </a:solidFill>
+                <a:latin typeface="+mn-lt"/>
+              </a:rPr>
+              <a:t> можно принять участие в его обсуждении.</a:t>
+            </a:r>
+          </a:p>
+          <a:p>
+            <a:pPr marL="0" indent="447675">
+              <a:buNone/>
+            </a:pPr>
+            <a:r>
+              <a:rPr lang="en-US" sz="1600" dirty="0" smtClean="0">
+                <a:solidFill>
+                  <a:schemeClr val="tx1"/>
+                </a:solidFill>
+                <a:latin typeface="+mn-lt"/>
+              </a:rPr>
+              <a:t>MR </a:t>
+            </a:r>
+            <a:r>
+              <a:rPr lang="ru-RU" sz="1600" dirty="0" smtClean="0">
+                <a:solidFill>
+                  <a:schemeClr val="tx1"/>
+                </a:solidFill>
+                <a:latin typeface="+mn-lt"/>
+              </a:rPr>
+              <a:t>может быть закрыт, таким образом предлагаемые к внесению изменения будут отклонены. Если же изменения принимаются руководителем проекта, то </a:t>
+            </a:r>
+            <a:r>
+              <a:rPr lang="en-US" sz="1600" dirty="0" smtClean="0">
+                <a:solidFill>
+                  <a:schemeClr val="tx1"/>
+                </a:solidFill>
+                <a:latin typeface="+mn-lt"/>
+              </a:rPr>
+              <a:t>MR </a:t>
+            </a:r>
+            <a:r>
+              <a:rPr lang="ru-RU" sz="1600" dirty="0" smtClean="0">
+                <a:solidFill>
+                  <a:schemeClr val="tx1"/>
+                </a:solidFill>
+                <a:latin typeface="+mn-lt"/>
+              </a:rPr>
+              <a:t>будет принят.</a:t>
+            </a:r>
+            <a:endParaRPr lang="ru-RU" sz="1600" i="1" dirty="0">
+              <a:solidFill>
+                <a:schemeClr val="tx1"/>
+              </a:solidFill>
+              <a:latin typeface="+mn-lt"/>
+            </a:endParaRPr>
+          </a:p>
+        </p:txBody>
+      </p:sp>
+    </p:spTree>
+  </p:cSld>
+  <p:clrMapOvr>
+    <a:masterClrMapping/>
+  </p:clrMapOvr>
+  <p:transition/>
+  <p:timing>
+    <p:tnLst>
+      <p:par>
+        <p:cTn id="1" dur="indefinite" restart="never" nodeType="tmRoot"/>
+      </p:par>
+    </p:tnLst>
+  </p:timing>
+</p:sld>
+</file>
+
+<file path=ppt/slides/slide13.xml><?xml version="1.0" encoding="utf-8"?>
 <p:sld xmlns:a="http://schemas.openxmlformats.org/drawingml/2006/main" xmlns:r="http://schemas.openxmlformats.org/officeDocument/2006/relationships" xmlns:p="http://schemas.openxmlformats.org/presentationml/2006/main">
   <p:cSld>
     <p:spTree>
@@ -4807,7 +5723,7 @@
 </p:sld>
 </file>
 
-<file path=ppt/slides/slide13.xml><?xml version="1.0" encoding="utf-8"?>
+<file path=ppt/slides/slide14.xml><?xml version="1.0" encoding="utf-8"?>
 <p:sld xmlns:a="http://schemas.openxmlformats.org/drawingml/2006/main" xmlns:r="http://schemas.openxmlformats.org/officeDocument/2006/relationships" xmlns:p="http://schemas.openxmlformats.org/presentationml/2006/main">
   <p:cSld>
     <p:spTree>
@@ -5083,7 +5999,7 @@
 </p:sld>
 </file>
 
-<file path=ppt/slides/slide14.xml><?xml version="1.0" encoding="utf-8"?>
+<file path=ppt/slides/slide15.xml><?xml version="1.0" encoding="utf-8"?>
 <p:sld xmlns:a="http://schemas.openxmlformats.org/drawingml/2006/main" xmlns:r="http://schemas.openxmlformats.org/officeDocument/2006/relationships" xmlns:p="http://schemas.openxmlformats.org/presentationml/2006/main">
   <p:cSld>
     <p:spTree>
@@ -5424,7 +6340,7 @@
 </p:sld>
 </file>
 
-<file path=ppt/slides/slide15.xml><?xml version="1.0" encoding="utf-8"?>
+<file path=ppt/slides/slide16.xml><?xml version="1.0" encoding="utf-8"?>
 <p:sld xmlns:a="http://schemas.openxmlformats.org/drawingml/2006/main" xmlns:r="http://schemas.openxmlformats.org/officeDocument/2006/relationships" xmlns:p="http://schemas.openxmlformats.org/presentationml/2006/main">
   <p:cSld>
     <p:spTree>
@@ -5854,317 +6770,6 @@
 </p:sld>
 </file>
 
-<file path=ppt/slides/slide16.xml><?xml version="1.0" encoding="utf-8"?>
-<p:sld xmlns:a="http://schemas.openxmlformats.org/drawingml/2006/main" xmlns:r="http://schemas.openxmlformats.org/officeDocument/2006/relationships" xmlns:p="http://schemas.openxmlformats.org/presentationml/2006/main">
-  <p:cSld>
-    <p:spTree>
-      <p:nvGrpSpPr>
-        <p:cNvPr id="1" name=""/>
-        <p:cNvGrpSpPr/>
-        <p:nvPr/>
-      </p:nvGrpSpPr>
-      <p:grpSpPr>
-        <a:xfrm>
-          <a:off x="0" y="0"/>
-          <a:ext cx="0" cy="0"/>
-          <a:chOff x="0" y="0"/>
-          <a:chExt cx="0" cy="0"/>
-        </a:xfrm>
-      </p:grpSpPr>
-      <p:sp>
-        <p:nvSpPr>
-          <p:cNvPr id="2" name="Заголовок 1"/>
-          <p:cNvSpPr>
-            <a:spLocks noGrp="1"/>
-          </p:cNvSpPr>
-          <p:nvPr>
-            <p:ph type="title"/>
-          </p:nvPr>
-        </p:nvSpPr>
-        <p:spPr/>
-        <p:txBody>
-          <a:bodyPr/>
-          <a:lstStyle/>
-          <a:p>
-            <a:r>
-              <a:rPr lang="ru-RU" dirty="0" smtClean="0"/>
-              <a:t>7. Игнорирование файлов</a:t>
-            </a:r>
-            <a:endParaRPr lang="ru-RU" dirty="0"/>
-          </a:p>
-        </p:txBody>
-      </p:sp>
-      <p:sp>
-        <p:nvSpPr>
-          <p:cNvPr id="3" name="Содержимое 2"/>
-          <p:cNvSpPr>
-            <a:spLocks noGrp="1"/>
-          </p:cNvSpPr>
-          <p:nvPr>
-            <p:ph idx="1"/>
-          </p:nvPr>
-        </p:nvSpPr>
-        <p:spPr>
-          <a:xfrm>
-            <a:off x="476250" y="836714"/>
-            <a:ext cx="8210550" cy="5697439"/>
-          </a:xfrm>
-        </p:spPr>
-        <p:txBody>
-          <a:bodyPr/>
-          <a:lstStyle/>
-          <a:p>
-            <a:pPr marL="0" indent="447675">
-              <a:buNone/>
-            </a:pPr>
-            <a:r>
-              <a:rPr lang="ru-RU" sz="1600" dirty="0" smtClean="0">
-                <a:solidFill>
-                  <a:schemeClr val="tx1"/>
-                </a:solidFill>
-                <a:latin typeface="+mn-lt"/>
-              </a:rPr>
-              <a:t>При работе с системой контроля версий </a:t>
-            </a:r>
-            <a:r>
-              <a:rPr lang="en-US" sz="1600" dirty="0" smtClean="0">
-                <a:solidFill>
-                  <a:schemeClr val="tx1"/>
-                </a:solidFill>
-                <a:latin typeface="+mn-lt"/>
-              </a:rPr>
-              <a:t>Git </a:t>
-            </a:r>
-            <a:r>
-              <a:rPr lang="ru-RU" sz="1600" dirty="0" smtClean="0">
-                <a:solidFill>
-                  <a:schemeClr val="tx1"/>
-                </a:solidFill>
-                <a:latin typeface="+mn-lt"/>
-              </a:rPr>
-              <a:t>можно исключать некоторые локальные файлы из репозитория. Для этого используется файл с именем </a:t>
-            </a:r>
-            <a:r>
-              <a:rPr lang="en-US" sz="1600" i="1" dirty="0" smtClean="0">
-                <a:solidFill>
-                  <a:schemeClr val="tx1"/>
-                </a:solidFill>
-                <a:latin typeface="+mn-lt"/>
-              </a:rPr>
-              <a:t>.</a:t>
-            </a:r>
-            <a:r>
-              <a:rPr lang="en-US" sz="1600" i="1" dirty="0" err="1" smtClean="0">
-                <a:solidFill>
-                  <a:schemeClr val="tx1"/>
-                </a:solidFill>
-                <a:latin typeface="+mn-lt"/>
-              </a:rPr>
-              <a:t>gitignore</a:t>
-            </a:r>
-            <a:r>
-              <a:rPr lang="ru-RU" sz="1600" i="1" dirty="0" smtClean="0">
-                <a:solidFill>
-                  <a:schemeClr val="tx1"/>
-                </a:solidFill>
-                <a:latin typeface="+mn-lt"/>
-              </a:rPr>
-              <a:t>.</a:t>
-            </a:r>
-            <a:r>
-              <a:rPr lang="ru-RU" sz="1600" dirty="0" smtClean="0">
-                <a:solidFill>
-                  <a:schemeClr val="tx1"/>
-                </a:solidFill>
-                <a:latin typeface="+mn-lt"/>
-              </a:rPr>
-              <a:t> В таком файле указываются пути к файлам или директориям, изменения в которых не будут отслеживаться в репозитории. Такой файл может находиться как в основной директории репозитория, так и в каждой отдельной </a:t>
-            </a:r>
-            <a:r>
-              <a:rPr lang="ru-RU" sz="1600" dirty="0" err="1" smtClean="0">
-                <a:solidFill>
-                  <a:schemeClr val="tx1"/>
-                </a:solidFill>
-                <a:latin typeface="+mn-lt"/>
-              </a:rPr>
-              <a:t>субдериктории</a:t>
-            </a:r>
-            <a:r>
-              <a:rPr lang="ru-RU" sz="1600" dirty="0" smtClean="0">
-                <a:solidFill>
-                  <a:schemeClr val="tx1"/>
-                </a:solidFill>
-                <a:latin typeface="+mn-lt"/>
-              </a:rPr>
-              <a:t>.</a:t>
-            </a:r>
-          </a:p>
-          <a:p>
-            <a:pPr marL="0" indent="447675">
-              <a:buNone/>
-            </a:pPr>
-            <a:r>
-              <a:rPr lang="ru-RU" sz="1600" dirty="0" smtClean="0">
-                <a:solidFill>
-                  <a:schemeClr val="tx1"/>
-                </a:solidFill>
-                <a:latin typeface="+mn-lt"/>
-              </a:rPr>
-              <a:t>При указании путей файлов могут быть использованы следующие спецификаторы:</a:t>
-            </a:r>
-          </a:p>
-          <a:p>
-            <a:pPr marL="0" indent="447675">
-              <a:buFont typeface="Arial" pitchFamily="34" charset="0"/>
-              <a:buChar char="•"/>
-            </a:pPr>
-            <a:r>
-              <a:rPr lang="en-US" sz="1600" dirty="0" smtClean="0">
-                <a:solidFill>
-                  <a:schemeClr val="tx1"/>
-                </a:solidFill>
-                <a:latin typeface="+mn-lt"/>
-              </a:rPr>
-              <a:t># - </a:t>
-            </a:r>
-            <a:r>
-              <a:rPr lang="ru-RU" sz="1600" dirty="0" smtClean="0">
-                <a:solidFill>
-                  <a:schemeClr val="tx1"/>
-                </a:solidFill>
-                <a:latin typeface="+mn-lt"/>
-              </a:rPr>
-              <a:t>комментирование строки;</a:t>
-            </a:r>
-          </a:p>
-          <a:p>
-            <a:pPr marL="0" indent="447675">
-              <a:buFont typeface="Arial" pitchFamily="34" charset="0"/>
-              <a:buChar char="•"/>
-            </a:pPr>
-            <a:r>
-              <a:rPr lang="en-US" sz="1600" dirty="0" smtClean="0">
-                <a:solidFill>
-                  <a:schemeClr val="tx1"/>
-                </a:solidFill>
-                <a:latin typeface="+mn-lt"/>
-              </a:rPr>
-              <a:t>/ - </a:t>
-            </a:r>
-            <a:r>
-              <a:rPr lang="ru-RU" sz="1600" dirty="0" smtClean="0">
-                <a:solidFill>
-                  <a:schemeClr val="tx1"/>
-                </a:solidFill>
-                <a:latin typeface="+mn-lt"/>
-              </a:rPr>
-              <a:t>разделитель пути к директории. Если в начале или середине пути файла есть данный символ, то путь к файлу воспринимается относительно конкретного файла </a:t>
-            </a:r>
-            <a:r>
-              <a:rPr lang="en-US" sz="1600" dirty="0" smtClean="0">
-                <a:solidFill>
-                  <a:schemeClr val="tx1"/>
-                </a:solidFill>
-                <a:latin typeface="+mn-lt"/>
-              </a:rPr>
-              <a:t>.</a:t>
-            </a:r>
-            <a:r>
-              <a:rPr lang="en-US" sz="1600" dirty="0" err="1" smtClean="0">
-                <a:solidFill>
-                  <a:schemeClr val="tx1"/>
-                </a:solidFill>
-                <a:latin typeface="+mn-lt"/>
-              </a:rPr>
-              <a:t>gitignore</a:t>
-            </a:r>
-            <a:r>
-              <a:rPr lang="ru-RU" sz="1600" dirty="0" smtClean="0">
-                <a:solidFill>
-                  <a:schemeClr val="tx1"/>
-                </a:solidFill>
-                <a:latin typeface="+mn-lt"/>
-              </a:rPr>
-              <a:t>. Если же такой символ отсутствует, то будет проигнорирован любой файл с совпадающим именем в текущей директории или на уровнях ниже текущей директории;</a:t>
-            </a:r>
-          </a:p>
-          <a:p>
-            <a:pPr marL="0" indent="447675">
-              <a:buFont typeface="Arial" pitchFamily="34" charset="0"/>
-              <a:buChar char="•"/>
-            </a:pPr>
-            <a:r>
-              <a:rPr lang="ru-RU" sz="1600" dirty="0" smtClean="0">
-                <a:solidFill>
-                  <a:schemeClr val="tx1"/>
-                </a:solidFill>
-                <a:latin typeface="+mn-lt"/>
-              </a:rPr>
-              <a:t>* - все файлы, совпадающие с паттерном. Может также использоваться для исключения всех файлов определенного расширения (</a:t>
-            </a:r>
-            <a:r>
-              <a:rPr lang="en-US" sz="1600" dirty="0" smtClean="0">
-                <a:solidFill>
-                  <a:schemeClr val="tx1"/>
-                </a:solidFill>
-                <a:latin typeface="+mn-lt"/>
-              </a:rPr>
-              <a:t>*.zip</a:t>
-            </a:r>
-            <a:r>
-              <a:rPr lang="ru-RU" sz="1600" dirty="0" smtClean="0">
-                <a:solidFill>
-                  <a:schemeClr val="tx1"/>
-                </a:solidFill>
-                <a:latin typeface="+mn-lt"/>
-              </a:rPr>
-              <a:t>);</a:t>
-            </a:r>
-          </a:p>
-          <a:p>
-            <a:pPr marL="0" indent="447675">
-              <a:buFont typeface="Arial" pitchFamily="34" charset="0"/>
-              <a:buChar char="•"/>
-            </a:pPr>
-            <a:r>
-              <a:rPr lang="ru-RU" sz="1600" dirty="0" smtClean="0">
-                <a:solidFill>
-                  <a:schemeClr val="tx1"/>
-                </a:solidFill>
-                <a:latin typeface="+mn-lt"/>
-              </a:rPr>
-              <a:t>! – отменяет игнорирование какого-либо файла, перед которым установлен. Например, необходимо игнорировать в директории все файлы, кроме одного. Тогда все файлы директории игнорируется *, а необходимый файл исключается из спецификатора символом !.</a:t>
-            </a:r>
-          </a:p>
-          <a:p>
-            <a:pPr marL="0" indent="447675">
-              <a:buNone/>
-            </a:pPr>
-            <a:endParaRPr lang="ru-RU" sz="1600" dirty="0">
-              <a:solidFill>
-                <a:schemeClr val="tx1"/>
-              </a:solidFill>
-              <a:latin typeface="+mn-lt"/>
-            </a:endParaRPr>
-          </a:p>
-        </p:txBody>
-      </p:sp>
-    </p:spTree>
-  </p:cSld>
-  <p:clrMapOvr>
-    <a:masterClrMapping/>
-  </p:clrMapOvr>
-  <p:transition/>
-  <p:timing>
-    <p:tnLst>
-      <p:par>
-        <p:cTn id="1" dur="indefinite" restart="never" nodeType="tmRoot"/>
-      </p:par>
-    </p:tnLst>
-  </p:timing>
-</p:sld>
-</file>
-
 <file path=ppt/slides/slide17.xml><?xml version="1.0" encoding="utf-8"?>
 <p:sld xmlns:a="http://schemas.openxmlformats.org/drawingml/2006/main" xmlns:r="http://schemas.openxmlformats.org/officeDocument/2006/relationships" xmlns:p="http://schemas.openxmlformats.org/presentationml/2006/main">
   <p:cSld>
@@ -6217,8 +6822,8 @@
         </p:nvSpPr>
         <p:spPr>
           <a:xfrm>
-            <a:off x="476250" y="1268761"/>
-            <a:ext cx="8210550" cy="5265737"/>
+            <a:off x="476250" y="836714"/>
+            <a:ext cx="8210550" cy="5697439"/>
           </a:xfrm>
         </p:spPr>
         <p:txBody>
@@ -6229,8 +6834,85 @@
               <a:buNone/>
             </a:pPr>
             <a:r>
-              <a:rPr lang="ru-RU" sz="1600" dirty="0" smtClean="0"/>
-              <a:t>Какие файлы следует игнорировать?</a:t>
+              <a:rPr lang="ru-RU" sz="1600" dirty="0" smtClean="0">
+                <a:solidFill>
+                  <a:schemeClr val="tx1"/>
+                </a:solidFill>
+                <a:latin typeface="+mn-lt"/>
+              </a:rPr>
+              <a:t>При работе с системой контроля версий </a:t>
+            </a:r>
+            <a:r>
+              <a:rPr lang="en-US" sz="1600" dirty="0" smtClean="0">
+                <a:solidFill>
+                  <a:schemeClr val="tx1"/>
+                </a:solidFill>
+                <a:latin typeface="+mn-lt"/>
+              </a:rPr>
+              <a:t>Git </a:t>
+            </a:r>
+            <a:r>
+              <a:rPr lang="ru-RU" sz="1600" dirty="0" smtClean="0">
+                <a:solidFill>
+                  <a:schemeClr val="tx1"/>
+                </a:solidFill>
+                <a:latin typeface="+mn-lt"/>
+              </a:rPr>
+              <a:t>можно исключать некоторые локальные файлы из репозитория. Для этого используется файл с именем </a:t>
+            </a:r>
+            <a:r>
+              <a:rPr lang="en-US" sz="1600" i="1" dirty="0" smtClean="0">
+                <a:solidFill>
+                  <a:schemeClr val="tx1"/>
+                </a:solidFill>
+                <a:latin typeface="+mn-lt"/>
+              </a:rPr>
+              <a:t>.</a:t>
+            </a:r>
+            <a:r>
+              <a:rPr lang="en-US" sz="1600" i="1" dirty="0" err="1" smtClean="0">
+                <a:solidFill>
+                  <a:schemeClr val="tx1"/>
+                </a:solidFill>
+                <a:latin typeface="+mn-lt"/>
+              </a:rPr>
+              <a:t>gitignore</a:t>
+            </a:r>
+            <a:r>
+              <a:rPr lang="ru-RU" sz="1600" i="1" dirty="0" smtClean="0">
+                <a:solidFill>
+                  <a:schemeClr val="tx1"/>
+                </a:solidFill>
+                <a:latin typeface="+mn-lt"/>
+              </a:rPr>
+              <a:t>.</a:t>
+            </a:r>
+            <a:r>
+              <a:rPr lang="ru-RU" sz="1600" dirty="0" smtClean="0">
+                <a:solidFill>
+                  <a:schemeClr val="tx1"/>
+                </a:solidFill>
+                <a:latin typeface="+mn-lt"/>
+              </a:rPr>
+              <a:t> В таком файле указываются пути к файлам или директориям, изменения в которых не будут отслеживаться в репозитории. Такой файл может находиться как в основной директории репозитория, так и в каждой отдельной </a:t>
+            </a:r>
+            <a:r>
+              <a:rPr lang="ru-RU" sz="1600" dirty="0" err="1" smtClean="0">
+                <a:solidFill>
+                  <a:schemeClr val="tx1"/>
+                </a:solidFill>
+                <a:latin typeface="+mn-lt"/>
+              </a:rPr>
+              <a:t>субдериктории</a:t>
+            </a:r>
+            <a:r>
+              <a:rPr lang="ru-RU" sz="1600" dirty="0" smtClean="0">
+                <a:solidFill>
+                  <a:schemeClr val="tx1"/>
+                </a:solidFill>
+                <a:latin typeface="+mn-lt"/>
+              </a:rPr>
+              <a:t>.</a:t>
             </a:r>
           </a:p>
           <a:p>
@@ -6244,21 +6926,7 @@
                 </a:solidFill>
                 <a:latin typeface="+mn-lt"/>
               </a:rPr>
-              <a:t>В число игнорируемых файлов следует очевидно включать файлы, изменения в которых нет необходимости отслеживать. Как правило относят почти все файлы, не являющиеся файлами исходного кода, т.к. только эти изменения являются  принципиальными для контроля.</a:t>
-            </a:r>
-          </a:p>
-          <a:p>
-            <a:pPr marL="0" indent="447675">
-              <a:buNone/>
-            </a:pPr>
-            <a:r>
-              <a:rPr lang="ru-RU" sz="1600" dirty="0" smtClean="0">
-                <a:solidFill>
-                  <a:schemeClr val="tx1"/>
-                </a:solidFill>
-                <a:latin typeface="+mn-lt"/>
-              </a:rPr>
-              <a:t>Примеры файлов, которые рекомендуется исключать:</a:t>
+              <a:t>При указании путей файлов могут быть использованы следующие спецификаторы:</a:t>
             </a:r>
           </a:p>
           <a:p>
@@ -6267,13 +6935,22 @@
               <a:buChar char="•"/>
             </a:pPr>
             <a:r>
-              <a:rPr lang="ru-RU" sz="1600" dirty="0" smtClean="0">
-                <a:solidFill>
-                  <a:schemeClr val="tx1"/>
-                </a:solidFill>
-                <a:latin typeface="+mn-lt"/>
-              </a:rPr>
-              <a:t>файлы логов;</a:t>
+              <a:rPr lang="en-US" sz="1600" dirty="0" smtClean="0">
+                <a:solidFill>
+                  <a:schemeClr val="tx1"/>
+                </a:solidFill>
+                <a:latin typeface="+mn-lt"/>
+              </a:rPr>
+              <a:t># - </a:t>
+            </a:r>
+            <a:r>
+              <a:rPr lang="ru-RU" sz="1600" dirty="0" smtClean="0">
+                <a:solidFill>
+                  <a:schemeClr val="tx1"/>
+                </a:solidFill>
+                <a:latin typeface="+mn-lt"/>
+              </a:rPr>
+              <a:t>комментирование строки;</a:t>
             </a:r>
           </a:p>
           <a:p>
@@ -6282,31 +6959,49 @@
               <a:buChar char="•"/>
             </a:pPr>
             <a:r>
-              <a:rPr lang="ru-RU" sz="1600" dirty="0" smtClean="0">
-                <a:solidFill>
-                  <a:schemeClr val="tx1"/>
-                </a:solidFill>
-                <a:latin typeface="+mn-lt"/>
-              </a:rPr>
-              <a:t>файлы </a:t>
-            </a:r>
-            <a:r>
-              <a:rPr lang="ru-RU" sz="1600" dirty="0" err="1" smtClean="0">
-                <a:solidFill>
-                  <a:schemeClr val="tx1"/>
-                </a:solidFill>
-                <a:latin typeface="+mn-lt"/>
-              </a:rPr>
-              <a:t>кэша</a:t>
-            </a:r>
-            <a:r>
-              <a:rPr lang="ru-RU" sz="1600" dirty="0" smtClean="0">
-                <a:solidFill>
-                  <a:schemeClr val="tx1"/>
-                </a:solidFill>
-                <a:latin typeface="+mn-lt"/>
-              </a:rPr>
-              <a:t>;</a:t>
+              <a:rPr lang="en-US" sz="1600" dirty="0" smtClean="0">
+                <a:solidFill>
+                  <a:schemeClr val="tx1"/>
+                </a:solidFill>
+                <a:latin typeface="+mn-lt"/>
+              </a:rPr>
+              <a:t>/ - </a:t>
+            </a:r>
+            <a:r>
+              <a:rPr lang="ru-RU" sz="1600" dirty="0" smtClean="0">
+                <a:solidFill>
+                  <a:schemeClr val="tx1"/>
+                </a:solidFill>
+                <a:latin typeface="+mn-lt"/>
+              </a:rPr>
+              <a:t>разделитель пути к директории. Если в начале или середине пути файла есть данный символ, то путь к файлу воспринимается относительно конкретного файла </a:t>
+            </a:r>
+            <a:r>
+              <a:rPr lang="en-US" sz="1600" dirty="0" smtClean="0">
+                <a:solidFill>
+                  <a:schemeClr val="tx1"/>
+                </a:solidFill>
+                <a:latin typeface="+mn-lt"/>
+              </a:rPr>
+              <a:t>.</a:t>
+            </a:r>
+            <a:r>
+              <a:rPr lang="en-US" sz="1600" dirty="0" err="1" smtClean="0">
+                <a:solidFill>
+                  <a:schemeClr val="tx1"/>
+                </a:solidFill>
+                <a:latin typeface="+mn-lt"/>
+              </a:rPr>
+              <a:t>gitignore</a:t>
+            </a:r>
+            <a:r>
+              <a:rPr lang="ru-RU" sz="1600" dirty="0" smtClean="0">
+                <a:solidFill>
+                  <a:schemeClr val="tx1"/>
+                </a:solidFill>
+                <a:latin typeface="+mn-lt"/>
+              </a:rPr>
+              <a:t>. Если же такой символ отсутствует, то будет проигнорирован любой файл с совпадающим именем в текущей директории или на уровнях ниже текущей директории;</a:t>
             </a:r>
           </a:p>
           <a:p>
@@ -6321,7 +7016,25 @@
                 </a:solidFill>
                 <a:latin typeface="+mn-lt"/>
               </a:rPr>
-              <a:t>файлы и артефакты сборки;</a:t>
+              <a:t>* - все файлы, совпадающие с паттерном. Может также использоваться для исключения всех файлов определенного расширения (</a:t>
+            </a:r>
+            <a:r>
+              <a:rPr lang="en-US" sz="1600" dirty="0" smtClean="0">
+                <a:solidFill>
+                  <a:schemeClr val="tx1"/>
+                </a:solidFill>
+                <a:latin typeface="+mn-lt"/>
+              </a:rPr>
+              <a:t>*.zip</a:t>
+            </a:r>
+            <a:r>
+              <a:rPr lang="ru-RU" sz="1600" dirty="0" smtClean="0">
+                <a:solidFill>
+                  <a:schemeClr val="tx1"/>
+                </a:solidFill>
+                <a:latin typeface="+mn-lt"/>
+              </a:rPr>
+              <a:t>);</a:t>
             </a:r>
           </a:p>
           <a:p>
@@ -6336,56 +7049,19 @@
                 </a:solidFill>
                 <a:latin typeface="+mn-lt"/>
               </a:rPr>
-              <a:t>директория </a:t>
-            </a:r>
-            <a:r>
-              <a:rPr lang="en-US" sz="1600" dirty="0" smtClean="0">
-                <a:solidFill>
-                  <a:schemeClr val="tx1"/>
-                </a:solidFill>
-                <a:latin typeface="+mn-lt"/>
-              </a:rPr>
-              <a:t>build</a:t>
-            </a:r>
-            <a:r>
-              <a:rPr lang="ru-RU" sz="1600" dirty="0" smtClean="0">
-                <a:solidFill>
-                  <a:schemeClr val="tx1"/>
-                </a:solidFill>
-                <a:latin typeface="+mn-lt"/>
-              </a:rPr>
-              <a:t>;</a:t>
+              <a:t>! – отменяет игнорирование какого-либо файла, перед которым установлен. Например, необходимо игнорировать в директории все файлы, кроме одного. Тогда все файлы директории игнорируется *, а необходимый файл исключается из спецификатора символом !.</a:t>
             </a:r>
           </a:p>
           <a:p>
             <a:pPr marL="0" indent="447675">
-              <a:buFont typeface="Arial" pitchFamily="34" charset="0"/>
-              <a:buChar char="•"/>
-            </a:pPr>
-            <a:r>
-              <a:rPr lang="ru-RU" sz="1600" dirty="0" smtClean="0">
-                <a:solidFill>
-                  <a:schemeClr val="tx1"/>
-                </a:solidFill>
-                <a:latin typeface="+mn-lt"/>
-              </a:rPr>
-              <a:t>конфигурационные файлы окружения конкретного пользователя;</a:t>
-            </a:r>
-          </a:p>
-          <a:p>
-            <a:pPr marL="0" indent="447675">
-              <a:buFont typeface="Arial" pitchFamily="34" charset="0"/>
-              <a:buChar char="•"/>
-            </a:pPr>
-            <a:r>
-              <a:rPr lang="ru-RU" sz="1600" dirty="0" smtClean="0">
-                <a:solidFill>
-                  <a:schemeClr val="tx1"/>
-                </a:solidFill>
-                <a:latin typeface="+mn-lt"/>
-              </a:rPr>
-              <a:t>любые другие выходные файлы генерируемые в результате работы программы. Такие файлы распространяются отдельно от контроля версий;</a:t>
-            </a:r>
+              <a:buNone/>
+            </a:pPr>
+            <a:endParaRPr lang="ru-RU" sz="1600" dirty="0">
+              <a:solidFill>
+                <a:schemeClr val="tx1"/>
+              </a:solidFill>
+              <a:latin typeface="+mn-lt"/>
+            </a:endParaRPr>
           </a:p>
         </p:txBody>
       </p:sp>
@@ -6439,7 +7115,7 @@
           <a:p>
             <a:r>
               <a:rPr lang="ru-RU" dirty="0" smtClean="0"/>
-              <a:t>8. Справочная информация</a:t>
+              <a:t>7. Игнорирование файлов</a:t>
             </a:r>
             <a:endParaRPr lang="ru-RU" dirty="0"/>
           </a:p>
@@ -6455,24 +7131,128 @@
             <p:ph idx="1"/>
           </p:nvPr>
         </p:nvSpPr>
-        <p:spPr/>
+        <p:spPr>
+          <a:xfrm>
+            <a:off x="476250" y="1268761"/>
+            <a:ext cx="8210550" cy="5265737"/>
+          </a:xfrm>
+        </p:spPr>
         <p:txBody>
           <a:bodyPr/>
           <a:lstStyle/>
           <a:p>
-            <a:pPr>
-              <a:buSzPct val="100000"/>
-              <a:buFont typeface="+mj-lt"/>
-              <a:buAutoNum type="arabicPeriod"/>
-            </a:pPr>
-            <a:r>
-              <a:rPr lang="ru-RU" sz="1600" dirty="0" smtClean="0">
-                <a:solidFill>
-                  <a:schemeClr val="tx1"/>
-                </a:solidFill>
-                <a:latin typeface="+mn-lt"/>
-              </a:rPr>
-              <a:t>Официальная документация </a:t>
+            <a:pPr marL="0" indent="447675">
+              <a:buNone/>
+            </a:pPr>
+            <a:r>
+              <a:rPr lang="ru-RU" sz="1600" dirty="0" smtClean="0"/>
+              <a:t>Какие файлы следует игнорировать?</a:t>
+            </a:r>
+          </a:p>
+          <a:p>
+            <a:pPr marL="0" indent="447675">
+              <a:buNone/>
+            </a:pPr>
+            <a:r>
+              <a:rPr lang="ru-RU" sz="1600" dirty="0" smtClean="0">
+                <a:solidFill>
+                  <a:schemeClr val="tx1"/>
+                </a:solidFill>
+                <a:latin typeface="+mn-lt"/>
+              </a:rPr>
+              <a:t>В число игнорируемых файлов следует очевидно включать файлы, изменения в которых нет необходимости отслеживать. Как правило относят почти все файлы, не являющиеся файлами исходного кода, т.к. только эти изменения являются  принципиальными для контроля.</a:t>
+            </a:r>
+          </a:p>
+          <a:p>
+            <a:pPr marL="0" indent="447675">
+              <a:buNone/>
+            </a:pPr>
+            <a:r>
+              <a:rPr lang="ru-RU" sz="1600" dirty="0" smtClean="0">
+                <a:solidFill>
+                  <a:schemeClr val="tx1"/>
+                </a:solidFill>
+                <a:latin typeface="+mn-lt"/>
+              </a:rPr>
+              <a:t>Примеры файлов, которые рекомендуется исключать:</a:t>
+            </a:r>
+          </a:p>
+          <a:p>
+            <a:pPr marL="0" indent="447675">
+              <a:buFont typeface="Arial" pitchFamily="34" charset="0"/>
+              <a:buChar char="•"/>
+            </a:pPr>
+            <a:r>
+              <a:rPr lang="ru-RU" sz="1600" dirty="0" smtClean="0">
+                <a:solidFill>
+                  <a:schemeClr val="tx1"/>
+                </a:solidFill>
+                <a:latin typeface="+mn-lt"/>
+              </a:rPr>
+              <a:t>файлы логов;</a:t>
+            </a:r>
+          </a:p>
+          <a:p>
+            <a:pPr marL="0" indent="447675">
+              <a:buFont typeface="Arial" pitchFamily="34" charset="0"/>
+              <a:buChar char="•"/>
+            </a:pPr>
+            <a:r>
+              <a:rPr lang="ru-RU" sz="1600" dirty="0" smtClean="0">
+                <a:solidFill>
+                  <a:schemeClr val="tx1"/>
+                </a:solidFill>
+                <a:latin typeface="+mn-lt"/>
+              </a:rPr>
+              <a:t>файлы </a:t>
+            </a:r>
+            <a:r>
+              <a:rPr lang="ru-RU" sz="1600" dirty="0" err="1" smtClean="0">
+                <a:solidFill>
+                  <a:schemeClr val="tx1"/>
+                </a:solidFill>
+                <a:latin typeface="+mn-lt"/>
+              </a:rPr>
+              <a:t>кэша</a:t>
+            </a:r>
+            <a:r>
+              <a:rPr lang="ru-RU" sz="1600" dirty="0" smtClean="0">
+                <a:solidFill>
+                  <a:schemeClr val="tx1"/>
+                </a:solidFill>
+                <a:latin typeface="+mn-lt"/>
+              </a:rPr>
+              <a:t>;</a:t>
+            </a:r>
+          </a:p>
+          <a:p>
+            <a:pPr marL="0" indent="447675">
+              <a:buFont typeface="Arial" pitchFamily="34" charset="0"/>
+              <a:buChar char="•"/>
+            </a:pPr>
+            <a:r>
+              <a:rPr lang="ru-RU" sz="1600" dirty="0" smtClean="0">
+                <a:solidFill>
+                  <a:schemeClr val="tx1"/>
+                </a:solidFill>
+                <a:latin typeface="+mn-lt"/>
+              </a:rPr>
+              <a:t>файлы и артефакты сборки;</a:t>
+            </a:r>
+          </a:p>
+          <a:p>
+            <a:pPr marL="0" indent="447675">
+              <a:buFont typeface="Arial" pitchFamily="34" charset="0"/>
+              <a:buChar char="•"/>
+            </a:pPr>
+            <a:r>
+              <a:rPr lang="ru-RU" sz="1600" dirty="0" smtClean="0">
+                <a:solidFill>
+                  <a:schemeClr val="tx1"/>
+                </a:solidFill>
+                <a:latin typeface="+mn-lt"/>
+              </a:rPr>
+              <a:t>директория </a:t>
             </a:r>
             <a:r>
               <a:rPr lang="en-US" sz="1600" dirty="0" smtClean="0">
@@ -6481,222 +7261,47 @@
                 </a:solidFill>
                 <a:latin typeface="+mn-lt"/>
               </a:rPr>
-              <a:t>Git</a:t>
-            </a:r>
-            <a:r>
-              <a:rPr lang="ru-RU" sz="1600" dirty="0" smtClean="0">
-                <a:solidFill>
-                  <a:schemeClr val="tx1"/>
-                </a:solidFill>
-                <a:latin typeface="+mn-lt"/>
-              </a:rPr>
-              <a:t> - </a:t>
-            </a:r>
-            <a:r>
-              <a:rPr lang="en-US" sz="1600" dirty="0" smtClean="0">
-                <a:solidFill>
-                  <a:schemeClr val="tx1"/>
-                </a:solidFill>
-                <a:latin typeface="+mn-lt"/>
-                <a:hlinkClick r:id="rId2"/>
-              </a:rPr>
-              <a:t>https://git-scm.com/book/ru/v2</a:t>
-            </a:r>
-            <a:endParaRPr lang="en-US" sz="1600" dirty="0" smtClean="0">
-              <a:solidFill>
-                <a:schemeClr val="tx1"/>
-              </a:solidFill>
-              <a:latin typeface="+mn-lt"/>
-            </a:endParaRPr>
-          </a:p>
-          <a:p>
-            <a:pPr>
-              <a:buSzPct val="100000"/>
-              <a:buFont typeface="+mj-lt"/>
-              <a:buAutoNum type="arabicPeriod"/>
-            </a:pPr>
-            <a:r>
-              <a:rPr lang="ru-RU" sz="1600" dirty="0" smtClean="0">
-                <a:solidFill>
-                  <a:schemeClr val="tx1"/>
-                </a:solidFill>
-                <a:latin typeface="+mn-lt"/>
-              </a:rPr>
-              <a:t>Тэг </a:t>
-            </a:r>
-            <a:r>
-              <a:rPr lang="en-US" sz="1600" b="1" i="1" dirty="0" err="1" smtClean="0">
-                <a:solidFill>
-                  <a:schemeClr val="tx1"/>
-                </a:solidFill>
-                <a:latin typeface="+mn-lt"/>
-              </a:rPr>
-              <a:t>git</a:t>
-            </a:r>
-            <a:r>
-              <a:rPr lang="en-US" sz="1600" dirty="0" smtClean="0">
-                <a:solidFill>
-                  <a:schemeClr val="tx1"/>
-                </a:solidFill>
-                <a:latin typeface="+mn-lt"/>
-              </a:rPr>
-              <a:t> </a:t>
-            </a:r>
-            <a:r>
-              <a:rPr lang="ru-RU" sz="1600" dirty="0" smtClean="0">
-                <a:solidFill>
-                  <a:schemeClr val="tx1"/>
-                </a:solidFill>
-                <a:latin typeface="+mn-lt"/>
-              </a:rPr>
-              <a:t>на </a:t>
-            </a:r>
-            <a:r>
-              <a:rPr lang="en-US" sz="1600" dirty="0" err="1" smtClean="0">
-                <a:solidFill>
-                  <a:schemeClr val="tx1"/>
-                </a:solidFill>
-                <a:latin typeface="+mn-lt"/>
-              </a:rPr>
-              <a:t>StackOverflow</a:t>
-            </a:r>
-            <a:r>
-              <a:rPr lang="en-US" sz="1600" dirty="0" smtClean="0">
-                <a:solidFill>
-                  <a:schemeClr val="tx1"/>
-                </a:solidFill>
-                <a:latin typeface="+mn-lt"/>
-              </a:rPr>
-              <a:t> - </a:t>
-            </a:r>
-            <a:r>
-              <a:rPr lang="en-US" sz="1600" dirty="0" smtClean="0">
-                <a:solidFill>
-                  <a:schemeClr val="tx1"/>
-                </a:solidFill>
-                <a:latin typeface="+mn-lt"/>
-                <a:hlinkClick r:id="rId3"/>
-              </a:rPr>
-              <a:t>https://stackoverflow.com/questions/tagged/git</a:t>
-            </a:r>
-            <a:endParaRPr lang="ru-RU" sz="1600" dirty="0" smtClean="0">
-              <a:solidFill>
-                <a:schemeClr val="tx1"/>
-              </a:solidFill>
-              <a:latin typeface="+mn-lt"/>
-            </a:endParaRPr>
-          </a:p>
-          <a:p>
-            <a:pPr>
-              <a:buSzPct val="100000"/>
-              <a:buFont typeface="+mj-lt"/>
-              <a:buAutoNum type="arabicPeriod"/>
-            </a:pPr>
-            <a:r>
-              <a:rPr lang="ru-RU" sz="1600" dirty="0" smtClean="0">
-                <a:solidFill>
-                  <a:schemeClr val="tx1"/>
-                </a:solidFill>
-                <a:latin typeface="+mn-lt"/>
-              </a:rPr>
-              <a:t>Подробнее об оформлении коммитов - </a:t>
-            </a:r>
-            <a:r>
-              <a:rPr lang="en-US" sz="1600" dirty="0" smtClean="0">
-                <a:solidFill>
-                  <a:schemeClr val="tx1"/>
-                </a:solidFill>
-                <a:latin typeface="+mn-lt"/>
-              </a:rPr>
-              <a:t> </a:t>
-            </a:r>
-            <a:r>
-              <a:rPr lang="en-US" sz="1600" dirty="0" smtClean="0">
-                <a:solidFill>
-                  <a:schemeClr val="tx1"/>
-                </a:solidFill>
-                <a:latin typeface="+mn-lt"/>
-                <a:hlinkClick r:id="rId4"/>
-              </a:rPr>
-              <a:t>https://habr.com/ru/post/329992/#132-kratkiy-obzor-struktury-soobscheniy-kommitov</a:t>
-            </a:r>
-            <a:endParaRPr lang="ru-RU" sz="1600" dirty="0" smtClean="0">
-              <a:solidFill>
-                <a:schemeClr val="tx1"/>
-              </a:solidFill>
-              <a:latin typeface="+mn-lt"/>
-            </a:endParaRPr>
-          </a:p>
-          <a:p>
-            <a:pPr>
-              <a:buSzPct val="100000"/>
-              <a:buFont typeface="+mj-lt"/>
-              <a:buAutoNum type="arabicPeriod"/>
-            </a:pPr>
-            <a:r>
-              <a:rPr lang="ru-RU" sz="1600" dirty="0" smtClean="0">
-                <a:solidFill>
-                  <a:schemeClr val="tx1"/>
-                </a:solidFill>
-                <a:latin typeface="+mn-lt"/>
-              </a:rPr>
-              <a:t>Сборник распространенных файлов </a:t>
-            </a:r>
-            <a:r>
-              <a:rPr lang="en-US" sz="1600" dirty="0" smtClean="0">
-                <a:solidFill>
-                  <a:schemeClr val="tx1"/>
-                </a:solidFill>
-                <a:latin typeface="+mn-lt"/>
-              </a:rPr>
-              <a:t>.</a:t>
-            </a:r>
-            <a:r>
-              <a:rPr lang="en-US" sz="1600" dirty="0" err="1" smtClean="0">
-                <a:solidFill>
-                  <a:schemeClr val="tx1"/>
-                </a:solidFill>
-                <a:latin typeface="+mn-lt"/>
-              </a:rPr>
-              <a:t>gitignore</a:t>
-            </a:r>
-            <a:r>
-              <a:rPr lang="ru-RU" sz="1600" dirty="0" smtClean="0">
-                <a:solidFill>
-                  <a:schemeClr val="tx1"/>
-                </a:solidFill>
-                <a:latin typeface="+mn-lt"/>
-              </a:rPr>
-              <a:t> - </a:t>
-            </a:r>
-            <a:r>
-              <a:rPr lang="en-US" sz="1600" dirty="0" smtClean="0">
-                <a:solidFill>
-                  <a:schemeClr val="tx1"/>
-                </a:solidFill>
-                <a:latin typeface="+mn-lt"/>
-                <a:hlinkClick r:id="rId5"/>
-              </a:rPr>
-              <a:t>https://github.com/github/gitignore</a:t>
-            </a:r>
-            <a:endParaRPr lang="ru-RU" sz="1600" dirty="0" smtClean="0">
-              <a:solidFill>
-                <a:schemeClr val="tx1"/>
-              </a:solidFill>
-              <a:latin typeface="+mn-lt"/>
-            </a:endParaRPr>
-          </a:p>
-          <a:p>
-            <a:pPr>
-              <a:buSzPct val="100000"/>
-              <a:buNone/>
-            </a:pPr>
-            <a:endParaRPr lang="ru-RU" sz="1600" dirty="0">
-              <a:solidFill>
-                <a:schemeClr val="tx1"/>
-              </a:solidFill>
-              <a:latin typeface="+mn-lt"/>
-            </a:endParaRPr>
+              <a:t>build</a:t>
+            </a:r>
+            <a:r>
+              <a:rPr lang="ru-RU" sz="1600" dirty="0" smtClean="0">
+                <a:solidFill>
+                  <a:schemeClr val="tx1"/>
+                </a:solidFill>
+                <a:latin typeface="+mn-lt"/>
+              </a:rPr>
+              <a:t>;</a:t>
+            </a:r>
+          </a:p>
+          <a:p>
+            <a:pPr marL="0" indent="447675">
+              <a:buFont typeface="Arial" pitchFamily="34" charset="0"/>
+              <a:buChar char="•"/>
+            </a:pPr>
+            <a:r>
+              <a:rPr lang="ru-RU" sz="1600" dirty="0" smtClean="0">
+                <a:solidFill>
+                  <a:schemeClr val="tx1"/>
+                </a:solidFill>
+                <a:latin typeface="+mn-lt"/>
+              </a:rPr>
+              <a:t>конфигурационные файлы окружения конкретного пользователя;</a:t>
+            </a:r>
+          </a:p>
+          <a:p>
+            <a:pPr marL="0" indent="447675">
+              <a:buFont typeface="Arial" pitchFamily="34" charset="0"/>
+              <a:buChar char="•"/>
+            </a:pPr>
+            <a:r>
+              <a:rPr lang="ru-RU" sz="1600" dirty="0" smtClean="0">
+                <a:solidFill>
+                  <a:schemeClr val="tx1"/>
+                </a:solidFill>
+                <a:latin typeface="+mn-lt"/>
+              </a:rPr>
+              <a:t>любые другие выходные файлы генерируемые в результате работы программы. Такие файлы распространяются отдельно от контроля версий;</a:t>
+            </a:r>
           </a:p>
         </p:txBody>
       </p:sp>
@@ -6743,21 +7348,271 @@
             <p:ph type="title"/>
           </p:nvPr>
         </p:nvSpPr>
-        <p:spPr>
-          <a:xfrm>
-            <a:off x="683568" y="2708920"/>
-            <a:ext cx="7840662" cy="900112"/>
-          </a:xfrm>
-        </p:spPr>
+        <p:spPr/>
         <p:txBody>
           <a:bodyPr/>
           <a:lstStyle/>
           <a:p>
             <a:r>
-              <a:rPr lang="ru-RU" sz="3600" dirty="0" smtClean="0"/>
-              <a:t>Спасибо за внимание!</a:t>
-            </a:r>
-            <a:endParaRPr lang="ru-RU" sz="3600" dirty="0"/>
+              <a:rPr lang="ru-RU" dirty="0" smtClean="0"/>
+              <a:t>8. Справочная информация</a:t>
+            </a:r>
+            <a:endParaRPr lang="ru-RU" dirty="0"/>
+          </a:p>
+        </p:txBody>
+      </p:sp>
+      <p:sp>
+        <p:nvSpPr>
+          <p:cNvPr id="3" name="Содержимое 2"/>
+          <p:cNvSpPr>
+            <a:spLocks noGrp="1"/>
+          </p:cNvSpPr>
+          <p:nvPr>
+            <p:ph idx="1"/>
+          </p:nvPr>
+        </p:nvSpPr>
+        <p:spPr/>
+        <p:txBody>
+          <a:bodyPr/>
+          <a:lstStyle/>
+          <a:p>
+            <a:pPr>
+              <a:buSzPct val="100000"/>
+              <a:buFont typeface="+mj-lt"/>
+              <a:buAutoNum type="arabicPeriod"/>
+            </a:pPr>
+            <a:r>
+              <a:rPr lang="ru-RU" sz="1600" dirty="0" smtClean="0">
+                <a:solidFill>
+                  <a:schemeClr val="tx1"/>
+                </a:solidFill>
+                <a:latin typeface="+mn-lt"/>
+              </a:rPr>
+              <a:t>Официальная документация </a:t>
+            </a:r>
+            <a:r>
+              <a:rPr lang="en-US" sz="1600" dirty="0" smtClean="0">
+                <a:solidFill>
+                  <a:schemeClr val="tx1"/>
+                </a:solidFill>
+                <a:latin typeface="+mn-lt"/>
+              </a:rPr>
+              <a:t>Git</a:t>
+            </a:r>
+            <a:r>
+              <a:rPr lang="ru-RU" sz="1600" dirty="0" smtClean="0">
+                <a:solidFill>
+                  <a:schemeClr val="tx1"/>
+                </a:solidFill>
+                <a:latin typeface="+mn-lt"/>
+              </a:rPr>
+              <a:t> - </a:t>
+            </a:r>
+            <a:r>
+              <a:rPr lang="en-US" sz="1600" dirty="0" smtClean="0">
+                <a:solidFill>
+                  <a:schemeClr val="tx1"/>
+                </a:solidFill>
+                <a:latin typeface="+mn-lt"/>
+                <a:hlinkClick r:id="rId2"/>
+              </a:rPr>
+              <a:t>https://git-scm.com/book/ru/v2</a:t>
+            </a:r>
+            <a:endParaRPr lang="en-US" sz="1600" dirty="0" smtClean="0">
+              <a:solidFill>
+                <a:schemeClr val="tx1"/>
+              </a:solidFill>
+              <a:latin typeface="+mn-lt"/>
+            </a:endParaRPr>
+          </a:p>
+          <a:p>
+            <a:pPr>
+              <a:buSzPct val="100000"/>
+              <a:buFont typeface="+mj-lt"/>
+              <a:buAutoNum type="arabicPeriod"/>
+            </a:pPr>
+            <a:r>
+              <a:rPr lang="ru-RU" sz="1600" dirty="0" smtClean="0">
+                <a:solidFill>
+                  <a:schemeClr val="tx1"/>
+                </a:solidFill>
+                <a:latin typeface="+mn-lt"/>
+              </a:rPr>
+              <a:t>Тэг </a:t>
+            </a:r>
+            <a:r>
+              <a:rPr lang="en-US" sz="1600" b="1" i="1" dirty="0" err="1" smtClean="0">
+                <a:solidFill>
+                  <a:schemeClr val="tx1"/>
+                </a:solidFill>
+                <a:latin typeface="+mn-lt"/>
+              </a:rPr>
+              <a:t>git</a:t>
+            </a:r>
+            <a:r>
+              <a:rPr lang="en-US" sz="1600" dirty="0" smtClean="0">
+                <a:solidFill>
+                  <a:schemeClr val="tx1"/>
+                </a:solidFill>
+                <a:latin typeface="+mn-lt"/>
+              </a:rPr>
+              <a:t> </a:t>
+            </a:r>
+            <a:r>
+              <a:rPr lang="ru-RU" sz="1600" dirty="0" smtClean="0">
+                <a:solidFill>
+                  <a:schemeClr val="tx1"/>
+                </a:solidFill>
+                <a:latin typeface="+mn-lt"/>
+              </a:rPr>
+              <a:t>на </a:t>
+            </a:r>
+            <a:r>
+              <a:rPr lang="en-US" sz="1600" dirty="0" err="1" smtClean="0">
+                <a:solidFill>
+                  <a:schemeClr val="tx1"/>
+                </a:solidFill>
+                <a:latin typeface="+mn-lt"/>
+              </a:rPr>
+              <a:t>StackOverflow</a:t>
+            </a:r>
+            <a:r>
+              <a:rPr lang="en-US" sz="1600" dirty="0" smtClean="0">
+                <a:solidFill>
+                  <a:schemeClr val="tx1"/>
+                </a:solidFill>
+                <a:latin typeface="+mn-lt"/>
+              </a:rPr>
+              <a:t> - </a:t>
+            </a:r>
+            <a:r>
+              <a:rPr lang="en-US" sz="1600" dirty="0" smtClean="0">
+                <a:solidFill>
+                  <a:schemeClr val="tx1"/>
+                </a:solidFill>
+                <a:latin typeface="+mn-lt"/>
+                <a:hlinkClick r:id="rId3"/>
+              </a:rPr>
+              <a:t>https://stackoverflow.com/questions/tagged/git</a:t>
+            </a:r>
+            <a:endParaRPr lang="ru-RU" sz="1600" dirty="0" smtClean="0">
+              <a:solidFill>
+                <a:schemeClr val="tx1"/>
+              </a:solidFill>
+              <a:latin typeface="+mn-lt"/>
+            </a:endParaRPr>
+          </a:p>
+          <a:p>
+            <a:pPr>
+              <a:buSzPct val="100000"/>
+              <a:buFont typeface="+mj-lt"/>
+              <a:buAutoNum type="arabicPeriod"/>
+            </a:pPr>
+            <a:r>
+              <a:rPr lang="ru-RU" sz="1600" dirty="0" smtClean="0">
+                <a:solidFill>
+                  <a:schemeClr val="tx1"/>
+                </a:solidFill>
+                <a:latin typeface="+mn-lt"/>
+              </a:rPr>
+              <a:t>Подробнее об оформлении коммитов - </a:t>
+            </a:r>
+            <a:r>
+              <a:rPr lang="en-US" sz="1600" dirty="0" smtClean="0">
+                <a:solidFill>
+                  <a:schemeClr val="tx1"/>
+                </a:solidFill>
+                <a:latin typeface="+mn-lt"/>
+              </a:rPr>
+              <a:t> </a:t>
+            </a:r>
+            <a:r>
+              <a:rPr lang="en-US" sz="1600" dirty="0" smtClean="0">
+                <a:solidFill>
+                  <a:schemeClr val="tx1"/>
+                </a:solidFill>
+                <a:latin typeface="+mn-lt"/>
+                <a:hlinkClick r:id="rId4"/>
+              </a:rPr>
+              <a:t>https://habr.com/ru/post/329992/#132-kratkiy-obzor-struktury-soobscheniy-kommitov</a:t>
+            </a:r>
+            <a:endParaRPr lang="ru-RU" sz="1600" dirty="0" smtClean="0">
+              <a:solidFill>
+                <a:schemeClr val="tx1"/>
+              </a:solidFill>
+              <a:latin typeface="+mn-lt"/>
+            </a:endParaRPr>
+          </a:p>
+          <a:p>
+            <a:pPr>
+              <a:buSzPct val="100000"/>
+              <a:buFont typeface="+mj-lt"/>
+              <a:buAutoNum type="arabicPeriod"/>
+            </a:pPr>
+            <a:r>
+              <a:rPr lang="ru-RU" sz="1600" dirty="0" smtClean="0">
+                <a:solidFill>
+                  <a:schemeClr val="tx1"/>
+                </a:solidFill>
+                <a:latin typeface="+mn-lt"/>
+              </a:rPr>
+              <a:t>Сборник распространенных файлов </a:t>
+            </a:r>
+            <a:r>
+              <a:rPr lang="en-US" sz="1600" dirty="0" smtClean="0">
+                <a:solidFill>
+                  <a:schemeClr val="tx1"/>
+                </a:solidFill>
+                <a:latin typeface="+mn-lt"/>
+              </a:rPr>
+              <a:t>.</a:t>
+            </a:r>
+            <a:r>
+              <a:rPr lang="en-US" sz="1600" dirty="0" err="1" smtClean="0">
+                <a:solidFill>
+                  <a:schemeClr val="tx1"/>
+                </a:solidFill>
+                <a:latin typeface="+mn-lt"/>
+              </a:rPr>
+              <a:t>gitignore</a:t>
+            </a:r>
+            <a:r>
+              <a:rPr lang="ru-RU" sz="1600" dirty="0" smtClean="0">
+                <a:solidFill>
+                  <a:schemeClr val="tx1"/>
+                </a:solidFill>
+                <a:latin typeface="+mn-lt"/>
+              </a:rPr>
+              <a:t> - </a:t>
+            </a:r>
+            <a:r>
+              <a:rPr lang="en-US" sz="1600" dirty="0" smtClean="0">
+                <a:solidFill>
+                  <a:schemeClr val="tx1"/>
+                </a:solidFill>
+                <a:latin typeface="+mn-lt"/>
+                <a:hlinkClick r:id="rId5"/>
+              </a:rPr>
+              <a:t>https://github.com/github/gitignore</a:t>
+            </a:r>
+            <a:endParaRPr lang="ru-RU" sz="1600" dirty="0" smtClean="0">
+              <a:solidFill>
+                <a:schemeClr val="tx1"/>
+              </a:solidFill>
+              <a:latin typeface="+mn-lt"/>
+            </a:endParaRPr>
+          </a:p>
+          <a:p>
+            <a:pPr>
+              <a:buSzPct val="100000"/>
+              <a:buNone/>
+            </a:pPr>
+            <a:endParaRPr lang="ru-RU" sz="1600" dirty="0">
+              <a:solidFill>
+                <a:schemeClr val="tx1"/>
+              </a:solidFill>
+              <a:latin typeface="+mn-lt"/>
+            </a:endParaRPr>
           </a:p>
         </p:txBody>
       </p:sp>
@@ -6810,8 +7665,8 @@
           <a:lstStyle/>
           <a:p>
             <a:r>
-              <a:rPr lang="ru-RU" sz="2800" dirty="0" smtClean="0"/>
-              <a:t>Содержание</a:t>
+              <a:rPr lang="en-US" dirty="0" smtClean="0"/>
+              <a:t>VCS goals</a:t>
             </a:r>
             <a:endParaRPr lang="ru-RU" dirty="0"/>
           </a:p>
@@ -6832,229 +7687,204 @@
           <a:bodyPr/>
           <a:lstStyle/>
           <a:p>
-            <a:pPr marL="514350" indent="-514350">
-              <a:buSzPct val="100000"/>
-              <a:buFont typeface="+mj-lt"/>
-              <a:buAutoNum type="arabicPeriod"/>
+            <a:pPr marL="457200" indent="-457200">
+              <a:buNone/>
             </a:pPr>
             <a:r>
               <a:rPr lang="ru-RU" sz="1600" dirty="0" smtClean="0"/>
-              <a:t>Установка </a:t>
+              <a:t>1</a:t>
+            </a:r>
+            <a:r>
+              <a:rPr lang="ru-RU" sz="1600" dirty="0" smtClean="0"/>
+              <a:t>. </a:t>
             </a:r>
             <a:r>
               <a:rPr lang="en-US" sz="1600" dirty="0" smtClean="0"/>
-              <a:t>SSH-</a:t>
-            </a:r>
+              <a:t>Backup and restore</a:t>
+            </a:r>
+            <a:endParaRPr lang="de-DE" sz="1400" dirty="0" smtClean="0">
+              <a:solidFill>
+                <a:schemeClr val="tx1"/>
+              </a:solidFill>
+            </a:endParaRPr>
+          </a:p>
+          <a:p>
+            <a:pPr marL="447675" indent="-447675">
+              <a:buNone/>
+            </a:pPr>
             <a:r>
               <a:rPr lang="ru-RU" sz="1600" dirty="0" smtClean="0"/>
-              <a:t>соединения с сервером </a:t>
+              <a:t>2</a:t>
+            </a:r>
+            <a:r>
+              <a:rPr lang="ru-RU" sz="1600" dirty="0" smtClean="0"/>
+              <a:t>. </a:t>
             </a:r>
             <a:r>
               <a:rPr lang="en-US" sz="1600" dirty="0" smtClean="0"/>
-              <a:t>GitLab</a:t>
-            </a:r>
-            <a:endParaRPr lang="ru-RU" sz="1600" dirty="0" smtClean="0"/>
-          </a:p>
-          <a:p>
-            <a:pPr marL="514350" indent="-514350">
-              <a:buSzPct val="100000"/>
-              <a:buFont typeface="+mj-lt"/>
-              <a:buAutoNum type="arabicPeriod"/>
+              <a:t>Synchronization</a:t>
+            </a:r>
+            <a:endParaRPr lang="en-US" sz="1600" dirty="0" smtClean="0">
+              <a:solidFill>
+                <a:schemeClr val="tx1"/>
+              </a:solidFill>
+            </a:endParaRPr>
+          </a:p>
+          <a:p>
+            <a:pPr marL="447675" indent="-447675">
+              <a:buNone/>
             </a:pPr>
             <a:r>
               <a:rPr lang="ru-RU" sz="1600" dirty="0" smtClean="0"/>
-              <a:t>Инициализация репозитория</a:t>
-            </a:r>
-          </a:p>
-          <a:p>
-            <a:pPr marL="514350" indent="-514350">
-              <a:buSzPct val="100000"/>
-              <a:buFont typeface="+mj-lt"/>
-              <a:buAutoNum type="arabicPeriod"/>
-            </a:pPr>
+              <a:t>3. </a:t>
+            </a:r>
+            <a:r>
+              <a:rPr lang="en-US" sz="1600" dirty="0" smtClean="0"/>
+              <a:t>Undo</a:t>
+            </a:r>
+          </a:p>
+          <a:p>
+            <a:pPr marL="447675" indent="-447675">
+              <a:buNone/>
+            </a:pPr>
+            <a:r>
+              <a:rPr lang="en-US" sz="1600" dirty="0" smtClean="0"/>
+              <a:t>4</a:t>
+            </a:r>
             <a:r>
               <a:rPr lang="ru-RU" sz="1600" dirty="0" smtClean="0"/>
-              <a:t>Работа с репозиторием в рамках одной ветки</a:t>
-            </a:r>
-          </a:p>
-          <a:p>
-            <a:pPr marL="914400" lvl="1" indent="-514350">
-              <a:buSzPct val="100000"/>
-              <a:buFont typeface="+mj-lt"/>
-              <a:buAutoNum type="alphaLcParenR"/>
-            </a:pPr>
-            <a:r>
-              <a:rPr lang="ru-RU" dirty="0" smtClean="0"/>
-              <a:t>Фиксация локальных изменений </a:t>
-            </a:r>
-            <a:r>
-              <a:rPr lang="en-US" dirty="0" smtClean="0"/>
-              <a:t>(commit)</a:t>
-            </a:r>
-            <a:r>
-              <a:rPr lang="ru-RU" dirty="0" smtClean="0"/>
-              <a:t>.</a:t>
-            </a:r>
-            <a:endParaRPr lang="en-US" dirty="0" smtClean="0"/>
-          </a:p>
-          <a:p>
-            <a:pPr marL="914400" lvl="1" indent="-514350">
-              <a:buSzPct val="100000"/>
-              <a:buFont typeface="+mj-lt"/>
-              <a:buAutoNum type="alphaLcParenR"/>
-            </a:pPr>
-            <a:r>
-              <a:rPr lang="ru-RU" dirty="0" smtClean="0"/>
-              <a:t>Добавление локального файла в репозиторий</a:t>
-            </a:r>
-            <a:endParaRPr lang="en-US" dirty="0" smtClean="0"/>
-          </a:p>
-          <a:p>
-            <a:pPr marL="914400" lvl="1" indent="-514350">
-              <a:buSzPct val="100000"/>
-              <a:buFont typeface="+mj-lt"/>
-              <a:buAutoNum type="alphaLcParenR"/>
-            </a:pPr>
-            <a:r>
-              <a:rPr lang="ru-RU" dirty="0" smtClean="0"/>
-              <a:t>Загрузка </a:t>
-            </a:r>
-            <a:r>
-              <a:rPr lang="en-US" dirty="0" smtClean="0"/>
-              <a:t>commit’</a:t>
-            </a:r>
-            <a:r>
-              <a:rPr lang="ru-RU" dirty="0" err="1" smtClean="0"/>
-              <a:t>ов</a:t>
-            </a:r>
-            <a:r>
-              <a:rPr lang="ru-RU" dirty="0" smtClean="0"/>
-              <a:t> на сервер (</a:t>
-            </a:r>
-            <a:r>
-              <a:rPr lang="en-US" dirty="0" smtClean="0"/>
-              <a:t>push</a:t>
-            </a:r>
-            <a:r>
-              <a:rPr lang="ru-RU" dirty="0" smtClean="0"/>
-              <a:t>).</a:t>
-            </a:r>
-          </a:p>
-          <a:p>
-            <a:pPr marL="914400" lvl="1" indent="-514350">
-              <a:buSzPct val="100000"/>
-              <a:buFont typeface="+mj-lt"/>
-              <a:buAutoNum type="alphaLcParenR"/>
-            </a:pPr>
-            <a:r>
-              <a:rPr lang="ru-RU" dirty="0" smtClean="0"/>
-              <a:t>Обновление локального репозитория </a:t>
-            </a:r>
-            <a:r>
-              <a:rPr lang="en-US" dirty="0" smtClean="0"/>
-              <a:t>(pull).</a:t>
-            </a:r>
-            <a:endParaRPr lang="ru-RU" dirty="0" smtClean="0"/>
-          </a:p>
-          <a:p>
-            <a:pPr marL="514350" indent="-514350">
-              <a:buSzPct val="100000"/>
-              <a:buFont typeface="+mj-lt"/>
-              <a:buAutoNum type="arabicPeriod"/>
-            </a:pPr>
+              <a:t>. </a:t>
+            </a:r>
+            <a:r>
+              <a:rPr lang="en-US" sz="1600" dirty="0" smtClean="0"/>
+              <a:t>Track changes and ownership</a:t>
+            </a:r>
+          </a:p>
+          <a:p>
+            <a:pPr marL="447675" indent="-447675">
+              <a:buNone/>
+            </a:pPr>
+            <a:r>
+              <a:rPr lang="en-US" sz="1600" dirty="0" smtClean="0"/>
+              <a:t>5</a:t>
+            </a:r>
             <a:r>
               <a:rPr lang="ru-RU" sz="1600" dirty="0" smtClean="0"/>
-              <a:t>Ветвление репозитория</a:t>
-            </a:r>
-          </a:p>
-          <a:p>
-            <a:pPr marL="914400" lvl="1" indent="-514350">
-              <a:buSzPct val="100000"/>
-              <a:buFont typeface="+mj-lt"/>
-              <a:buAutoNum type="alphaLcParenR"/>
-            </a:pPr>
-            <a:r>
-              <a:rPr lang="ru-RU" dirty="0" smtClean="0"/>
-              <a:t>Создание новой ветки репозитория.</a:t>
-            </a:r>
-          </a:p>
-          <a:p>
-            <a:pPr marL="914400" lvl="1" indent="-514350">
-              <a:buSzPct val="100000"/>
-              <a:buFont typeface="+mj-lt"/>
-              <a:buAutoNum type="alphaLcParenR"/>
-            </a:pPr>
-            <a:r>
-              <a:rPr lang="ru-RU" dirty="0" smtClean="0"/>
-              <a:t>Переключение между ветками.</a:t>
-            </a:r>
-          </a:p>
-          <a:p>
-            <a:pPr marL="914400" lvl="1" indent="-514350">
-              <a:buSzPct val="100000"/>
-              <a:buFont typeface="+mj-lt"/>
-              <a:buAutoNum type="alphaLcParenR"/>
-            </a:pPr>
-            <a:r>
-              <a:rPr lang="ru-RU" dirty="0" smtClean="0"/>
-              <a:t>Слияние веток.</a:t>
-            </a:r>
-          </a:p>
-          <a:p>
-            <a:pPr marL="914400" lvl="1" indent="-514350">
-              <a:buSzPct val="100000"/>
-              <a:buFont typeface="+mj-lt"/>
-              <a:buAutoNum type="alphaLcParenR"/>
-            </a:pPr>
-            <a:r>
-              <a:rPr lang="ru-RU" dirty="0" smtClean="0"/>
-              <a:t>Защищенные ветки</a:t>
-            </a:r>
-          </a:p>
-          <a:p>
-            <a:pPr marL="514350" indent="-514350">
-              <a:buSzPct val="100000"/>
-              <a:buFont typeface="+mj-lt"/>
-              <a:buAutoNum type="arabicPeriod"/>
-            </a:pPr>
+              <a:t>. </a:t>
+            </a:r>
+            <a:r>
+              <a:rPr lang="en-US" sz="1600" dirty="0" smtClean="0"/>
+              <a:t>Sandboxing</a:t>
+            </a:r>
+          </a:p>
+          <a:p>
+            <a:pPr marL="447675" indent="-447675">
+              <a:buNone/>
+            </a:pPr>
+            <a:r>
+              <a:rPr lang="en-US" sz="1600" dirty="0" smtClean="0"/>
+              <a:t>6</a:t>
+            </a:r>
             <a:r>
               <a:rPr lang="ru-RU" sz="1600" dirty="0" smtClean="0"/>
-              <a:t>Методика работы с ветками</a:t>
-            </a:r>
-          </a:p>
-          <a:p>
-            <a:pPr marL="514350" indent="-514350">
-              <a:buSzPct val="100000"/>
-              <a:buFont typeface="+mj-lt"/>
-              <a:buAutoNum type="arabicPeriod"/>
-            </a:pPr>
-            <a:r>
-              <a:rPr lang="ru-RU" sz="1600" dirty="0" smtClean="0"/>
-              <a:t>Создание релиза</a:t>
-            </a:r>
-          </a:p>
-          <a:p>
-            <a:pPr marL="514350" indent="-514350">
-              <a:buSzPct val="100000"/>
-              <a:buFont typeface="+mj-lt"/>
-              <a:buAutoNum type="arabicPeriod"/>
-            </a:pPr>
-            <a:r>
-              <a:rPr lang="ru-RU" sz="1600" dirty="0" smtClean="0"/>
-              <a:t>Игнорирование файлов</a:t>
-            </a:r>
-          </a:p>
-          <a:p>
-            <a:pPr marL="514350" indent="-514350">
-              <a:buSzPct val="100000"/>
-              <a:buFont typeface="+mj-lt"/>
-              <a:buAutoNum type="arabicPeriod"/>
-            </a:pPr>
-            <a:r>
-              <a:rPr lang="ru-RU" sz="1600" dirty="0" smtClean="0"/>
-              <a:t>Справочная информация</a:t>
-            </a:r>
-            <a:endParaRPr lang="ru-RU" sz="1600" dirty="0"/>
+              <a:t>. </a:t>
+            </a:r>
+            <a:r>
+              <a:rPr lang="en-US" sz="1600" dirty="0" smtClean="0"/>
+              <a:t>Branching</a:t>
+            </a:r>
+            <a:endParaRPr lang="en-US" sz="1600" dirty="0"/>
+          </a:p>
+          <a:p>
+            <a:pPr marL="447675" indent="-447675">
+              <a:buNone/>
+            </a:pPr>
+            <a:endParaRPr lang="en-US" sz="1600" dirty="0"/>
+          </a:p>
+        </p:txBody>
+      </p:sp>
+      <p:pic>
+        <p:nvPicPr>
+          <p:cNvPr id="4" name="Picture 3"/>
+          <p:cNvPicPr>
+            <a:picLocks noChangeAspect="1"/>
+          </p:cNvPicPr>
+          <p:nvPr/>
+        </p:nvPicPr>
+        <p:blipFill>
+          <a:blip r:embed="rId2"/>
+          <a:stretch>
+            <a:fillRect/>
+          </a:stretch>
+        </p:blipFill>
+        <p:spPr>
+          <a:xfrm>
+            <a:off x="4796875" y="1988840"/>
+            <a:ext cx="3362593" cy="4622354"/>
+          </a:xfrm>
+          <a:prstGeom prst="rect">
+            <a:avLst/>
+          </a:prstGeom>
+        </p:spPr>
+      </p:pic>
+    </p:spTree>
+  </p:cSld>
+  <p:clrMapOvr>
+    <a:masterClrMapping/>
+  </p:clrMapOvr>
+  <p:transition/>
+  <p:timing>
+    <p:tnLst>
+      <p:par>
+        <p:cTn id="1" dur="indefinite" restart="never" nodeType="tmRoot"/>
+      </p:par>
+    </p:tnLst>
+  </p:timing>
+</p:sld>
+</file>
+
+<file path=ppt/slides/slide20.xml><?xml version="1.0" encoding="utf-8"?>
+<p:sld xmlns:a="http://schemas.openxmlformats.org/drawingml/2006/main" xmlns:r="http://schemas.openxmlformats.org/officeDocument/2006/relationships" xmlns:p="http://schemas.openxmlformats.org/presentationml/2006/main">
+  <p:cSld>
+    <p:spTree>
+      <p:nvGrpSpPr>
+        <p:cNvPr id="1" name=""/>
+        <p:cNvGrpSpPr/>
+        <p:nvPr/>
+      </p:nvGrpSpPr>
+      <p:grpSpPr>
+        <a:xfrm>
+          <a:off x="0" y="0"/>
+          <a:ext cx="0" cy="0"/>
+          <a:chOff x="0" y="0"/>
+          <a:chExt cx="0" cy="0"/>
+        </a:xfrm>
+      </p:grpSpPr>
+      <p:sp>
+        <p:nvSpPr>
+          <p:cNvPr id="2" name="Заголовок 1"/>
+          <p:cNvSpPr>
+            <a:spLocks noGrp="1"/>
+          </p:cNvSpPr>
+          <p:nvPr>
+            <p:ph type="title"/>
+          </p:nvPr>
+        </p:nvSpPr>
+        <p:spPr>
+          <a:xfrm>
+            <a:off x="683568" y="2708920"/>
+            <a:ext cx="7840662" cy="900112"/>
+          </a:xfrm>
+        </p:spPr>
+        <p:txBody>
+          <a:bodyPr/>
+          <a:lstStyle/>
+          <a:p>
+            <a:r>
+              <a:rPr lang="ru-RU" sz="3600" dirty="0" smtClean="0"/>
+              <a:t>Спасибо за внимание!</a:t>
+            </a:r>
+            <a:endParaRPr lang="ru-RU" sz="3600" dirty="0"/>
           </a:p>
         </p:txBody>
       </p:sp>
@@ -7107,27 +7937,8 @@
           <a:lstStyle/>
           <a:p>
             <a:r>
-              <a:rPr lang="ru-RU" dirty="0" smtClean="0"/>
-              <a:t>1. Установка </a:t>
-            </a:r>
-            <a:r>
-              <a:rPr lang="en-US" dirty="0" smtClean="0"/>
-              <a:t>SSH-</a:t>
-            </a:r>
-            <a:r>
-              <a:rPr lang="ru-RU" dirty="0" smtClean="0"/>
-              <a:t>соединения</a:t>
-            </a:r>
-            <a:br>
-              <a:rPr lang="ru-RU" dirty="0" smtClean="0"/>
-            </a:br>
-            <a:r>
-              <a:rPr lang="ru-RU" dirty="0" smtClean="0"/>
-              <a:t>с сервером </a:t>
-            </a:r>
-            <a:r>
-              <a:rPr lang="en-US" dirty="0" smtClean="0"/>
-              <a:t>GitLab</a:t>
+              <a:rPr lang="ru-RU" sz="2800" dirty="0" smtClean="0"/>
+              <a:t>Содержание</a:t>
             </a:r>
             <a:endParaRPr lang="ru-RU" dirty="0"/>
           </a:p>
@@ -7148,344 +7959,229 @@
           <a:bodyPr/>
           <a:lstStyle/>
           <a:p>
-            <a:pPr>
-              <a:buNone/>
+            <a:pPr marL="514350" indent="-514350">
+              <a:buSzPct val="100000"/>
+              <a:buFont typeface="+mj-lt"/>
+              <a:buAutoNum type="arabicPeriod"/>
             </a:pPr>
             <a:r>
               <a:rPr lang="ru-RU" sz="1600" dirty="0" smtClean="0"/>
-              <a:t>Порядок действий для генерации </a:t>
+              <a:t>Установка </a:t>
             </a:r>
             <a:r>
               <a:rPr lang="en-US" sz="1600" dirty="0" smtClean="0"/>
-              <a:t>SSH</a:t>
+              <a:t>SSH-</a:t>
             </a:r>
             <a:r>
               <a:rPr lang="ru-RU" sz="1600" dirty="0" smtClean="0"/>
-              <a:t>-ключа</a:t>
+              <a:t>соединения с сервером </a:t>
             </a:r>
             <a:r>
               <a:rPr lang="en-US" sz="1600" dirty="0" smtClean="0"/>
-              <a:t> </a:t>
-            </a:r>
+              <a:t>GitLab</a:t>
+            </a:r>
+            <a:endParaRPr lang="ru-RU" sz="1600" dirty="0" smtClean="0"/>
+          </a:p>
+          <a:p>
+            <a:pPr marL="514350" indent="-514350">
+              <a:buSzPct val="100000"/>
+              <a:buFont typeface="+mj-lt"/>
+              <a:buAutoNum type="arabicPeriod"/>
+            </a:pPr>
             <a:r>
               <a:rPr lang="ru-RU" sz="1600" dirty="0" smtClean="0"/>
-              <a:t>используя </a:t>
-            </a:r>
-            <a:r>
-              <a:rPr lang="en-US" sz="1600" dirty="0" smtClean="0"/>
-              <a:t>Git Bash:</a:t>
-            </a:r>
-            <a:endParaRPr lang="ru-RU" sz="1600" dirty="0" smtClean="0"/>
-          </a:p>
-          <a:p>
-            <a:pPr>
-              <a:buNone/>
-            </a:pPr>
-            <a:endParaRPr lang="en-US" sz="1600" dirty="0" smtClean="0"/>
-          </a:p>
-          <a:p>
-            <a:pPr marL="457200" indent="-457200">
-              <a:buNone/>
+              <a:t>Инициализация репозитория</a:t>
+            </a:r>
+          </a:p>
+          <a:p>
+            <a:pPr marL="514350" indent="-514350">
+              <a:buSzPct val="100000"/>
+              <a:buFont typeface="+mj-lt"/>
+              <a:buAutoNum type="arabicPeriod"/>
             </a:pPr>
             <a:r>
               <a:rPr lang="ru-RU" sz="1600" dirty="0" smtClean="0"/>
-              <a:t>1. Сгенерировать</a:t>
-            </a:r>
-            <a:r>
-              <a:rPr lang="en-US" sz="1600" dirty="0" smtClean="0"/>
-              <a:t> RSA-</a:t>
-            </a:r>
+              <a:t>Работа с репозиторием в рамках одной ветки</a:t>
+            </a:r>
+          </a:p>
+          <a:p>
+            <a:pPr marL="914400" lvl="1" indent="-514350">
+              <a:buSzPct val="100000"/>
+              <a:buFont typeface="+mj-lt"/>
+              <a:buAutoNum type="alphaLcParenR"/>
+            </a:pPr>
+            <a:r>
+              <a:rPr lang="ru-RU" dirty="0" smtClean="0"/>
+              <a:t>Фиксация локальных изменений </a:t>
+            </a:r>
+            <a:r>
+              <a:rPr lang="en-US" dirty="0" smtClean="0"/>
+              <a:t>(commit)</a:t>
+            </a:r>
+            <a:r>
+              <a:rPr lang="ru-RU" dirty="0" smtClean="0"/>
+              <a:t>.</a:t>
+            </a:r>
+            <a:endParaRPr lang="en-US" dirty="0" smtClean="0"/>
+          </a:p>
+          <a:p>
+            <a:pPr marL="914400" lvl="1" indent="-514350">
+              <a:buSzPct val="100000"/>
+              <a:buFont typeface="+mj-lt"/>
+              <a:buAutoNum type="alphaLcParenR"/>
+            </a:pPr>
+            <a:r>
+              <a:rPr lang="ru-RU" dirty="0" smtClean="0"/>
+              <a:t>Добавление локального файла в репозиторий</a:t>
+            </a:r>
+            <a:endParaRPr lang="en-US" dirty="0" smtClean="0"/>
+          </a:p>
+          <a:p>
+            <a:pPr marL="914400" lvl="1" indent="-514350">
+              <a:buSzPct val="100000"/>
+              <a:buFont typeface="+mj-lt"/>
+              <a:buAutoNum type="alphaLcParenR"/>
+            </a:pPr>
+            <a:r>
+              <a:rPr lang="ru-RU" dirty="0" smtClean="0"/>
+              <a:t>Загрузка </a:t>
+            </a:r>
+            <a:r>
+              <a:rPr lang="en-US" dirty="0" smtClean="0"/>
+              <a:t>commit’</a:t>
+            </a:r>
+            <a:r>
+              <a:rPr lang="ru-RU" dirty="0" err="1" smtClean="0"/>
+              <a:t>ов</a:t>
+            </a:r>
+            <a:r>
+              <a:rPr lang="ru-RU" dirty="0" smtClean="0"/>
+              <a:t> на сервер (</a:t>
+            </a:r>
+            <a:r>
+              <a:rPr lang="en-US" dirty="0" smtClean="0"/>
+              <a:t>push</a:t>
+            </a:r>
+            <a:r>
+              <a:rPr lang="ru-RU" dirty="0" smtClean="0"/>
+              <a:t>).</a:t>
+            </a:r>
+          </a:p>
+          <a:p>
+            <a:pPr marL="914400" lvl="1" indent="-514350">
+              <a:buSzPct val="100000"/>
+              <a:buFont typeface="+mj-lt"/>
+              <a:buAutoNum type="alphaLcParenR"/>
+            </a:pPr>
+            <a:r>
+              <a:rPr lang="ru-RU" dirty="0" smtClean="0"/>
+              <a:t>Обновление локального репозитория </a:t>
+            </a:r>
+            <a:r>
+              <a:rPr lang="en-US" dirty="0" smtClean="0"/>
+              <a:t>(pull).</a:t>
+            </a:r>
+            <a:endParaRPr lang="ru-RU" dirty="0" smtClean="0"/>
+          </a:p>
+          <a:p>
+            <a:pPr marL="514350" indent="-514350">
+              <a:buSzPct val="100000"/>
+              <a:buFont typeface="+mj-lt"/>
+              <a:buAutoNum type="arabicPeriod"/>
+            </a:pPr>
             <a:r>
               <a:rPr lang="ru-RU" sz="1600" dirty="0" smtClean="0"/>
-              <a:t>ключ</a:t>
-            </a:r>
-            <a:r>
-              <a:rPr lang="en-US" sz="1600" dirty="0" smtClean="0"/>
-              <a:t> </a:t>
-            </a:r>
+              <a:t>Ветвление репозитория</a:t>
+            </a:r>
+          </a:p>
+          <a:p>
+            <a:pPr marL="914400" lvl="1" indent="-514350">
+              <a:buSzPct val="100000"/>
+              <a:buFont typeface="+mj-lt"/>
+              <a:buAutoNum type="alphaLcParenR"/>
+            </a:pPr>
+            <a:r>
+              <a:rPr lang="ru-RU" dirty="0" smtClean="0"/>
+              <a:t>Создание новой ветки репозитория.</a:t>
+            </a:r>
+          </a:p>
+          <a:p>
+            <a:pPr marL="914400" lvl="1" indent="-514350">
+              <a:buSzPct val="100000"/>
+              <a:buFont typeface="+mj-lt"/>
+              <a:buAutoNum type="alphaLcParenR"/>
+            </a:pPr>
+            <a:r>
+              <a:rPr lang="ru-RU" dirty="0" smtClean="0"/>
+              <a:t>Переключение между ветками.</a:t>
+            </a:r>
+          </a:p>
+          <a:p>
+            <a:pPr marL="914400" lvl="1" indent="-514350">
+              <a:buSzPct val="100000"/>
+              <a:buFont typeface="+mj-lt"/>
+              <a:buAutoNum type="alphaLcParenR"/>
+            </a:pPr>
+            <a:r>
+              <a:rPr lang="ru-RU" dirty="0" smtClean="0"/>
+              <a:t>Слияние веток.</a:t>
+            </a:r>
+          </a:p>
+          <a:p>
+            <a:pPr marL="914400" lvl="1" indent="-514350">
+              <a:buSzPct val="100000"/>
+              <a:buFont typeface="+mj-lt"/>
+              <a:buAutoNum type="alphaLcParenR"/>
+            </a:pPr>
+            <a:r>
+              <a:rPr lang="ru-RU" dirty="0" smtClean="0"/>
+              <a:t>Защищенные ветки</a:t>
+            </a:r>
+          </a:p>
+          <a:p>
+            <a:pPr marL="514350" indent="-514350">
+              <a:buSzPct val="100000"/>
+              <a:buFont typeface="+mj-lt"/>
+              <a:buAutoNum type="arabicPeriod"/>
+            </a:pPr>
             <a:r>
               <a:rPr lang="ru-RU" sz="1600" dirty="0" smtClean="0"/>
-              <a:t>консольной командой</a:t>
-            </a:r>
-          </a:p>
-          <a:p>
-            <a:pPr indent="104775">
-              <a:buNone/>
-            </a:pPr>
-            <a:r>
-              <a:rPr lang="de-DE" sz="1400" i="1" dirty="0" err="1" smtClean="0">
-                <a:solidFill>
-                  <a:schemeClr val="tx1"/>
-                </a:solidFill>
-              </a:rPr>
-              <a:t>ssh-keygen</a:t>
-            </a:r>
-            <a:r>
-              <a:rPr lang="de-DE" sz="1400" i="1" dirty="0" smtClean="0">
-                <a:solidFill>
-                  <a:schemeClr val="tx1"/>
-                </a:solidFill>
-              </a:rPr>
-              <a:t> -t </a:t>
-            </a:r>
-            <a:r>
-              <a:rPr lang="de-DE" sz="1400" i="1" dirty="0" err="1" smtClean="0">
-                <a:solidFill>
-                  <a:schemeClr val="tx1"/>
-                </a:solidFill>
-              </a:rPr>
-              <a:t>rsa</a:t>
-            </a:r>
-            <a:r>
-              <a:rPr lang="de-DE" sz="1400" i="1" dirty="0" smtClean="0">
-                <a:solidFill>
-                  <a:schemeClr val="tx1"/>
-                </a:solidFill>
-              </a:rPr>
-              <a:t> -b 2048 -C </a:t>
-            </a:r>
-            <a:r>
-              <a:rPr lang="en-US" sz="1400" i="1" dirty="0" smtClean="0">
-                <a:solidFill>
-                  <a:schemeClr val="tx1"/>
-                </a:solidFill>
-              </a:rPr>
-              <a:t>“email@example.com</a:t>
-            </a:r>
-            <a:r>
-              <a:rPr lang="en-US" sz="1400" dirty="0" smtClean="0">
-                <a:solidFill>
-                  <a:schemeClr val="tx1"/>
-                </a:solidFill>
-              </a:rPr>
-              <a:t>”</a:t>
-            </a:r>
-            <a:endParaRPr lang="de-DE" sz="1400" dirty="0" smtClean="0">
-              <a:solidFill>
-                <a:schemeClr val="tx1"/>
-              </a:solidFill>
-            </a:endParaRPr>
-          </a:p>
-          <a:p>
-            <a:pPr>
-              <a:buNone/>
-            </a:pPr>
-            <a:endParaRPr lang="de-DE" sz="1400" dirty="0" smtClean="0">
-              <a:solidFill>
-                <a:schemeClr val="tx1"/>
-              </a:solidFill>
-            </a:endParaRPr>
-          </a:p>
-          <a:p>
-            <a:pPr marL="447675" indent="-447675">
-              <a:buNone/>
+              <a:t>Методика работы с ветками</a:t>
+            </a:r>
+          </a:p>
+          <a:p>
+            <a:pPr marL="514350" indent="-514350">
+              <a:buSzPct val="100000"/>
+              <a:buFont typeface="+mj-lt"/>
+              <a:buAutoNum type="arabicPeriod"/>
             </a:pPr>
             <a:r>
               <a:rPr lang="ru-RU" sz="1600" dirty="0" smtClean="0"/>
-              <a:t>2. Опционально изменить путь сохранения ключа и пароль</a:t>
-            </a:r>
-            <a:endParaRPr lang="ru-RU" sz="1600" dirty="0" smtClean="0">
-              <a:solidFill>
-                <a:schemeClr val="tx1"/>
-              </a:solidFill>
-            </a:endParaRPr>
-          </a:p>
-          <a:p>
-            <a:pPr indent="104775">
-              <a:buNone/>
-            </a:pPr>
-            <a:r>
-              <a:rPr lang="en-US" sz="1400" dirty="0" smtClean="0">
-                <a:solidFill>
-                  <a:schemeClr val="tx1"/>
-                </a:solidFill>
-              </a:rPr>
-              <a:t>Generating public/private </a:t>
-            </a:r>
-            <a:r>
-              <a:rPr lang="en-US" sz="1400" dirty="0" err="1" smtClean="0">
-                <a:solidFill>
-                  <a:schemeClr val="tx1"/>
-                </a:solidFill>
-              </a:rPr>
-              <a:t>rsa</a:t>
-            </a:r>
-            <a:r>
-              <a:rPr lang="en-US" sz="1400" dirty="0" smtClean="0">
-                <a:solidFill>
-                  <a:schemeClr val="tx1"/>
-                </a:solidFill>
-              </a:rPr>
-              <a:t> key pair.</a:t>
-            </a:r>
-          </a:p>
-          <a:p>
-            <a:pPr indent="104775">
-              <a:buNone/>
-            </a:pPr>
-            <a:r>
-              <a:rPr lang="en-US" sz="1400" dirty="0" smtClean="0">
-                <a:solidFill>
-                  <a:schemeClr val="tx1"/>
-                </a:solidFill>
-              </a:rPr>
-              <a:t>Enter file in which to save the key (~/.</a:t>
-            </a:r>
-            <a:r>
-              <a:rPr lang="en-US" sz="1400" dirty="0" err="1" smtClean="0">
-                <a:solidFill>
-                  <a:schemeClr val="tx1"/>
-                </a:solidFill>
-              </a:rPr>
-              <a:t>ssh</a:t>
-            </a:r>
-            <a:r>
-              <a:rPr lang="en-US" sz="1400" dirty="0" smtClean="0">
-                <a:solidFill>
-                  <a:schemeClr val="tx1"/>
-                </a:solidFill>
-              </a:rPr>
-              <a:t>/</a:t>
-            </a:r>
-            <a:r>
-              <a:rPr lang="en-US" sz="1400" dirty="0" err="1" smtClean="0">
-                <a:solidFill>
-                  <a:schemeClr val="tx1"/>
-                </a:solidFill>
-              </a:rPr>
-              <a:t>id_rsa</a:t>
-            </a:r>
-            <a:r>
-              <a:rPr lang="en-US" sz="1400" dirty="0" smtClean="0">
-                <a:solidFill>
-                  <a:schemeClr val="tx1"/>
-                </a:solidFill>
-              </a:rPr>
-              <a:t>):</a:t>
-            </a:r>
-            <a:r>
-              <a:rPr lang="ru-RU" sz="1400" dirty="0" smtClean="0">
-                <a:solidFill>
-                  <a:schemeClr val="tx1"/>
-                </a:solidFill>
-              </a:rPr>
-              <a:t> </a:t>
-            </a:r>
-            <a:r>
-              <a:rPr lang="en-US" sz="1400" dirty="0" smtClean="0">
-                <a:solidFill>
-                  <a:schemeClr val="tx1"/>
-                </a:solidFill>
-              </a:rPr>
-              <a:t>[enter to keep path]</a:t>
-            </a:r>
-          </a:p>
-          <a:p>
-            <a:pPr indent="104775">
-              <a:buNone/>
-            </a:pPr>
-            <a:r>
-              <a:rPr lang="en-US" sz="1400" dirty="0" smtClean="0">
-                <a:solidFill>
-                  <a:schemeClr val="tx1"/>
-                </a:solidFill>
-              </a:rPr>
-              <a:t>Enter passphrase (empty for no passphrase):</a:t>
-            </a:r>
-          </a:p>
-          <a:p>
-            <a:pPr indent="104775">
-              <a:buNone/>
-            </a:pPr>
-            <a:r>
-              <a:rPr lang="en-US" sz="1400" dirty="0" smtClean="0">
-                <a:solidFill>
-                  <a:schemeClr val="tx1"/>
-                </a:solidFill>
-              </a:rPr>
-              <a:t>Enter same passphrase again</a:t>
-            </a:r>
-            <a:r>
-              <a:rPr lang="en-US" sz="1600" dirty="0" smtClean="0">
-                <a:solidFill>
-                  <a:schemeClr val="tx1"/>
-                </a:solidFill>
-              </a:rPr>
-              <a:t>:</a:t>
-            </a:r>
-          </a:p>
-          <a:p>
-            <a:pPr>
-              <a:buNone/>
-            </a:pPr>
-            <a:endParaRPr lang="en-US" sz="1600" dirty="0" smtClean="0">
-              <a:solidFill>
-                <a:schemeClr val="tx1"/>
-              </a:solidFill>
-            </a:endParaRPr>
-          </a:p>
-          <a:p>
-            <a:pPr marL="447675" indent="-447675">
-              <a:buNone/>
+              <a:t>Создание релиза</a:t>
+            </a:r>
+          </a:p>
+          <a:p>
+            <a:pPr marL="514350" indent="-514350">
+              <a:buSzPct val="100000"/>
+              <a:buFont typeface="+mj-lt"/>
+              <a:buAutoNum type="arabicPeriod"/>
             </a:pPr>
             <a:r>
               <a:rPr lang="ru-RU" sz="1600" dirty="0" smtClean="0"/>
-              <a:t>3. </a:t>
-            </a:r>
-            <a:r>
-              <a:rPr lang="en-US" sz="1600" dirty="0" smtClean="0"/>
-              <a:t>C</a:t>
-            </a:r>
+              <a:t>Игнорирование файлов</a:t>
+            </a:r>
+          </a:p>
+          <a:p>
+            <a:pPr marL="514350" indent="-514350">
+              <a:buSzPct val="100000"/>
+              <a:buFont typeface="+mj-lt"/>
+              <a:buAutoNum type="arabicPeriod"/>
+            </a:pPr>
             <a:r>
               <a:rPr lang="ru-RU" sz="1600" dirty="0" smtClean="0"/>
-              <a:t>копировать публичный </a:t>
-            </a:r>
-            <a:r>
-              <a:rPr lang="en-US" sz="1600" dirty="0" err="1" smtClean="0"/>
-              <a:t>ssh</a:t>
-            </a:r>
-            <a:r>
-              <a:rPr lang="en-US" sz="1600" dirty="0" smtClean="0"/>
-              <a:t>-</a:t>
-            </a:r>
-            <a:r>
-              <a:rPr lang="ru-RU" sz="1600" dirty="0" smtClean="0"/>
-              <a:t>ключ</a:t>
-            </a:r>
-          </a:p>
-          <a:p>
-            <a:pPr marL="447675" indent="0">
-              <a:buNone/>
-            </a:pPr>
-            <a:r>
-              <a:rPr lang="en-US" sz="1400" i="1" dirty="0" smtClean="0">
-                <a:solidFill>
-                  <a:schemeClr val="tx1"/>
-                </a:solidFill>
-              </a:rPr>
-              <a:t>cat ~/.</a:t>
-            </a:r>
-            <a:r>
-              <a:rPr lang="en-US" sz="1400" i="1" dirty="0" err="1" smtClean="0">
-                <a:solidFill>
-                  <a:schemeClr val="tx1"/>
-                </a:solidFill>
-              </a:rPr>
-              <a:t>ssh</a:t>
-            </a:r>
-            <a:r>
-              <a:rPr lang="en-US" sz="1400" i="1" dirty="0" smtClean="0">
-                <a:solidFill>
-                  <a:schemeClr val="tx1"/>
-                </a:solidFill>
-              </a:rPr>
-              <a:t>/id_rsa.pub | clip</a:t>
-            </a:r>
-            <a:endParaRPr lang="ru-RU" sz="1400" i="1" dirty="0" smtClean="0">
-              <a:solidFill>
-                <a:schemeClr val="tx1"/>
-              </a:solidFill>
-            </a:endParaRPr>
+              <a:t>Справочная информация</a:t>
+            </a:r>
+            <a:endParaRPr lang="ru-RU" sz="1600" dirty="0"/>
           </a:p>
         </p:txBody>
       </p:sp>
@@ -7604,6 +8300,442 @@
             </a:r>
             <a:r>
               <a:rPr lang="en-US" sz="1600" dirty="0" smtClean="0"/>
+              <a:t>Git Bash:</a:t>
+            </a:r>
+            <a:endParaRPr lang="ru-RU" sz="1600" dirty="0" smtClean="0"/>
+          </a:p>
+          <a:p>
+            <a:pPr>
+              <a:buNone/>
+            </a:pPr>
+            <a:endParaRPr lang="en-US" sz="1600" dirty="0" smtClean="0"/>
+          </a:p>
+          <a:p>
+            <a:pPr marL="457200" indent="-457200">
+              <a:buNone/>
+            </a:pPr>
+            <a:r>
+              <a:rPr lang="ru-RU" sz="1600" dirty="0" smtClean="0"/>
+              <a:t>1. Сгенерировать</a:t>
+            </a:r>
+            <a:r>
+              <a:rPr lang="en-US" sz="1600" dirty="0" smtClean="0"/>
+              <a:t> RSA-</a:t>
+            </a:r>
+            <a:r>
+              <a:rPr lang="ru-RU" sz="1600" dirty="0" smtClean="0"/>
+              <a:t>ключ</a:t>
+            </a:r>
+            <a:r>
+              <a:rPr lang="en-US" sz="1600" dirty="0" smtClean="0"/>
+              <a:t> </a:t>
+            </a:r>
+            <a:r>
+              <a:rPr lang="ru-RU" sz="1600" dirty="0" smtClean="0"/>
+              <a:t>консольной командой</a:t>
+            </a:r>
+          </a:p>
+          <a:p>
+            <a:pPr indent="104775">
+              <a:buNone/>
+            </a:pPr>
+            <a:r>
+              <a:rPr lang="de-DE" sz="1400" i="1" dirty="0" err="1" smtClean="0">
+                <a:solidFill>
+                  <a:schemeClr val="tx1"/>
+                </a:solidFill>
+              </a:rPr>
+              <a:t>ssh-keygen</a:t>
+            </a:r>
+            <a:r>
+              <a:rPr lang="de-DE" sz="1400" i="1" dirty="0" smtClean="0">
+                <a:solidFill>
+                  <a:schemeClr val="tx1"/>
+                </a:solidFill>
+              </a:rPr>
+              <a:t> -t </a:t>
+            </a:r>
+            <a:r>
+              <a:rPr lang="de-DE" sz="1400" i="1" dirty="0" err="1" smtClean="0">
+                <a:solidFill>
+                  <a:schemeClr val="tx1"/>
+                </a:solidFill>
+              </a:rPr>
+              <a:t>rsa</a:t>
+            </a:r>
+            <a:r>
+              <a:rPr lang="de-DE" sz="1400" i="1" dirty="0" smtClean="0">
+                <a:solidFill>
+                  <a:schemeClr val="tx1"/>
+                </a:solidFill>
+              </a:rPr>
+              <a:t> -b 2048 -C </a:t>
+            </a:r>
+            <a:r>
+              <a:rPr lang="en-US" sz="1400" i="1" dirty="0" smtClean="0">
+                <a:solidFill>
+                  <a:schemeClr val="tx1"/>
+                </a:solidFill>
+              </a:rPr>
+              <a:t>“email@example.com</a:t>
+            </a:r>
+            <a:r>
+              <a:rPr lang="en-US" sz="1400" dirty="0" smtClean="0">
+                <a:solidFill>
+                  <a:schemeClr val="tx1"/>
+                </a:solidFill>
+              </a:rPr>
+              <a:t>”</a:t>
+            </a:r>
+            <a:endParaRPr lang="de-DE" sz="1400" dirty="0" smtClean="0">
+              <a:solidFill>
+                <a:schemeClr val="tx1"/>
+              </a:solidFill>
+            </a:endParaRPr>
+          </a:p>
+          <a:p>
+            <a:pPr>
+              <a:buNone/>
+            </a:pPr>
+            <a:endParaRPr lang="de-DE" sz="1400" dirty="0" smtClean="0">
+              <a:solidFill>
+                <a:schemeClr val="tx1"/>
+              </a:solidFill>
+            </a:endParaRPr>
+          </a:p>
+          <a:p>
+            <a:pPr marL="447675" indent="-447675">
+              <a:buNone/>
+            </a:pPr>
+            <a:r>
+              <a:rPr lang="ru-RU" sz="1600" dirty="0" smtClean="0"/>
+              <a:t>2. Опционально изменить путь сохранения ключа и пароль</a:t>
+            </a:r>
+            <a:endParaRPr lang="ru-RU" sz="1600" dirty="0" smtClean="0">
+              <a:solidFill>
+                <a:schemeClr val="tx1"/>
+              </a:solidFill>
+            </a:endParaRPr>
+          </a:p>
+          <a:p>
+            <a:pPr indent="104775">
+              <a:buNone/>
+            </a:pPr>
+            <a:r>
+              <a:rPr lang="en-US" sz="1400" dirty="0" smtClean="0">
+                <a:solidFill>
+                  <a:schemeClr val="tx1"/>
+                </a:solidFill>
+              </a:rPr>
+              <a:t>Generating public/private </a:t>
+            </a:r>
+            <a:r>
+              <a:rPr lang="en-US" sz="1400" dirty="0" err="1" smtClean="0">
+                <a:solidFill>
+                  <a:schemeClr val="tx1"/>
+                </a:solidFill>
+              </a:rPr>
+              <a:t>rsa</a:t>
+            </a:r>
+            <a:r>
+              <a:rPr lang="en-US" sz="1400" dirty="0" smtClean="0">
+                <a:solidFill>
+                  <a:schemeClr val="tx1"/>
+                </a:solidFill>
+              </a:rPr>
+              <a:t> key pair.</a:t>
+            </a:r>
+          </a:p>
+          <a:p>
+            <a:pPr indent="104775">
+              <a:buNone/>
+            </a:pPr>
+            <a:r>
+              <a:rPr lang="en-US" sz="1400" dirty="0" smtClean="0">
+                <a:solidFill>
+                  <a:schemeClr val="tx1"/>
+                </a:solidFill>
+              </a:rPr>
+              <a:t>Enter file in which to save the key (~/.</a:t>
+            </a:r>
+            <a:r>
+              <a:rPr lang="en-US" sz="1400" dirty="0" err="1" smtClean="0">
+                <a:solidFill>
+                  <a:schemeClr val="tx1"/>
+                </a:solidFill>
+              </a:rPr>
+              <a:t>ssh</a:t>
+            </a:r>
+            <a:r>
+              <a:rPr lang="en-US" sz="1400" dirty="0" smtClean="0">
+                <a:solidFill>
+                  <a:schemeClr val="tx1"/>
+                </a:solidFill>
+              </a:rPr>
+              <a:t>/</a:t>
+            </a:r>
+            <a:r>
+              <a:rPr lang="en-US" sz="1400" dirty="0" err="1" smtClean="0">
+                <a:solidFill>
+                  <a:schemeClr val="tx1"/>
+                </a:solidFill>
+              </a:rPr>
+              <a:t>id_rsa</a:t>
+            </a:r>
+            <a:r>
+              <a:rPr lang="en-US" sz="1400" dirty="0" smtClean="0">
+                <a:solidFill>
+                  <a:schemeClr val="tx1"/>
+                </a:solidFill>
+              </a:rPr>
+              <a:t>):</a:t>
+            </a:r>
+            <a:r>
+              <a:rPr lang="ru-RU" sz="1400" dirty="0" smtClean="0">
+                <a:solidFill>
+                  <a:schemeClr val="tx1"/>
+                </a:solidFill>
+              </a:rPr>
+              <a:t> </a:t>
+            </a:r>
+            <a:r>
+              <a:rPr lang="en-US" sz="1400" dirty="0" smtClean="0">
+                <a:solidFill>
+                  <a:schemeClr val="tx1"/>
+                </a:solidFill>
+              </a:rPr>
+              <a:t>[enter to keep path]</a:t>
+            </a:r>
+          </a:p>
+          <a:p>
+            <a:pPr indent="104775">
+              <a:buNone/>
+            </a:pPr>
+            <a:r>
+              <a:rPr lang="en-US" sz="1400" dirty="0" smtClean="0">
+                <a:solidFill>
+                  <a:schemeClr val="tx1"/>
+                </a:solidFill>
+              </a:rPr>
+              <a:t>Enter passphrase (empty for no passphrase):</a:t>
+            </a:r>
+          </a:p>
+          <a:p>
+            <a:pPr indent="104775">
+              <a:buNone/>
+            </a:pPr>
+            <a:r>
+              <a:rPr lang="en-US" sz="1400" dirty="0" smtClean="0">
+                <a:solidFill>
+                  <a:schemeClr val="tx1"/>
+                </a:solidFill>
+              </a:rPr>
+              <a:t>Enter same passphrase again</a:t>
+            </a:r>
+            <a:r>
+              <a:rPr lang="en-US" sz="1600" dirty="0" smtClean="0">
+                <a:solidFill>
+                  <a:schemeClr val="tx1"/>
+                </a:solidFill>
+              </a:rPr>
+              <a:t>:</a:t>
+            </a:r>
+          </a:p>
+          <a:p>
+            <a:pPr>
+              <a:buNone/>
+            </a:pPr>
+            <a:endParaRPr lang="en-US" sz="1600" dirty="0" smtClean="0">
+              <a:solidFill>
+                <a:schemeClr val="tx1"/>
+              </a:solidFill>
+            </a:endParaRPr>
+          </a:p>
+          <a:p>
+            <a:pPr marL="447675" indent="-447675">
+              <a:buNone/>
+            </a:pPr>
+            <a:r>
+              <a:rPr lang="ru-RU" sz="1600" dirty="0" smtClean="0"/>
+              <a:t>3. </a:t>
+            </a:r>
+            <a:r>
+              <a:rPr lang="en-US" sz="1600" dirty="0" smtClean="0"/>
+              <a:t>C</a:t>
+            </a:r>
+            <a:r>
+              <a:rPr lang="ru-RU" sz="1600" dirty="0" smtClean="0"/>
+              <a:t>копировать публичный </a:t>
+            </a:r>
+            <a:r>
+              <a:rPr lang="en-US" sz="1600" dirty="0" err="1" smtClean="0"/>
+              <a:t>ssh</a:t>
+            </a:r>
+            <a:r>
+              <a:rPr lang="en-US" sz="1600" dirty="0" smtClean="0"/>
+              <a:t>-</a:t>
+            </a:r>
+            <a:r>
+              <a:rPr lang="ru-RU" sz="1600" dirty="0" smtClean="0"/>
+              <a:t>ключ</a:t>
+            </a:r>
+          </a:p>
+          <a:p>
+            <a:pPr marL="447675" indent="0">
+              <a:buNone/>
+            </a:pPr>
+            <a:r>
+              <a:rPr lang="en-US" sz="1400" i="1" dirty="0" smtClean="0">
+                <a:solidFill>
+                  <a:schemeClr val="tx1"/>
+                </a:solidFill>
+              </a:rPr>
+              <a:t>cat ~/.</a:t>
+            </a:r>
+            <a:r>
+              <a:rPr lang="en-US" sz="1400" i="1" dirty="0" err="1" smtClean="0">
+                <a:solidFill>
+                  <a:schemeClr val="tx1"/>
+                </a:solidFill>
+              </a:rPr>
+              <a:t>ssh</a:t>
+            </a:r>
+            <a:r>
+              <a:rPr lang="en-US" sz="1400" i="1" dirty="0" smtClean="0">
+                <a:solidFill>
+                  <a:schemeClr val="tx1"/>
+                </a:solidFill>
+              </a:rPr>
+              <a:t>/id_rsa.pub | clip</a:t>
+            </a:r>
+            <a:endParaRPr lang="ru-RU" sz="1400" i="1" dirty="0" smtClean="0">
+              <a:solidFill>
+                <a:schemeClr val="tx1"/>
+              </a:solidFill>
+            </a:endParaRPr>
+          </a:p>
+        </p:txBody>
+      </p:sp>
+    </p:spTree>
+    <p:extLst>
+      <p:ext uri="{BB962C8B-B14F-4D97-AF65-F5344CB8AC3E}">
+        <p14:creationId xmlns:p14="http://schemas.microsoft.com/office/powerpoint/2010/main" val="2546662831"/>
+      </p:ext>
+    </p:extLst>
+  </p:cSld>
+  <p:clrMapOvr>
+    <a:masterClrMapping/>
+  </p:clrMapOvr>
+  <p:transition/>
+  <p:timing>
+    <p:tnLst>
+      <p:par>
+        <p:cTn id="1" dur="indefinite" restart="never" nodeType="tmRoot"/>
+      </p:par>
+    </p:tnLst>
+  </p:timing>
+</p:sld>
+</file>
+
+<file path=ppt/slides/slide5.xml><?xml version="1.0" encoding="utf-8"?>
+<p:sld xmlns:a="http://schemas.openxmlformats.org/drawingml/2006/main" xmlns:r="http://schemas.openxmlformats.org/officeDocument/2006/relationships" xmlns:p="http://schemas.openxmlformats.org/presentationml/2006/main">
+  <p:cSld>
+    <p:spTree>
+      <p:nvGrpSpPr>
+        <p:cNvPr id="1" name=""/>
+        <p:cNvGrpSpPr/>
+        <p:nvPr/>
+      </p:nvGrpSpPr>
+      <p:grpSpPr>
+        <a:xfrm>
+          <a:off x="0" y="0"/>
+          <a:ext cx="0" cy="0"/>
+          <a:chOff x="0" y="0"/>
+          <a:chExt cx="0" cy="0"/>
+        </a:xfrm>
+      </p:grpSpPr>
+      <p:sp>
+        <p:nvSpPr>
+          <p:cNvPr id="2" name="Заголовок 1"/>
+          <p:cNvSpPr>
+            <a:spLocks noGrp="1"/>
+          </p:cNvSpPr>
+          <p:nvPr>
+            <p:ph type="title"/>
+          </p:nvPr>
+        </p:nvSpPr>
+        <p:spPr/>
+        <p:txBody>
+          <a:bodyPr/>
+          <a:lstStyle/>
+          <a:p>
+            <a:r>
+              <a:rPr lang="ru-RU" dirty="0" smtClean="0"/>
+              <a:t>1. Установка </a:t>
+            </a:r>
+            <a:r>
+              <a:rPr lang="en-US" dirty="0" smtClean="0"/>
+              <a:t>SSH-</a:t>
+            </a:r>
+            <a:r>
+              <a:rPr lang="ru-RU" dirty="0" smtClean="0"/>
+              <a:t>соединения</a:t>
+            </a:r>
+            <a:br>
+              <a:rPr lang="ru-RU" dirty="0" smtClean="0"/>
+            </a:br>
+            <a:r>
+              <a:rPr lang="ru-RU" dirty="0" smtClean="0"/>
+              <a:t>с сервером </a:t>
+            </a:r>
+            <a:r>
+              <a:rPr lang="en-US" dirty="0" smtClean="0"/>
+              <a:t>GitLab</a:t>
+            </a:r>
+            <a:endParaRPr lang="ru-RU" dirty="0"/>
+          </a:p>
+        </p:txBody>
+      </p:sp>
+      <p:sp>
+        <p:nvSpPr>
+          <p:cNvPr id="3" name="Содержимое 2"/>
+          <p:cNvSpPr>
+            <a:spLocks noGrp="1"/>
+          </p:cNvSpPr>
+          <p:nvPr>
+            <p:ph idx="1"/>
+          </p:nvPr>
+        </p:nvSpPr>
+        <p:spPr/>
+        <p:txBody>
+          <a:bodyPr/>
+          <a:lstStyle/>
+          <a:p>
+            <a:pPr>
+              <a:buNone/>
+            </a:pPr>
+            <a:r>
+              <a:rPr lang="ru-RU" sz="1600" dirty="0" smtClean="0"/>
+              <a:t>Порядок действий для генерации </a:t>
+            </a:r>
+            <a:r>
+              <a:rPr lang="en-US" sz="1600" dirty="0" smtClean="0"/>
+              <a:t>SSH</a:t>
+            </a:r>
+            <a:r>
+              <a:rPr lang="ru-RU" sz="1600" dirty="0" smtClean="0"/>
+              <a:t>-ключа</a:t>
+            </a:r>
+            <a:r>
+              <a:rPr lang="en-US" sz="1600" dirty="0" smtClean="0"/>
+              <a:t> </a:t>
+            </a:r>
+            <a:r>
+              <a:rPr lang="ru-RU" sz="1600" dirty="0" smtClean="0"/>
+              <a:t>используя </a:t>
+            </a:r>
+            <a:r>
+              <a:rPr lang="en-US" sz="1600" dirty="0" smtClean="0"/>
               <a:t>Tortoise Git:</a:t>
             </a:r>
             <a:endParaRPr lang="ru-RU" sz="1600" dirty="0" smtClean="0"/>
@@ -7813,7 +8945,7 @@
 </p:sld>
 </file>
 
-<file path=ppt/slides/slide5.xml><?xml version="1.0" encoding="utf-8"?>
+<file path=ppt/slides/slide6.xml><?xml version="1.0" encoding="utf-8"?>
 <p:sld xmlns:a="http://schemas.openxmlformats.org/drawingml/2006/main" xmlns:r="http://schemas.openxmlformats.org/officeDocument/2006/relationships" xmlns:p="http://schemas.openxmlformats.org/presentationml/2006/main">
   <p:cSld>
     <p:spTree>
@@ -8133,7 +9265,7 @@
 </p:sld>
 </file>
 
-<file path=ppt/slides/slide6.xml><?xml version="1.0" encoding="utf-8"?>
+<file path=ppt/slides/slide7.xml><?xml version="1.0" encoding="utf-8"?>
 <p:sld xmlns:a="http://schemas.openxmlformats.org/drawingml/2006/main" xmlns:r="http://schemas.openxmlformats.org/officeDocument/2006/relationships" xmlns:p="http://schemas.openxmlformats.org/presentationml/2006/main">
   <p:cSld>
     <p:spTree>
@@ -8475,7 +9607,7 @@
 </p:sld>
 </file>
 
-<file path=ppt/slides/slide7.xml><?xml version="1.0" encoding="utf-8"?>
+<file path=ppt/slides/slide8.xml><?xml version="1.0" encoding="utf-8"?>
 <p:sld xmlns:a="http://schemas.openxmlformats.org/drawingml/2006/main" xmlns:r="http://schemas.openxmlformats.org/officeDocument/2006/relationships" xmlns:p="http://schemas.openxmlformats.org/presentationml/2006/main">
   <p:cSld>
     <p:spTree>
@@ -8590,527 +9722,6 @@
 </p:sld>
 </file>
 
-<file path=ppt/slides/slide8.xml><?xml version="1.0" encoding="utf-8"?>
-<p:sld xmlns:a="http://schemas.openxmlformats.org/drawingml/2006/main" xmlns:r="http://schemas.openxmlformats.org/officeDocument/2006/relationships" xmlns:p="http://schemas.openxmlformats.org/presentationml/2006/main">
-  <p:cSld>
-    <p:spTree>
-      <p:nvGrpSpPr>
-        <p:cNvPr id="1" name=""/>
-        <p:cNvGrpSpPr/>
-        <p:nvPr/>
-      </p:nvGrpSpPr>
-      <p:grpSpPr>
-        <a:xfrm>
-          <a:off x="0" y="0"/>
-          <a:ext cx="0" cy="0"/>
-          <a:chOff x="0" y="0"/>
-          <a:chExt cx="0" cy="0"/>
-        </a:xfrm>
-      </p:grpSpPr>
-      <p:sp>
-        <p:nvSpPr>
-          <p:cNvPr id="2" name="Заголовок 1"/>
-          <p:cNvSpPr>
-            <a:spLocks noGrp="1"/>
-          </p:cNvSpPr>
-          <p:nvPr>
-            <p:ph type="title"/>
-          </p:nvPr>
-        </p:nvSpPr>
-        <p:spPr/>
-        <p:txBody>
-          <a:bodyPr/>
-          <a:lstStyle/>
-          <a:p>
-            <a:r>
-              <a:rPr lang="ru-RU" dirty="0" smtClean="0"/>
-              <a:t>3. Работа с репозиторием в </a:t>
-            </a:r>
-            <a:br>
-              <a:rPr lang="ru-RU" dirty="0" smtClean="0"/>
-            </a:br>
-            <a:r>
-              <a:rPr lang="ru-RU" dirty="0" smtClean="0"/>
-              <a:t>рамках одной ветки</a:t>
-            </a:r>
-            <a:endParaRPr lang="ru-RU" dirty="0"/>
-          </a:p>
-        </p:txBody>
-      </p:sp>
-      <p:sp>
-        <p:nvSpPr>
-          <p:cNvPr id="3" name="Содержимое 2"/>
-          <p:cNvSpPr>
-            <a:spLocks noGrp="1"/>
-          </p:cNvSpPr>
-          <p:nvPr>
-            <p:ph idx="1"/>
-          </p:nvPr>
-        </p:nvSpPr>
-        <p:spPr>
-          <a:xfrm>
-            <a:off x="476250" y="980730"/>
-            <a:ext cx="8210550" cy="5553423"/>
-          </a:xfrm>
-        </p:spPr>
-        <p:txBody>
-          <a:bodyPr/>
-          <a:lstStyle/>
-          <a:p>
-            <a:pPr>
-              <a:buNone/>
-            </a:pPr>
-            <a:r>
-              <a:rPr lang="ru-RU" sz="1600" dirty="0" smtClean="0"/>
-              <a:t>Наиболее распространенные действия при работе с репозиторием:</a:t>
-            </a:r>
-          </a:p>
-          <a:p>
-            <a:pPr>
-              <a:buNone/>
-            </a:pPr>
-            <a:r>
-              <a:rPr lang="ru-RU" sz="1600" dirty="0" smtClean="0"/>
-              <a:t>Фиксация локальных изменений (с</a:t>
-            </a:r>
-            <a:r>
-              <a:rPr lang="en-US" sz="1600" dirty="0" err="1" smtClean="0"/>
-              <a:t>ommit</a:t>
-            </a:r>
-            <a:r>
-              <a:rPr lang="ru-RU" sz="1600" dirty="0" smtClean="0"/>
-              <a:t>)</a:t>
-            </a:r>
-            <a:endParaRPr lang="en-US" sz="1600" dirty="0" smtClean="0"/>
-          </a:p>
-          <a:p>
-            <a:pPr indent="104775">
-              <a:buNone/>
-            </a:pPr>
-            <a:r>
-              <a:rPr lang="en-US" sz="1600" i="1" dirty="0" err="1" smtClean="0">
-                <a:solidFill>
-                  <a:schemeClr val="tx1"/>
-                </a:solidFill>
-                <a:latin typeface="+mn-lt"/>
-              </a:rPr>
-              <a:t>git</a:t>
-            </a:r>
-            <a:r>
-              <a:rPr lang="en-US" sz="1600" i="1" dirty="0" smtClean="0">
-                <a:solidFill>
-                  <a:schemeClr val="tx1"/>
-                </a:solidFill>
-                <a:latin typeface="+mn-lt"/>
-              </a:rPr>
-              <a:t> commit –m “</a:t>
-            </a:r>
-            <a:r>
-              <a:rPr lang="ru-RU" sz="1600" i="1" dirty="0" smtClean="0">
-                <a:solidFill>
-                  <a:schemeClr val="tx1"/>
-                </a:solidFill>
-                <a:latin typeface="+mn-lt"/>
-              </a:rPr>
-              <a:t>Описание </a:t>
-            </a:r>
-            <a:r>
-              <a:rPr lang="ru-RU" sz="1600" i="1" dirty="0" err="1" smtClean="0">
-                <a:solidFill>
-                  <a:schemeClr val="tx1"/>
-                </a:solidFill>
-                <a:latin typeface="+mn-lt"/>
-              </a:rPr>
-              <a:t>коммита</a:t>
-            </a:r>
-            <a:r>
-              <a:rPr lang="en-US" sz="1600" i="1" dirty="0" smtClean="0">
-                <a:solidFill>
-                  <a:schemeClr val="tx1"/>
-                </a:solidFill>
-                <a:latin typeface="+mn-lt"/>
-              </a:rPr>
-              <a:t>”</a:t>
-            </a:r>
-            <a:endParaRPr lang="ru-RU" sz="1600" dirty="0" smtClean="0">
-              <a:solidFill>
-                <a:schemeClr val="tx1"/>
-              </a:solidFill>
-              <a:latin typeface="+mn-lt"/>
-            </a:endParaRPr>
-          </a:p>
-          <a:p>
-            <a:pPr marL="0" indent="447675">
-              <a:buNone/>
-            </a:pPr>
-            <a:r>
-              <a:rPr lang="ru-RU" sz="1600" dirty="0" err="1" smtClean="0">
-                <a:solidFill>
-                  <a:schemeClr val="tx1"/>
-                </a:solidFill>
-                <a:latin typeface="+mn-lt"/>
-              </a:rPr>
-              <a:t>Коммит</a:t>
-            </a:r>
-            <a:r>
-              <a:rPr lang="ru-RU" sz="1600" dirty="0" smtClean="0">
-                <a:solidFill>
-                  <a:schemeClr val="tx1"/>
-                </a:solidFill>
-                <a:latin typeface="+mn-lt"/>
-              </a:rPr>
-              <a:t> должен быть атомарным, т.е. одно изменение – один </a:t>
-            </a:r>
-            <a:r>
-              <a:rPr lang="ru-RU" sz="1600" dirty="0" err="1" smtClean="0">
-                <a:solidFill>
-                  <a:schemeClr val="tx1"/>
-                </a:solidFill>
-                <a:latin typeface="+mn-lt"/>
-              </a:rPr>
-              <a:t>коммит</a:t>
-            </a:r>
-            <a:r>
-              <a:rPr lang="ru-RU" sz="1600" dirty="0" smtClean="0">
-                <a:solidFill>
-                  <a:schemeClr val="tx1"/>
-                </a:solidFill>
-                <a:latin typeface="+mn-lt"/>
-              </a:rPr>
-              <a:t>.</a:t>
-            </a:r>
-          </a:p>
-          <a:p>
-            <a:pPr marL="0" indent="447675">
-              <a:buNone/>
-            </a:pPr>
-            <a:r>
-              <a:rPr lang="ru-RU" sz="1600" dirty="0" smtClean="0">
-                <a:solidFill>
-                  <a:schemeClr val="tx1"/>
-                </a:solidFill>
-                <a:latin typeface="+mn-lt"/>
-              </a:rPr>
-              <a:t>Тема сообщения начинается с заглавной буквы, не завершается точкой и ограничивается 50 символами.</a:t>
-            </a:r>
-          </a:p>
-          <a:p>
-            <a:pPr marL="0" indent="447675">
-              <a:buNone/>
-            </a:pPr>
-            <a:r>
-              <a:rPr lang="ru-RU" sz="1600" dirty="0" smtClean="0">
-                <a:solidFill>
-                  <a:schemeClr val="tx1"/>
-                </a:solidFill>
-                <a:latin typeface="+mn-lt"/>
-              </a:rPr>
-              <a:t>Основной текст отделяется от темы пустой строкой. Каждая строка ограничена 72 символами.</a:t>
-            </a:r>
-          </a:p>
-          <a:p>
-            <a:pPr marL="0" indent="447675">
-              <a:buNone/>
-            </a:pPr>
-            <a:r>
-              <a:rPr lang="ru-RU" sz="1600" dirty="0" smtClean="0">
-                <a:solidFill>
-                  <a:schemeClr val="tx1"/>
-                </a:solidFill>
-                <a:latin typeface="+mn-lt"/>
-              </a:rPr>
-              <a:t>В тексте сообщения предпочтительно описать что было изменено и причину изменений. Если внесенные изменения нарушают работу какого-либо другого функционала, необходимо также указать это в тексте сообщения.</a:t>
-            </a:r>
-          </a:p>
-          <a:p>
-            <a:pPr marL="0" indent="447675">
-              <a:buNone/>
-            </a:pPr>
-            <a:r>
-              <a:rPr lang="ru-RU" sz="1600" dirty="0" smtClean="0">
-                <a:solidFill>
-                  <a:schemeClr val="tx1"/>
-                </a:solidFill>
-                <a:latin typeface="+mn-lt"/>
-              </a:rPr>
-              <a:t>Так как текст </a:t>
-            </a:r>
-            <a:r>
-              <a:rPr lang="ru-RU" sz="1600" dirty="0" err="1" smtClean="0">
-                <a:solidFill>
-                  <a:schemeClr val="tx1"/>
-                </a:solidFill>
-                <a:latin typeface="+mn-lt"/>
-              </a:rPr>
-              <a:t>коммита</a:t>
-            </a:r>
-            <a:r>
-              <a:rPr lang="ru-RU" sz="1600" dirty="0" smtClean="0">
-                <a:solidFill>
-                  <a:schemeClr val="tx1"/>
-                </a:solidFill>
-                <a:latin typeface="+mn-lt"/>
-              </a:rPr>
-              <a:t> занимает несколько строк, необходимо предварительно сформировать текст сообщения в файле</a:t>
-            </a:r>
-            <a:r>
-              <a:rPr lang="en-US" sz="1600" dirty="0" smtClean="0">
-                <a:solidFill>
-                  <a:schemeClr val="tx1"/>
-                </a:solidFill>
-                <a:latin typeface="+mn-lt"/>
-              </a:rPr>
-              <a:t> (</a:t>
-            </a:r>
-            <a:r>
-              <a:rPr lang="ru-RU" sz="1600" dirty="0" smtClean="0">
-                <a:solidFill>
-                  <a:schemeClr val="tx1"/>
-                </a:solidFill>
-                <a:latin typeface="+mn-lt"/>
-              </a:rPr>
-              <a:t>в случае </a:t>
-            </a:r>
-            <a:r>
-              <a:rPr lang="en-US" sz="1600" dirty="0" smtClean="0">
-                <a:solidFill>
-                  <a:schemeClr val="tx1"/>
-                </a:solidFill>
-                <a:latin typeface="+mn-lt"/>
-              </a:rPr>
-              <a:t>Tortoise Git </a:t>
-            </a:r>
-            <a:r>
-              <a:rPr lang="ru-RU" sz="1600" dirty="0" smtClean="0">
-                <a:solidFill>
-                  <a:schemeClr val="tx1"/>
-                </a:solidFill>
-                <a:latin typeface="+mn-lt"/>
-              </a:rPr>
-              <a:t>используется отдельное окно редактора и отсутствует необходимость в файле</a:t>
-            </a:r>
-            <a:r>
-              <a:rPr lang="en-US" sz="1600" dirty="0" smtClean="0">
-                <a:solidFill>
-                  <a:schemeClr val="tx1"/>
-                </a:solidFill>
-                <a:latin typeface="+mn-lt"/>
-              </a:rPr>
-              <a:t>)</a:t>
-            </a:r>
-            <a:r>
-              <a:rPr lang="ru-RU" sz="1600" dirty="0" smtClean="0">
-                <a:solidFill>
-                  <a:schemeClr val="tx1"/>
-                </a:solidFill>
-                <a:latin typeface="+mn-lt"/>
-              </a:rPr>
-              <a:t> и использовать его при формировании </a:t>
-            </a:r>
-            <a:r>
-              <a:rPr lang="ru-RU" sz="1600" dirty="0" err="1" smtClean="0">
-                <a:solidFill>
-                  <a:schemeClr val="tx1"/>
-                </a:solidFill>
-                <a:latin typeface="+mn-lt"/>
-              </a:rPr>
-              <a:t>коммита</a:t>
-            </a:r>
-            <a:r>
-              <a:rPr lang="ru-RU" sz="1600" dirty="0" smtClean="0">
-                <a:solidFill>
-                  <a:schemeClr val="tx1"/>
-                </a:solidFill>
-                <a:latin typeface="+mn-lt"/>
-              </a:rPr>
-              <a:t>. Для этого необходимо воспользоваться следующей командой:</a:t>
-            </a:r>
-          </a:p>
-          <a:p>
-            <a:pPr marL="0" indent="447675">
-              <a:buNone/>
-            </a:pPr>
-            <a:r>
-              <a:rPr lang="en-US" sz="1600" i="1" dirty="0" err="1" smtClean="0">
-                <a:solidFill>
-                  <a:schemeClr val="tx1"/>
-                </a:solidFill>
-                <a:latin typeface="+mn-lt"/>
-              </a:rPr>
-              <a:t>git</a:t>
-            </a:r>
-            <a:r>
-              <a:rPr lang="en-US" sz="1600" i="1" dirty="0" smtClean="0">
-                <a:solidFill>
-                  <a:schemeClr val="tx1"/>
-                </a:solidFill>
-                <a:latin typeface="+mn-lt"/>
-              </a:rPr>
-              <a:t> commit -F </a:t>
-            </a:r>
-            <a:r>
-              <a:rPr lang="ru-RU" sz="1600" i="1" dirty="0" smtClean="0">
-                <a:solidFill>
-                  <a:schemeClr val="tx1"/>
-                </a:solidFill>
-                <a:latin typeface="+mn-lt"/>
-              </a:rPr>
-              <a:t>Имя Файла</a:t>
-            </a:r>
-            <a:endParaRPr lang="en-US" sz="1600" i="1" dirty="0" smtClean="0">
-              <a:solidFill>
-                <a:schemeClr val="tx1"/>
-              </a:solidFill>
-              <a:latin typeface="+mn-lt"/>
-            </a:endParaRPr>
-          </a:p>
-          <a:p>
-            <a:pPr>
-              <a:buNone/>
-            </a:pPr>
-            <a:r>
-              <a:rPr lang="ru-RU" sz="1600" dirty="0" smtClean="0"/>
-              <a:t>Отмена нежелательного </a:t>
-            </a:r>
-            <a:r>
-              <a:rPr lang="ru-RU" sz="1600" dirty="0" err="1" smtClean="0"/>
-              <a:t>коммита</a:t>
-            </a:r>
-            <a:endParaRPr lang="ru-RU" sz="1600" dirty="0" smtClean="0"/>
-          </a:p>
-          <a:p>
-            <a:pPr indent="104775">
-              <a:buNone/>
-            </a:pPr>
-            <a:r>
-              <a:rPr lang="en-US" sz="1600" i="1" dirty="0" err="1" smtClean="0">
-                <a:solidFill>
-                  <a:schemeClr val="tx1"/>
-                </a:solidFill>
-                <a:latin typeface="+mn-lt"/>
-              </a:rPr>
-              <a:t>git</a:t>
-            </a:r>
-            <a:r>
-              <a:rPr lang="en-US" sz="1600" i="1" dirty="0" smtClean="0">
-                <a:solidFill>
-                  <a:schemeClr val="tx1"/>
-                </a:solidFill>
-                <a:latin typeface="+mn-lt"/>
-              </a:rPr>
-              <a:t> revert </a:t>
-            </a:r>
-            <a:r>
-              <a:rPr lang="en-US" sz="1600" i="1" dirty="0" err="1" smtClean="0">
-                <a:solidFill>
-                  <a:schemeClr val="tx1"/>
-                </a:solidFill>
-                <a:latin typeface="+mn-lt"/>
-              </a:rPr>
-              <a:t>commit_id</a:t>
-            </a:r>
-            <a:r>
-              <a:rPr lang="ru-RU" sz="1600" dirty="0" smtClean="0"/>
-              <a:t>	</a:t>
-            </a:r>
-            <a:endParaRPr lang="ru-RU" sz="1600" i="1" dirty="0" smtClean="0">
-              <a:solidFill>
-                <a:schemeClr val="tx1"/>
-              </a:solidFill>
-            </a:endParaRPr>
-          </a:p>
-          <a:p>
-            <a:pPr indent="104775">
-              <a:buNone/>
-            </a:pPr>
-            <a:r>
-              <a:rPr lang="en-US" sz="1600" i="1" dirty="0" err="1" smtClean="0">
-                <a:solidFill>
-                  <a:schemeClr val="tx1"/>
-                </a:solidFill>
-                <a:latin typeface="+mn-lt"/>
-              </a:rPr>
-              <a:t>commit_id</a:t>
-            </a:r>
-            <a:r>
-              <a:rPr lang="ru-RU" sz="1600" i="1" dirty="0" smtClean="0">
-                <a:solidFill>
-                  <a:schemeClr val="tx1"/>
-                </a:solidFill>
-                <a:latin typeface="+mn-lt"/>
-              </a:rPr>
-              <a:t>, </a:t>
-            </a:r>
-            <a:r>
-              <a:rPr lang="ru-RU" sz="1600" dirty="0" smtClean="0">
-                <a:solidFill>
-                  <a:schemeClr val="tx1"/>
-                </a:solidFill>
-                <a:latin typeface="+mn-lt"/>
-              </a:rPr>
-              <a:t>а также список коммитов </a:t>
-            </a:r>
-            <a:r>
-              <a:rPr lang="en-US" sz="1600" dirty="0" smtClean="0">
-                <a:solidFill>
-                  <a:schemeClr val="tx1"/>
-                </a:solidFill>
-                <a:latin typeface="+mn-lt"/>
-              </a:rPr>
-              <a:t> </a:t>
-            </a:r>
-            <a:r>
-              <a:rPr lang="ru-RU" sz="1600" dirty="0" smtClean="0">
-                <a:solidFill>
-                  <a:schemeClr val="tx1"/>
-                </a:solidFill>
-                <a:latin typeface="+mn-lt"/>
-              </a:rPr>
-              <a:t>может быть открыт командой </a:t>
-            </a:r>
-            <a:r>
-              <a:rPr lang="en-US" sz="1600" i="1" dirty="0" err="1" smtClean="0">
-                <a:solidFill>
-                  <a:schemeClr val="tx1"/>
-                </a:solidFill>
-                <a:latin typeface="+mn-lt"/>
-              </a:rPr>
-              <a:t>git</a:t>
-            </a:r>
-            <a:r>
-              <a:rPr lang="en-US" sz="1600" i="1" dirty="0" smtClean="0">
-                <a:solidFill>
-                  <a:schemeClr val="tx1"/>
-                </a:solidFill>
-                <a:latin typeface="+mn-lt"/>
-              </a:rPr>
-              <a:t> log</a:t>
-            </a:r>
-            <a:endParaRPr lang="ru-RU" sz="1600" i="1" dirty="0">
-              <a:solidFill>
-                <a:schemeClr val="tx1"/>
-              </a:solidFill>
-              <a:latin typeface="+mn-lt"/>
-            </a:endParaRPr>
-          </a:p>
-        </p:txBody>
-      </p:sp>
-    </p:spTree>
-  </p:cSld>
-  <p:clrMapOvr>
-    <a:masterClrMapping/>
-  </p:clrMapOvr>
-  <p:transition/>
-  <p:timing>
-    <p:tnLst>
-      <p:par>
-        <p:cTn id="1" dur="indefinite" restart="never" nodeType="tmRoot"/>
-      </p:par>
-    </p:tnLst>
-  </p:timing>
-</p:sld>
-</file>
-
 <file path=ppt/slides/slide9.xml><?xml version="1.0" encoding="utf-8"?>
 <p:sld xmlns:a="http://schemas.openxmlformats.org/drawingml/2006/main" xmlns:r="http://schemas.openxmlformats.org/officeDocument/2006/relationships" xmlns:p="http://schemas.openxmlformats.org/presentationml/2006/main">
   <p:cSld>
@@ -9170,8 +9781,8 @@
         </p:nvSpPr>
         <p:spPr>
           <a:xfrm>
-            <a:off x="467544" y="1124745"/>
-            <a:ext cx="8210550" cy="5265737"/>
+            <a:off x="476250" y="980730"/>
+            <a:ext cx="8210550" cy="5553423"/>
           </a:xfrm>
         </p:spPr>
         <p:txBody>
@@ -9183,229 +9794,7 @@
             </a:pPr>
             <a:r>
               <a:rPr lang="ru-RU" sz="1600" dirty="0" smtClean="0"/>
-              <a:t>Добавление нового локального файла в репозиторий:</a:t>
-            </a:r>
-          </a:p>
-          <a:p>
-            <a:pPr indent="104775">
-              <a:buNone/>
-            </a:pPr>
-            <a:r>
-              <a:rPr lang="en-US" sz="1600" i="1" dirty="0" err="1" smtClean="0">
-                <a:solidFill>
-                  <a:schemeClr val="tx1"/>
-                </a:solidFill>
-                <a:latin typeface="+mn-lt"/>
-              </a:rPr>
-              <a:t>git</a:t>
-            </a:r>
-            <a:r>
-              <a:rPr lang="en-US" sz="1600" i="1" dirty="0" smtClean="0">
-                <a:solidFill>
-                  <a:schemeClr val="tx1"/>
-                </a:solidFill>
-                <a:latin typeface="+mn-lt"/>
-              </a:rPr>
-              <a:t> add [</a:t>
-            </a:r>
-            <a:r>
-              <a:rPr lang="ru-RU" sz="1600" i="1" dirty="0" err="1" smtClean="0">
-                <a:solidFill>
-                  <a:schemeClr val="tx1"/>
-                </a:solidFill>
-                <a:latin typeface="+mn-lt"/>
-              </a:rPr>
-              <a:t>имя_файла</a:t>
-            </a:r>
-            <a:r>
-              <a:rPr lang="en-US" sz="1600" i="1" dirty="0" smtClean="0">
-                <a:solidFill>
-                  <a:schemeClr val="tx1"/>
-                </a:solidFill>
-                <a:latin typeface="+mn-lt"/>
-              </a:rPr>
-              <a:t>] [. – </a:t>
-            </a:r>
-            <a:r>
-              <a:rPr lang="ru-RU" sz="1600" i="1" dirty="0" smtClean="0">
-                <a:solidFill>
-                  <a:schemeClr val="tx1"/>
-                </a:solidFill>
-                <a:latin typeface="+mn-lt"/>
-              </a:rPr>
-              <a:t>добавить все файлы </a:t>
-            </a:r>
-            <a:r>
-              <a:rPr lang="ru-RU" sz="1600" i="1" dirty="0" err="1" smtClean="0">
-                <a:solidFill>
-                  <a:schemeClr val="tx1"/>
-                </a:solidFill>
-                <a:latin typeface="+mn-lt"/>
-              </a:rPr>
-              <a:t>текщуей</a:t>
-            </a:r>
-            <a:r>
-              <a:rPr lang="en-US" sz="1600" i="1" dirty="0" smtClean="0">
-                <a:solidFill>
-                  <a:schemeClr val="tx1"/>
-                </a:solidFill>
-                <a:latin typeface="+mn-lt"/>
-              </a:rPr>
-              <a:t> </a:t>
-            </a:r>
-            <a:r>
-              <a:rPr lang="ru-RU" sz="1600" i="1" dirty="0" smtClean="0">
-                <a:solidFill>
-                  <a:schemeClr val="tx1"/>
-                </a:solidFill>
-                <a:latin typeface="+mn-lt"/>
-              </a:rPr>
-              <a:t>директории</a:t>
-            </a:r>
-            <a:r>
-              <a:rPr lang="en-US" sz="1600" i="1" dirty="0" smtClean="0">
-                <a:solidFill>
-                  <a:schemeClr val="tx1"/>
-                </a:solidFill>
-                <a:latin typeface="+mn-lt"/>
-              </a:rPr>
-              <a:t>]</a:t>
-            </a:r>
-          </a:p>
-          <a:p>
-            <a:pPr marL="0" indent="447675">
-              <a:buNone/>
-            </a:pPr>
-            <a:r>
-              <a:rPr lang="ru-RU" sz="1600" dirty="0" smtClean="0">
-                <a:solidFill>
-                  <a:schemeClr val="tx1"/>
-                </a:solidFill>
-                <a:latin typeface="+mn-lt"/>
-              </a:rPr>
-              <a:t>Для того чтобы изменения вносимые в какой-либо файл отслеживались в репозитории этот файл необходимо предварительно добавить файл в репозиторий при помощи команды </a:t>
-            </a:r>
-            <a:r>
-              <a:rPr lang="en-US" sz="1600" i="1" dirty="0" err="1" smtClean="0">
-                <a:solidFill>
-                  <a:schemeClr val="tx1"/>
-                </a:solidFill>
-                <a:latin typeface="+mn-lt"/>
-              </a:rPr>
-              <a:t>git</a:t>
-            </a:r>
-            <a:r>
-              <a:rPr lang="en-US" sz="1600" i="1" dirty="0" smtClean="0">
-                <a:solidFill>
-                  <a:schemeClr val="tx1"/>
-                </a:solidFill>
-                <a:latin typeface="+mn-lt"/>
-              </a:rPr>
-              <a:t> add</a:t>
-            </a:r>
-            <a:r>
-              <a:rPr lang="ru-RU" sz="1600" i="1" dirty="0" smtClean="0">
-                <a:solidFill>
-                  <a:schemeClr val="tx1"/>
-                </a:solidFill>
-                <a:latin typeface="+mn-lt"/>
-              </a:rPr>
-              <a:t>. </a:t>
-            </a:r>
-            <a:r>
-              <a:rPr lang="ru-RU" sz="1600" dirty="0" smtClean="0">
-                <a:solidFill>
-                  <a:schemeClr val="tx1"/>
-                </a:solidFill>
-                <a:latin typeface="+mn-lt"/>
-              </a:rPr>
-              <a:t>Новые создаваемые файлы по умолчанию не включаются в репозиторий.</a:t>
-            </a:r>
-          </a:p>
-          <a:p>
-            <a:pPr marL="0" indent="447675">
-              <a:buNone/>
-            </a:pPr>
-            <a:r>
-              <a:rPr lang="ru-RU" sz="1600" dirty="0" smtClean="0">
-                <a:solidFill>
-                  <a:schemeClr val="tx1"/>
-                </a:solidFill>
-                <a:latin typeface="+mn-lt"/>
-              </a:rPr>
-              <a:t>При использовании командной строки при работе с </a:t>
-            </a:r>
-            <a:r>
-              <a:rPr lang="en-US" sz="1600" dirty="0" err="1" smtClean="0">
-                <a:solidFill>
-                  <a:schemeClr val="tx1"/>
-                </a:solidFill>
-                <a:latin typeface="+mn-lt"/>
-              </a:rPr>
-              <a:t>git</a:t>
-            </a:r>
-            <a:r>
-              <a:rPr lang="ru-RU" sz="1600" dirty="0" smtClean="0">
-                <a:solidFill>
-                  <a:schemeClr val="tx1"/>
-                </a:solidFill>
-                <a:latin typeface="+mn-lt"/>
-              </a:rPr>
-              <a:t>, необходимо добавлять файл, в котором произведены изменения перед каждым </a:t>
-            </a:r>
-            <a:r>
-              <a:rPr lang="ru-RU" sz="1600" dirty="0" err="1" smtClean="0">
-                <a:solidFill>
-                  <a:schemeClr val="tx1"/>
-                </a:solidFill>
-                <a:latin typeface="+mn-lt"/>
-              </a:rPr>
-              <a:t>коммитом</a:t>
-            </a:r>
-            <a:r>
-              <a:rPr lang="ru-RU" sz="1600" dirty="0" smtClean="0">
-                <a:solidFill>
-                  <a:schemeClr val="tx1"/>
-                </a:solidFill>
-                <a:latin typeface="+mn-lt"/>
-              </a:rPr>
-              <a:t>. В случае если работа ведется через </a:t>
-            </a:r>
-            <a:r>
-              <a:rPr lang="en-US" sz="1600" dirty="0" smtClean="0">
-                <a:solidFill>
-                  <a:schemeClr val="tx1"/>
-                </a:solidFill>
-                <a:latin typeface="+mn-lt"/>
-              </a:rPr>
-              <a:t>Tortoise Git </a:t>
-            </a:r>
-            <a:r>
-              <a:rPr lang="ru-RU" sz="1600" dirty="0" smtClean="0">
-                <a:solidFill>
-                  <a:schemeClr val="tx1"/>
-                </a:solidFill>
-                <a:latin typeface="+mn-lt"/>
-              </a:rPr>
-              <a:t>или встроена в </a:t>
-            </a:r>
-            <a:r>
-              <a:rPr lang="en-US" sz="1600" dirty="0" smtClean="0">
-                <a:solidFill>
-                  <a:schemeClr val="tx1"/>
-                </a:solidFill>
-                <a:latin typeface="+mn-lt"/>
-              </a:rPr>
-              <a:t>IDE</a:t>
-            </a:r>
-            <a:r>
-              <a:rPr lang="ru-RU" sz="1600" dirty="0" smtClean="0">
-                <a:solidFill>
-                  <a:schemeClr val="tx1"/>
-                </a:solidFill>
-                <a:latin typeface="+mn-lt"/>
-              </a:rPr>
-              <a:t>, то данная операция будет выполнятся автоматически.</a:t>
+              <a:t>Наиболее распространенные действия при работе с репозиторием:</a:t>
             </a:r>
           </a:p>
           <a:p>
@@ -9414,24 +9803,17 @@
             </a:pPr>
             <a:r>
               <a:rPr lang="ru-RU" sz="1600" dirty="0" smtClean="0"/>
-              <a:t>Загрузка локальных</a:t>
-            </a:r>
-            <a:r>
-              <a:rPr lang="en-US" sz="1600" dirty="0" smtClean="0"/>
-              <a:t> </a:t>
-            </a:r>
-            <a:r>
-              <a:rPr lang="ru-RU" sz="1600" dirty="0" smtClean="0"/>
-              <a:t>коммитов на сервер (</a:t>
-            </a:r>
-            <a:r>
-              <a:rPr lang="en-US" sz="1600" dirty="0" smtClean="0"/>
-              <a:t>push</a:t>
+              <a:t>Фиксация локальных изменений (с</a:t>
+            </a:r>
+            <a:r>
+              <a:rPr lang="en-US" sz="1600" dirty="0" err="1" smtClean="0"/>
+              <a:t>ommit</a:t>
             </a:r>
             <a:r>
               <a:rPr lang="ru-RU" sz="1600" dirty="0" smtClean="0"/>
               <a:t>)</a:t>
             </a:r>
+            <a:endParaRPr lang="en-US" sz="1600" dirty="0" smtClean="0"/>
           </a:p>
           <a:p>
             <a:pPr indent="104775">
@@ -9453,7 +9835,16 @@
                 </a:solidFill>
                 <a:latin typeface="+mn-lt"/>
               </a:rPr>
-              <a:t> push origin [</a:t>
+              <a:t> commit –m “</a:t>
+            </a:r>
+            <a:r>
+              <a:rPr lang="ru-RU" sz="1600" i="1" dirty="0" smtClean="0">
+                <a:solidFill>
+                  <a:schemeClr val="tx1"/>
+                </a:solidFill>
+                <a:latin typeface="+mn-lt"/>
+              </a:rPr>
+              <a:t>Описание </a:t>
             </a:r>
             <a:r>
               <a:rPr lang="ru-RU" sz="1600" i="1" dirty="0" err="1" smtClean="0">
@@ -9462,7 +9853,7 @@
                 </a:solidFill>
                 <a:latin typeface="+mn-lt"/>
               </a:rPr>
-              <a:t>имя_ветки</a:t>
+              <a:t>коммита</a:t>
             </a:r>
             <a:r>
               <a:rPr lang="en-US" sz="1600" i="1" dirty="0" smtClean="0">
@@ -9471,92 +9862,7 @@
                 </a:solidFill>
                 <a:latin typeface="+mn-lt"/>
               </a:rPr>
-              <a:t>]</a:t>
-            </a:r>
-            <a:endParaRPr lang="ru-RU" sz="1600" i="1" dirty="0" smtClean="0">
-              <a:solidFill>
-                <a:schemeClr val="tx1"/>
-              </a:solidFill>
-              <a:latin typeface="+mn-lt"/>
-            </a:endParaRPr>
-          </a:p>
-          <a:p>
-            <a:pPr marL="0" indent="447675">
-              <a:buNone/>
-            </a:pPr>
-            <a:r>
-              <a:rPr lang="ru-RU" sz="1600" dirty="0" smtClean="0">
-                <a:solidFill>
-                  <a:schemeClr val="tx1"/>
-                </a:solidFill>
-                <a:latin typeface="+mn-lt"/>
-              </a:rPr>
-              <a:t>Загрузка всех локальных коммитов (не загруженных ранее) из локального репозитория в удаленный. Если указать имя ветки, то будут загружены изменения только этой ветки, иначе будут загружены локальные изменения во всех ветках.</a:t>
-            </a:r>
-            <a:endParaRPr lang="ru-RU" sz="1600" i="1" dirty="0" smtClean="0">
-              <a:solidFill>
-                <a:schemeClr val="tx1"/>
-              </a:solidFill>
-              <a:latin typeface="+mn-lt"/>
-            </a:endParaRPr>
-          </a:p>
-          <a:p>
-            <a:pPr>
-              <a:buNone/>
-            </a:pPr>
-            <a:r>
-              <a:rPr lang="ru-RU" sz="1600" dirty="0" smtClean="0"/>
-              <a:t>Обновление </a:t>
-            </a:r>
-            <a:r>
-              <a:rPr lang="ru-RU" sz="1600" dirty="0" smtClean="0"/>
-              <a:t>локального репозитория (</a:t>
-            </a:r>
-            <a:r>
-              <a:rPr lang="en-US" sz="1600" dirty="0" smtClean="0"/>
-              <a:t>pull)</a:t>
-            </a:r>
-            <a:endParaRPr lang="ru-RU" sz="1600" dirty="0" smtClean="0"/>
-          </a:p>
-          <a:p>
-            <a:pPr indent="104775">
-              <a:buNone/>
-            </a:pPr>
-            <a:r>
-              <a:rPr lang="en-US" sz="1600" i="1" dirty="0" err="1" smtClean="0">
-                <a:solidFill>
-                  <a:schemeClr val="tx1"/>
-                </a:solidFill>
-                <a:latin typeface="+mn-lt"/>
-              </a:rPr>
-              <a:t>git</a:t>
-            </a:r>
-            <a:r>
-              <a:rPr lang="en-US" sz="1600" i="1" dirty="0" smtClean="0">
-                <a:solidFill>
-                  <a:schemeClr val="tx1"/>
-                </a:solidFill>
-                <a:latin typeface="+mn-lt"/>
-              </a:rPr>
-              <a:t> pull origin [</a:t>
-            </a:r>
-            <a:r>
-              <a:rPr lang="ru-RU" sz="1600" i="1" dirty="0" err="1" smtClean="0">
-                <a:solidFill>
-                  <a:schemeClr val="tx1"/>
-                </a:solidFill>
-                <a:latin typeface="+mn-lt"/>
-              </a:rPr>
-              <a:t>имя_ветки</a:t>
-            </a:r>
-            <a:r>
-              <a:rPr lang="en-US" sz="1600" i="1" dirty="0" smtClean="0">
-                <a:solidFill>
-                  <a:schemeClr val="tx1"/>
-                </a:solidFill>
-                <a:latin typeface="+mn-lt"/>
-              </a:rPr>
-              <a:t>]</a:t>
+              <a:t>”</a:t>
             </a:r>
             <a:endParaRPr lang="ru-RU" sz="1600" dirty="0" smtClean="0">
               <a:solidFill>
@@ -9570,15 +9876,220 @@
               <a:buNone/>
             </a:pPr>
             <a:r>
-              <a:rPr lang="ru-RU" sz="1600" dirty="0" smtClean="0">
-                <a:solidFill>
-                  <a:schemeClr val="tx1"/>
-                </a:solidFill>
-                <a:latin typeface="+mn-lt"/>
-              </a:rPr>
-              <a:t>Загрузка всех изменений из удаленного репозитория в локальный. Если указано имя ветки, то загрузится только конкретная ветка, иначе будут обновлены все ветки локального репозитория.</a:t>
-            </a:r>
-            <a:endParaRPr lang="en-US" sz="1600" dirty="0" smtClean="0">
+              <a:rPr lang="ru-RU" sz="1600" dirty="0" err="1" smtClean="0">
+                <a:solidFill>
+                  <a:schemeClr val="tx1"/>
+                </a:solidFill>
+                <a:latin typeface="+mn-lt"/>
+              </a:rPr>
+              <a:t>Коммит</a:t>
+            </a:r>
+            <a:r>
+              <a:rPr lang="ru-RU" sz="1600" dirty="0" smtClean="0">
+                <a:solidFill>
+                  <a:schemeClr val="tx1"/>
+                </a:solidFill>
+                <a:latin typeface="+mn-lt"/>
+              </a:rPr>
+              <a:t> должен быть атомарным, т.е. одно изменение – один </a:t>
+            </a:r>
+            <a:r>
+              <a:rPr lang="ru-RU" sz="1600" dirty="0" err="1" smtClean="0">
+                <a:solidFill>
+                  <a:schemeClr val="tx1"/>
+                </a:solidFill>
+                <a:latin typeface="+mn-lt"/>
+              </a:rPr>
+              <a:t>коммит</a:t>
+            </a:r>
+            <a:r>
+              <a:rPr lang="ru-RU" sz="1600" dirty="0" smtClean="0">
+                <a:solidFill>
+                  <a:schemeClr val="tx1"/>
+                </a:solidFill>
+                <a:latin typeface="+mn-lt"/>
+              </a:rPr>
+              <a:t>.</a:t>
+            </a:r>
+          </a:p>
+          <a:p>
+            <a:pPr marL="0" indent="447675">
+              <a:buNone/>
+            </a:pPr>
+            <a:r>
+              <a:rPr lang="ru-RU" sz="1600" dirty="0" smtClean="0">
+                <a:solidFill>
+                  <a:schemeClr val="tx1"/>
+                </a:solidFill>
+                <a:latin typeface="+mn-lt"/>
+              </a:rPr>
+              <a:t>Тема сообщения начинается с заглавной буквы, не завершается точкой и ограничивается 50 символами.</a:t>
+            </a:r>
+          </a:p>
+          <a:p>
+            <a:pPr marL="0" indent="447675">
+              <a:buNone/>
+            </a:pPr>
+            <a:r>
+              <a:rPr lang="ru-RU" sz="1600" dirty="0" smtClean="0">
+                <a:solidFill>
+                  <a:schemeClr val="tx1"/>
+                </a:solidFill>
+                <a:latin typeface="+mn-lt"/>
+              </a:rPr>
+              <a:t>Основной текст отделяется от темы пустой строкой. Каждая строка ограничена 72 символами.</a:t>
+            </a:r>
+          </a:p>
+          <a:p>
+            <a:pPr marL="0" indent="447675">
+              <a:buNone/>
+            </a:pPr>
+            <a:r>
+              <a:rPr lang="ru-RU" sz="1600" dirty="0" smtClean="0">
+                <a:solidFill>
+                  <a:schemeClr val="tx1"/>
+                </a:solidFill>
+                <a:latin typeface="+mn-lt"/>
+              </a:rPr>
+              <a:t>В тексте сообщения предпочтительно описать что было изменено и причину изменений. Если внесенные изменения нарушают работу какого-либо другого функционала, необходимо также указать это в тексте сообщения.</a:t>
+            </a:r>
+          </a:p>
+          <a:p>
+            <a:pPr marL="0" indent="447675">
+              <a:buNone/>
+            </a:pPr>
+            <a:r>
+              <a:rPr lang="ru-RU" sz="1600" dirty="0" smtClean="0">
+                <a:solidFill>
+                  <a:schemeClr val="tx1"/>
+                </a:solidFill>
+                <a:latin typeface="+mn-lt"/>
+              </a:rPr>
+              <a:t>Так как текст </a:t>
+            </a:r>
+            <a:r>
+              <a:rPr lang="ru-RU" sz="1600" dirty="0" err="1" smtClean="0">
+                <a:solidFill>
+                  <a:schemeClr val="tx1"/>
+                </a:solidFill>
+                <a:latin typeface="+mn-lt"/>
+              </a:rPr>
+              <a:t>коммита</a:t>
+            </a:r>
+            <a:r>
+              <a:rPr lang="ru-RU" sz="1600" dirty="0" smtClean="0">
+                <a:solidFill>
+                  <a:schemeClr val="tx1"/>
+                </a:solidFill>
+                <a:latin typeface="+mn-lt"/>
+              </a:rPr>
+              <a:t> занимает несколько строк, необходимо предварительно сформировать текст сообщения в файле</a:t>
+            </a:r>
+            <a:r>
+              <a:rPr lang="en-US" sz="1600" dirty="0" smtClean="0">
+                <a:solidFill>
+                  <a:schemeClr val="tx1"/>
+                </a:solidFill>
+                <a:latin typeface="+mn-lt"/>
+              </a:rPr>
+              <a:t> (</a:t>
+            </a:r>
+            <a:r>
+              <a:rPr lang="ru-RU" sz="1600" dirty="0" smtClean="0">
+                <a:solidFill>
+                  <a:schemeClr val="tx1"/>
+                </a:solidFill>
+                <a:latin typeface="+mn-lt"/>
+              </a:rPr>
+              <a:t>в случае </a:t>
+            </a:r>
+            <a:r>
+              <a:rPr lang="en-US" sz="1600" dirty="0" smtClean="0">
+                <a:solidFill>
+                  <a:schemeClr val="tx1"/>
+                </a:solidFill>
+                <a:latin typeface="+mn-lt"/>
+              </a:rPr>
+              <a:t>Tortoise Git </a:t>
+            </a:r>
+            <a:r>
+              <a:rPr lang="ru-RU" sz="1600" dirty="0" smtClean="0">
+                <a:solidFill>
+                  <a:schemeClr val="tx1"/>
+                </a:solidFill>
+                <a:latin typeface="+mn-lt"/>
+              </a:rPr>
+              <a:t>используется отдельное окно редактора и отсутствует необходимость в файле</a:t>
+            </a:r>
+            <a:r>
+              <a:rPr lang="en-US" sz="1600" dirty="0" smtClean="0">
+                <a:solidFill>
+                  <a:schemeClr val="tx1"/>
+                </a:solidFill>
+                <a:latin typeface="+mn-lt"/>
+              </a:rPr>
+              <a:t>)</a:t>
+            </a:r>
+            <a:r>
+              <a:rPr lang="ru-RU" sz="1600" dirty="0" smtClean="0">
+                <a:solidFill>
+                  <a:schemeClr val="tx1"/>
+                </a:solidFill>
+                <a:latin typeface="+mn-lt"/>
+              </a:rPr>
+              <a:t> и использовать его при формировании </a:t>
+            </a:r>
+            <a:r>
+              <a:rPr lang="ru-RU" sz="1600" dirty="0" err="1" smtClean="0">
+                <a:solidFill>
+                  <a:schemeClr val="tx1"/>
+                </a:solidFill>
+                <a:latin typeface="+mn-lt"/>
+              </a:rPr>
+              <a:t>коммита</a:t>
+            </a:r>
+            <a:r>
+              <a:rPr lang="ru-RU" sz="1600" dirty="0" smtClean="0">
+                <a:solidFill>
+                  <a:schemeClr val="tx1"/>
+                </a:solidFill>
+                <a:latin typeface="+mn-lt"/>
+              </a:rPr>
+              <a:t>. Для этого необходимо воспользоваться следующей командой:</a:t>
+            </a:r>
+          </a:p>
+          <a:p>
+            <a:pPr marL="0" indent="447675">
+              <a:buNone/>
+            </a:pPr>
+            <a:r>
+              <a:rPr lang="en-US" sz="1600" i="1" dirty="0" err="1" smtClean="0">
+                <a:solidFill>
+                  <a:schemeClr val="tx1"/>
+                </a:solidFill>
+                <a:latin typeface="+mn-lt"/>
+              </a:rPr>
+              <a:t>git</a:t>
+            </a:r>
+            <a:r>
+              <a:rPr lang="en-US" sz="1600" i="1" dirty="0" smtClean="0">
+                <a:solidFill>
+                  <a:schemeClr val="tx1"/>
+                </a:solidFill>
+                <a:latin typeface="+mn-lt"/>
+              </a:rPr>
+              <a:t> commit -F </a:t>
+            </a:r>
+            <a:r>
+              <a:rPr lang="ru-RU" sz="1600" i="1" dirty="0" smtClean="0">
+                <a:solidFill>
+                  <a:schemeClr val="tx1"/>
+                </a:solidFill>
+                <a:latin typeface="+mn-lt"/>
+              </a:rPr>
+              <a:t>Имя Файла</a:t>
+            </a:r>
+            <a:endParaRPr lang="en-US" sz="1600" i="1" dirty="0" smtClean="0">
               <a:solidFill>
                 <a:schemeClr val="tx1"/>
               </a:solidFill>
@@ -9586,7 +10097,133 @@
             </a:endParaRPr>
           </a:p>
           <a:p>
-            <a:endParaRPr lang="ru-RU" dirty="0"/>
+            <a:pPr>
+              <a:buNone/>
+            </a:pPr>
+            <a:r>
+              <a:rPr lang="ru-RU" sz="1600" dirty="0" smtClean="0"/>
+              <a:t>Отмена нежелательного </a:t>
+            </a:r>
+            <a:r>
+              <a:rPr lang="ru-RU" sz="1600" dirty="0" err="1" smtClean="0"/>
+              <a:t>коммита</a:t>
+            </a:r>
+            <a:endParaRPr lang="ru-RU" sz="1600" dirty="0" smtClean="0"/>
+          </a:p>
+          <a:p>
+            <a:pPr indent="104775">
+              <a:buNone/>
+            </a:pPr>
+            <a:r>
+              <a:rPr lang="en-US" sz="1600" i="1" dirty="0" err="1" smtClean="0">
+                <a:solidFill>
+                  <a:schemeClr val="tx1"/>
+                </a:solidFill>
+                <a:latin typeface="+mn-lt"/>
+              </a:rPr>
+              <a:t>git</a:t>
+            </a:r>
+            <a:r>
+              <a:rPr lang="en-US" sz="1600" i="1" dirty="0" smtClean="0">
+                <a:solidFill>
+                  <a:schemeClr val="tx1"/>
+                </a:solidFill>
+                <a:latin typeface="+mn-lt"/>
+              </a:rPr>
+              <a:t> revert </a:t>
+            </a:r>
+            <a:r>
+              <a:rPr lang="en-US" sz="1600" i="1" dirty="0" err="1" smtClean="0">
+                <a:solidFill>
+                  <a:schemeClr val="tx1"/>
+                </a:solidFill>
+                <a:latin typeface="+mn-lt"/>
+              </a:rPr>
+              <a:t>commit_id</a:t>
+            </a:r>
+            <a:r>
+              <a:rPr lang="ru-RU" sz="1600" dirty="0" smtClean="0"/>
+              <a:t>	</a:t>
+            </a:r>
+            <a:endParaRPr lang="ru-RU" sz="1600" i="1" dirty="0" smtClean="0">
+              <a:solidFill>
+                <a:schemeClr val="tx1"/>
+              </a:solidFill>
+            </a:endParaRPr>
+          </a:p>
+          <a:p>
+            <a:pPr indent="104775">
+              <a:buNone/>
+            </a:pPr>
+            <a:r>
+              <a:rPr lang="en-US" sz="1600" i="1" dirty="0" err="1" smtClean="0">
+                <a:solidFill>
+                  <a:schemeClr val="tx1"/>
+                </a:solidFill>
+                <a:latin typeface="+mn-lt"/>
+              </a:rPr>
+              <a:t>commit_id</a:t>
+            </a:r>
+            <a:r>
+              <a:rPr lang="ru-RU" sz="1600" i="1" dirty="0" smtClean="0">
+                <a:solidFill>
+                  <a:schemeClr val="tx1"/>
+                </a:solidFill>
+                <a:latin typeface="+mn-lt"/>
+              </a:rPr>
+              <a:t>, </a:t>
+            </a:r>
+            <a:r>
+              <a:rPr lang="ru-RU" sz="1600" dirty="0" smtClean="0">
+                <a:solidFill>
+                  <a:schemeClr val="tx1"/>
+                </a:solidFill>
+                <a:latin typeface="+mn-lt"/>
+              </a:rPr>
+              <a:t>а также список коммитов </a:t>
+            </a:r>
+            <a:r>
+              <a:rPr lang="en-US" sz="1600" dirty="0" smtClean="0">
+                <a:solidFill>
+                  <a:schemeClr val="tx1"/>
+                </a:solidFill>
+                <a:latin typeface="+mn-lt"/>
+              </a:rPr>
+              <a:t> </a:t>
+            </a:r>
+            <a:r>
+              <a:rPr lang="ru-RU" sz="1600" dirty="0" smtClean="0">
+                <a:solidFill>
+                  <a:schemeClr val="tx1"/>
+                </a:solidFill>
+                <a:latin typeface="+mn-lt"/>
+              </a:rPr>
+              <a:t>может быть открыт командой </a:t>
+            </a:r>
+            <a:r>
+              <a:rPr lang="en-US" sz="1600" i="1" dirty="0" err="1" smtClean="0">
+                <a:solidFill>
+                  <a:schemeClr val="tx1"/>
+                </a:solidFill>
+                <a:latin typeface="+mn-lt"/>
+              </a:rPr>
+              <a:t>git</a:t>
+            </a:r>
+            <a:r>
+              <a:rPr lang="en-US" sz="1600" i="1" dirty="0" smtClean="0">
+                <a:solidFill>
+                  <a:schemeClr val="tx1"/>
+                </a:solidFill>
+                <a:latin typeface="+mn-lt"/>
+              </a:rPr>
+              <a:t> log</a:t>
+            </a:r>
+            <a:endParaRPr lang="ru-RU" sz="1600" i="1" dirty="0">
+              <a:solidFill>
+                <a:schemeClr val="tx1"/>
+              </a:solidFill>
+              <a:latin typeface="+mn-lt"/>
+            </a:endParaRPr>
           </a:p>
         </p:txBody>
       </p:sp>
